--- a/SICB/SICB2025.pptx
+++ b/SICB/SICB2025.pptx
@@ -9,19 +9,19 @@
   </p:notesMasterIdLst>
   <p:sldIdLst>
     <p:sldId id="256" r:id="rId2"/>
-    <p:sldId id="258" r:id="rId3"/>
-    <p:sldId id="259" r:id="rId4"/>
-    <p:sldId id="260" r:id="rId5"/>
-    <p:sldId id="263" r:id="rId6"/>
-    <p:sldId id="264" r:id="rId7"/>
-    <p:sldId id="265" r:id="rId8"/>
-    <p:sldId id="266" r:id="rId9"/>
-    <p:sldId id="267" r:id="rId10"/>
-    <p:sldId id="268" r:id="rId11"/>
+    <p:sldId id="280" r:id="rId3"/>
+    <p:sldId id="276" r:id="rId4"/>
+    <p:sldId id="279" r:id="rId5"/>
+    <p:sldId id="278" r:id="rId6"/>
+    <p:sldId id="281" r:id="rId7"/>
+    <p:sldId id="282" r:id="rId8"/>
+    <p:sldId id="284" r:id="rId9"/>
+    <p:sldId id="268" r:id="rId10"/>
+    <p:sldId id="283" r:id="rId11"/>
     <p:sldId id="269" r:id="rId12"/>
     <p:sldId id="270" r:id="rId13"/>
     <p:sldId id="271" r:id="rId14"/>
-    <p:sldId id="272" r:id="rId15"/>
+    <p:sldId id="285" r:id="rId15"/>
     <p:sldId id="273" r:id="rId16"/>
     <p:sldId id="274" r:id="rId17"/>
   </p:sldIdLst>
@@ -128,24 +128,27 @@
         <p14:section name="Default Section" id="{CB9A2429-BB04-4327-8B60-27B2BF40770D}">
           <p14:sldIdLst>
             <p14:sldId id="256"/>
-            <p14:sldId id="258"/>
-            <p14:sldId id="259"/>
-            <p14:sldId id="260"/>
-            <p14:sldId id="263"/>
-            <p14:sldId id="264"/>
-            <p14:sldId id="265"/>
-            <p14:sldId id="266"/>
-            <p14:sldId id="267"/>
+            <p14:sldId id="280"/>
+            <p14:sldId id="276"/>
+            <p14:sldId id="279"/>
+            <p14:sldId id="278"/>
+            <p14:sldId id="281"/>
+            <p14:sldId id="282"/>
+            <p14:sldId id="284"/>
             <p14:sldId id="268"/>
+            <p14:sldId id="283"/>
             <p14:sldId id="269"/>
             <p14:sldId id="270"/>
             <p14:sldId id="271"/>
-            <p14:sldId id="272"/>
+            <p14:sldId id="285"/>
             <p14:sldId id="273"/>
             <p14:sldId id="274"/>
           </p14:sldIdLst>
         </p14:section>
       </p14:sectionLst>
+    </p:ext>
+    <p:ext uri="{EFAFB233-063F-42B5-8137-9DF3F51BA10A}">
+      <p15:sldGuideLst xmlns:p15="http://schemas.microsoft.com/office/powerpoint/2012/main"/>
     </p:ext>
   </p:extLst>
 </p:presentation>
@@ -592,7 +595,7 @@
         <p:cNvPr id="1" name="">
           <a:extLst>
             <a:ext uri="{FF2B5EF4-FFF2-40B4-BE49-F238E27FC236}">
-              <a16:creationId xmlns:a16="http://schemas.microsoft.com/office/drawing/2014/main" id="{265F9AD8-3362-5E16-6E73-772DA8189D6D}"/>
+              <a16:creationId xmlns:a16="http://schemas.microsoft.com/office/drawing/2014/main" id="{F0995FD6-58ED-2635-829B-ECE6481775D5}"/>
             </a:ext>
           </a:extLst>
         </p:cNvPr>
@@ -612,7 +615,7 @@
           <p:cNvPr id="2" name="Slide Image Placeholder 1">
             <a:extLst>
               <a:ext uri="{FF2B5EF4-FFF2-40B4-BE49-F238E27FC236}">
-                <a16:creationId xmlns:a16="http://schemas.microsoft.com/office/drawing/2014/main" id="{3D68D801-AB12-0444-F4BD-687D018DBE0D}"/>
+                <a16:creationId xmlns:a16="http://schemas.microsoft.com/office/drawing/2014/main" id="{2F6FE582-0728-47EA-AA73-DE72EF9D4A22}"/>
               </a:ext>
             </a:extLst>
           </p:cNvPr>
@@ -630,7 +633,7 @@
           <p:cNvPr id="3" name="Notes Placeholder 2">
             <a:extLst>
               <a:ext uri="{FF2B5EF4-FFF2-40B4-BE49-F238E27FC236}">
-                <a16:creationId xmlns:a16="http://schemas.microsoft.com/office/drawing/2014/main" id="{3A6D9D97-82B7-4820-A7CA-BBD1D4D0F7D4}"/>
+                <a16:creationId xmlns:a16="http://schemas.microsoft.com/office/drawing/2014/main" id="{89A0524B-A366-C72F-34A6-8F69BE946FFA}"/>
               </a:ext>
             </a:extLst>
           </p:cNvPr>
@@ -655,7 +658,7 @@
           <p:cNvPr id="4" name="Slide Number Placeholder 3">
             <a:extLst>
               <a:ext uri="{FF2B5EF4-FFF2-40B4-BE49-F238E27FC236}">
-                <a16:creationId xmlns:a16="http://schemas.microsoft.com/office/drawing/2014/main" id="{B921B349-C712-5D91-C25E-2A344BFEEC29}"/>
+                <a16:creationId xmlns:a16="http://schemas.microsoft.com/office/drawing/2014/main" id="{5A7FED03-9FED-4E2C-179D-C45D0BD2E1E4}"/>
               </a:ext>
             </a:extLst>
           </p:cNvPr>
@@ -682,7 +685,7 @@
     </p:spTree>
     <p:extLst>
       <p:ext uri="{BB962C8B-B14F-4D97-AF65-F5344CB8AC3E}">
-        <p14:creationId xmlns:p14="http://schemas.microsoft.com/office/powerpoint/2010/main" val="2992593663"/>
+        <p14:creationId xmlns:p14="http://schemas.microsoft.com/office/powerpoint/2010/main" val="1352847105"/>
       </p:ext>
     </p:extLst>
   </p:cSld>
@@ -839,7 +842,7 @@
           <a:p>
             <a:fld id="{1C1BBDF2-9A12-4067-84DF-8DD5947A1DA9}" type="datetimeFigureOut">
               <a:rPr lang="en-US" smtClean="0"/>
-              <a:t>12/17/2024</a:t>
+              <a:t>12/18/2024</a:t>
             </a:fld>
             <a:endParaRPr lang="en-US"/>
           </a:p>
@@ -1037,7 +1040,7 @@
           <a:p>
             <a:fld id="{1C1BBDF2-9A12-4067-84DF-8DD5947A1DA9}" type="datetimeFigureOut">
               <a:rPr lang="en-US" smtClean="0"/>
-              <a:t>12/17/2024</a:t>
+              <a:t>12/18/2024</a:t>
             </a:fld>
             <a:endParaRPr lang="en-US"/>
           </a:p>
@@ -1245,7 +1248,7 @@
           <a:p>
             <a:fld id="{1C1BBDF2-9A12-4067-84DF-8DD5947A1DA9}" type="datetimeFigureOut">
               <a:rPr lang="en-US" smtClean="0"/>
-              <a:t>12/17/2024</a:t>
+              <a:t>12/18/2024</a:t>
             </a:fld>
             <a:endParaRPr lang="en-US"/>
           </a:p>
@@ -1443,7 +1446,7 @@
           <a:p>
             <a:fld id="{1C1BBDF2-9A12-4067-84DF-8DD5947A1DA9}" type="datetimeFigureOut">
               <a:rPr lang="en-US" smtClean="0"/>
-              <a:t>12/17/2024</a:t>
+              <a:t>12/18/2024</a:t>
             </a:fld>
             <a:endParaRPr lang="en-US"/>
           </a:p>
@@ -1718,7 +1721,7 @@
           <a:p>
             <a:fld id="{1C1BBDF2-9A12-4067-84DF-8DD5947A1DA9}" type="datetimeFigureOut">
               <a:rPr lang="en-US" smtClean="0"/>
-              <a:t>12/17/2024</a:t>
+              <a:t>12/18/2024</a:t>
             </a:fld>
             <a:endParaRPr lang="en-US"/>
           </a:p>
@@ -1983,7 +1986,7 @@
           <a:p>
             <a:fld id="{1C1BBDF2-9A12-4067-84DF-8DD5947A1DA9}" type="datetimeFigureOut">
               <a:rPr lang="en-US" smtClean="0"/>
-              <a:t>12/17/2024</a:t>
+              <a:t>12/18/2024</a:t>
             </a:fld>
             <a:endParaRPr lang="en-US"/>
           </a:p>
@@ -2395,7 +2398,7 @@
           <a:p>
             <a:fld id="{1C1BBDF2-9A12-4067-84DF-8DD5947A1DA9}" type="datetimeFigureOut">
               <a:rPr lang="en-US" smtClean="0"/>
-              <a:t>12/17/2024</a:t>
+              <a:t>12/18/2024</a:t>
             </a:fld>
             <a:endParaRPr lang="en-US"/>
           </a:p>
@@ -2536,7 +2539,7 @@
           <a:p>
             <a:fld id="{1C1BBDF2-9A12-4067-84DF-8DD5947A1DA9}" type="datetimeFigureOut">
               <a:rPr lang="en-US" smtClean="0"/>
-              <a:t>12/17/2024</a:t>
+              <a:t>12/18/2024</a:t>
             </a:fld>
             <a:endParaRPr lang="en-US"/>
           </a:p>
@@ -2649,7 +2652,7 @@
           <a:p>
             <a:fld id="{1C1BBDF2-9A12-4067-84DF-8DD5947A1DA9}" type="datetimeFigureOut">
               <a:rPr lang="en-US" smtClean="0"/>
-              <a:t>12/17/2024</a:t>
+              <a:t>12/18/2024</a:t>
             </a:fld>
             <a:endParaRPr lang="en-US"/>
           </a:p>
@@ -2960,7 +2963,7 @@
           <a:p>
             <a:fld id="{1C1BBDF2-9A12-4067-84DF-8DD5947A1DA9}" type="datetimeFigureOut">
               <a:rPr lang="en-US" smtClean="0"/>
-              <a:t>12/17/2024</a:t>
+              <a:t>12/18/2024</a:t>
             </a:fld>
             <a:endParaRPr lang="en-US"/>
           </a:p>
@@ -3248,7 +3251,7 @@
           <a:p>
             <a:fld id="{1C1BBDF2-9A12-4067-84DF-8DD5947A1DA9}" type="datetimeFigureOut">
               <a:rPr lang="en-US" smtClean="0"/>
-              <a:t>12/17/2024</a:t>
+              <a:t>12/18/2024</a:t>
             </a:fld>
             <a:endParaRPr lang="en-US"/>
           </a:p>
@@ -3489,7 +3492,7 @@
           <a:p>
             <a:fld id="{1C1BBDF2-9A12-4067-84DF-8DD5947A1DA9}" type="datetimeFigureOut">
               <a:rPr lang="en-US" smtClean="0"/>
-              <a:t>12/17/2024</a:t>
+              <a:t>12/18/2024</a:t>
             </a:fld>
             <a:endParaRPr lang="en-US"/>
           </a:p>
@@ -3916,10 +3919,10 @@
       </p:grpSpPr>
       <p:pic>
         <p:nvPicPr>
-          <p:cNvPr id="13" name="Picture 12" descr="A graph of a bar graph&#10;&#10;Description automatically generated">
-            <a:extLst>
-              <a:ext uri="{FF2B5EF4-FFF2-40B4-BE49-F238E27FC236}">
-                <a16:creationId xmlns:a16="http://schemas.microsoft.com/office/drawing/2014/main" id="{B4E17120-FD11-8B1F-CDFB-9FB179432AC1}"/>
+          <p:cNvPr id="3" name="Picture 2" descr="A graph of a graph&#10;&#10;Description automatically generated">
+            <a:extLst>
+              <a:ext uri="{FF2B5EF4-FFF2-40B4-BE49-F238E27FC236}">
+                <a16:creationId xmlns:a16="http://schemas.microsoft.com/office/drawing/2014/main" id="{1287A37D-BCDB-F59E-45EF-EA04DFE54C87}"/>
               </a:ext>
             </a:extLst>
           </p:cNvPr>
@@ -3942,8 +3945,8 @@
         </p:blipFill>
         <p:spPr>
           <a:xfrm>
-            <a:off x="643467" y="702733"/>
-            <a:ext cx="10905066" cy="5452533"/>
+            <a:off x="643467" y="1247985"/>
+            <a:ext cx="10905066" cy="4362028"/>
           </a:xfrm>
           <a:prstGeom prst="rect">
             <a:avLst/>
@@ -3968,7 +3971,13 @@
   <p:cSld>
     <p:spTree>
       <p:nvGrpSpPr>
-        <p:cNvPr id="1" name=""/>
+        <p:cNvPr id="1" name="">
+          <a:extLst>
+            <a:ext uri="{FF2B5EF4-FFF2-40B4-BE49-F238E27FC236}">
+              <a16:creationId xmlns:a16="http://schemas.microsoft.com/office/drawing/2014/main" id="{1E23F0FD-BB6E-2757-43B8-3358A9243737}"/>
+            </a:ext>
+          </a:extLst>
+        </p:cNvPr>
         <p:cNvGrpSpPr/>
         <p:nvPr/>
       </p:nvGrpSpPr>
@@ -3982,10 +3991,10 @@
       </p:grpSpPr>
       <p:pic>
         <p:nvPicPr>
-          <p:cNvPr id="17" name="Picture 16" descr="A graph of different types of growth&#10;&#10;Description automatically generated with medium confidence">
-            <a:extLst>
-              <a:ext uri="{FF2B5EF4-FFF2-40B4-BE49-F238E27FC236}">
-                <a16:creationId xmlns:a16="http://schemas.microsoft.com/office/drawing/2014/main" id="{77988D63-6EB1-30D7-B9A0-A0234936D8D3}"/>
+          <p:cNvPr id="3" name="Picture 2" descr="A graph of different types of growth&#10;&#10;Description automatically generated with medium confidence">
+            <a:extLst>
+              <a:ext uri="{FF2B5EF4-FFF2-40B4-BE49-F238E27FC236}">
+                <a16:creationId xmlns:a16="http://schemas.microsoft.com/office/drawing/2014/main" id="{7CE84B85-7CD6-FA50-69A0-8D8D807BA7F9}"/>
               </a:ext>
             </a:extLst>
           </p:cNvPr>
@@ -4019,7 +4028,7 @@
     </p:spTree>
     <p:extLst>
       <p:ext uri="{BB962C8B-B14F-4D97-AF65-F5344CB8AC3E}">
-        <p14:creationId xmlns:p14="http://schemas.microsoft.com/office/powerpoint/2010/main" val="1753272464"/>
+        <p14:creationId xmlns:p14="http://schemas.microsoft.com/office/powerpoint/2010/main" val="1409805099"/>
       </p:ext>
     </p:extLst>
   </p:cSld>
@@ -4056,10 +4065,10 @@
       </p:grpSpPr>
       <p:pic>
         <p:nvPicPr>
-          <p:cNvPr id="5" name="Picture 4" descr="A graph of different colored lines&#10;&#10;Description automatically generated">
-            <a:extLst>
-              <a:ext uri="{FF2B5EF4-FFF2-40B4-BE49-F238E27FC236}">
-                <a16:creationId xmlns:a16="http://schemas.microsoft.com/office/drawing/2014/main" id="{E0D2CB7F-0ACE-AAFE-EB22-7AD718F82EA0}"/>
+          <p:cNvPr id="3" name="Picture 2" descr="A graph of different colored lines&#10;&#10;Description automatically generated">
+            <a:extLst>
+              <a:ext uri="{FF2B5EF4-FFF2-40B4-BE49-F238E27FC236}">
+                <a16:creationId xmlns:a16="http://schemas.microsoft.com/office/drawing/2014/main" id="{307D43B9-B6CF-F5FF-3894-73B996F53CED}"/>
               </a:ext>
             </a:extLst>
           </p:cNvPr>
@@ -4082,8 +4091,8 @@
         </p:blipFill>
         <p:spPr>
           <a:xfrm>
-            <a:off x="1922920" y="643466"/>
-            <a:ext cx="8346160" cy="5571067"/>
+            <a:off x="3352794" y="1600196"/>
+            <a:ext cx="5486411" cy="3657607"/>
           </a:xfrm>
           <a:prstGeom prst="rect">
             <a:avLst/>
@@ -4128,42 +4137,6 @@
           <a:chExt cx="0" cy="0"/>
         </a:xfrm>
       </p:grpSpPr>
-      <p:pic>
-        <p:nvPicPr>
-          <p:cNvPr id="5" name="Picture 4" descr="A graph of different colored lines&#10;&#10;Description automatically generated">
-            <a:extLst>
-              <a:ext uri="{FF2B5EF4-FFF2-40B4-BE49-F238E27FC236}">
-                <a16:creationId xmlns:a16="http://schemas.microsoft.com/office/drawing/2014/main" id="{04C5D54C-06B8-FD16-07B8-C9CA38277AA3}"/>
-              </a:ext>
-            </a:extLst>
-          </p:cNvPr>
-          <p:cNvPicPr>
-            <a:picLocks noChangeAspect="1"/>
-          </p:cNvPicPr>
-          <p:nvPr/>
-        </p:nvPicPr>
-        <p:blipFill>
-          <a:blip r:embed="rId2">
-            <a:extLst>
-              <a:ext uri="{28A0092B-C50C-407E-A947-70E740481C1C}">
-                <a14:useLocalDpi xmlns:a14="http://schemas.microsoft.com/office/drawing/2010/main" val="0"/>
-              </a:ext>
-            </a:extLst>
-          </a:blip>
-          <a:stretch>
-            <a:fillRect/>
-          </a:stretch>
-        </p:blipFill>
-        <p:spPr>
-          <a:xfrm>
-            <a:off x="1922920" y="643466"/>
-            <a:ext cx="8346160" cy="5571067"/>
-          </a:xfrm>
-          <a:prstGeom prst="rect">
-            <a:avLst/>
-          </a:prstGeom>
-        </p:spPr>
-      </p:pic>
       <p:sp>
         <p:nvSpPr>
           <p:cNvPr id="6" name="TextBox 5">
@@ -4199,6 +4172,42 @@
           </a:p>
         </p:txBody>
       </p:sp>
+      <p:pic>
+        <p:nvPicPr>
+          <p:cNvPr id="3" name="Picture 2" descr="A graph of different colored lines&#10;&#10;Description automatically generated">
+            <a:extLst>
+              <a:ext uri="{FF2B5EF4-FFF2-40B4-BE49-F238E27FC236}">
+                <a16:creationId xmlns:a16="http://schemas.microsoft.com/office/drawing/2014/main" id="{4C837D83-22DC-512D-1707-2DAD8BE51A4F}"/>
+              </a:ext>
+            </a:extLst>
+          </p:cNvPr>
+          <p:cNvPicPr>
+            <a:picLocks noChangeAspect="1"/>
+          </p:cNvPicPr>
+          <p:nvPr/>
+        </p:nvPicPr>
+        <p:blipFill>
+          <a:blip r:embed="rId2">
+            <a:extLst>
+              <a:ext uri="{28A0092B-C50C-407E-A947-70E740481C1C}">
+                <a14:useLocalDpi xmlns:a14="http://schemas.microsoft.com/office/drawing/2010/main" val="0"/>
+              </a:ext>
+            </a:extLst>
+          </a:blip>
+          <a:stretch>
+            <a:fillRect/>
+          </a:stretch>
+        </p:blipFill>
+        <p:spPr>
+          <a:xfrm>
+            <a:off x="3352794" y="1600196"/>
+            <a:ext cx="5486411" cy="3657607"/>
+          </a:xfrm>
+          <a:prstGeom prst="rect">
+            <a:avLst/>
+          </a:prstGeom>
+        </p:spPr>
+      </p:pic>
     </p:spTree>
     <p:extLst>
       <p:ext uri="{BB962C8B-B14F-4D97-AF65-F5344CB8AC3E}">
@@ -4239,10 +4248,10 @@
       </p:grpSpPr>
       <p:pic>
         <p:nvPicPr>
-          <p:cNvPr id="19" name="Picture 18" descr="A graph of a graph showing the growth of a number of individuals&#10;&#10;Description automatically generated with medium confidence">
-            <a:extLst>
-              <a:ext uri="{FF2B5EF4-FFF2-40B4-BE49-F238E27FC236}">
-                <a16:creationId xmlns:a16="http://schemas.microsoft.com/office/drawing/2014/main" id="{BCA0A318-7FD8-7B5F-CBBF-7CA54BB8EFDD}"/>
+          <p:cNvPr id="3" name="Picture 2" descr="A graph of a graph showing the same graph&#10;&#10;Description automatically generated with medium confidence">
+            <a:extLst>
+              <a:ext uri="{FF2B5EF4-FFF2-40B4-BE49-F238E27FC236}">
+                <a16:creationId xmlns:a16="http://schemas.microsoft.com/office/drawing/2014/main" id="{B5DBE08C-1018-56B2-FF90-44461BC74CA4}"/>
               </a:ext>
             </a:extLst>
           </p:cNvPr>
@@ -4259,13 +4268,13 @@
               </a:ext>
             </a:extLst>
           </a:blip>
-          <a:srcRect r="47983" b="12127"/>
+          <a:srcRect r="48007" b="11791"/>
           <a:stretch/>
         </p:blipFill>
         <p:spPr>
           <a:xfrm>
-            <a:off x="643467" y="1247985"/>
-            <a:ext cx="5672492" cy="3833062"/>
+            <a:off x="1523991" y="1600197"/>
+            <a:ext cx="4754262" cy="3226328"/>
           </a:xfrm>
           <a:prstGeom prst="rect">
             <a:avLst/>
@@ -4274,10 +4283,10 @@
       </p:pic>
       <p:pic>
         <p:nvPicPr>
-          <p:cNvPr id="20" name="Picture 19" descr="A graph of a graph showing the growth of a number of individuals&#10;&#10;Description automatically generated with medium confidence">
-            <a:extLst>
-              <a:ext uri="{FF2B5EF4-FFF2-40B4-BE49-F238E27FC236}">
-                <a16:creationId xmlns:a16="http://schemas.microsoft.com/office/drawing/2014/main" id="{BDBE81A5-1C25-1A00-E08A-D3FD427B9170}"/>
+          <p:cNvPr id="4" name="Picture 3" descr="A graph of a graph showing the same graph&#10;&#10;Description automatically generated with medium confidence">
+            <a:extLst>
+              <a:ext uri="{FF2B5EF4-FFF2-40B4-BE49-F238E27FC236}">
+                <a16:creationId xmlns:a16="http://schemas.microsoft.com/office/drawing/2014/main" id="{AB89F178-5343-988B-EA92-908E94485048}"/>
               </a:ext>
             </a:extLst>
           </p:cNvPr>
@@ -4294,13 +4303,13 @@
               </a:ext>
             </a:extLst>
           </a:blip>
-          <a:srcRect l="41385" t="87873" r="34757" b="2401"/>
+          <a:srcRect l="39811" t="88209" r="28746" b="1525"/>
           <a:stretch/>
         </p:blipFill>
         <p:spPr>
           <a:xfrm>
-            <a:off x="2743199" y="5185808"/>
-            <a:ext cx="2601799" cy="424207"/>
+            <a:off x="3091991" y="4882303"/>
+            <a:ext cx="2875175" cy="375500"/>
           </a:xfrm>
           <a:prstGeom prst="rect">
             <a:avLst/>
@@ -4328,7 +4337,7 @@
         <p:cNvPr id="1" name="">
           <a:extLst>
             <a:ext uri="{FF2B5EF4-FFF2-40B4-BE49-F238E27FC236}">
-              <a16:creationId xmlns:a16="http://schemas.microsoft.com/office/drawing/2014/main" id="{178B9890-E209-DABF-EED1-631A1170D8F8}"/>
+              <a16:creationId xmlns:a16="http://schemas.microsoft.com/office/drawing/2014/main" id="{7869A708-7F53-73DD-C137-CCC30679A99D}"/>
             </a:ext>
           </a:extLst>
         </p:cNvPr>
@@ -4345,10 +4354,10 @@
       </p:grpSpPr>
       <p:pic>
         <p:nvPicPr>
-          <p:cNvPr id="19" name="Picture 18" descr="A graph of a graph showing the growth of a number of individuals&#10;&#10;Description automatically generated with medium confidence">
-            <a:extLst>
-              <a:ext uri="{FF2B5EF4-FFF2-40B4-BE49-F238E27FC236}">
-                <a16:creationId xmlns:a16="http://schemas.microsoft.com/office/drawing/2014/main" id="{D9701FA1-BA3A-0FB1-CC81-BFC5F48C01A8}"/>
+          <p:cNvPr id="3" name="Picture 2" descr="A graph of a graph showing the same graph&#10;&#10;Description automatically generated with medium confidence">
+            <a:extLst>
+              <a:ext uri="{FF2B5EF4-FFF2-40B4-BE49-F238E27FC236}">
+                <a16:creationId xmlns:a16="http://schemas.microsoft.com/office/drawing/2014/main" id="{B6820AEC-7A42-FB77-77BC-757E56AA1675}"/>
               </a:ext>
             </a:extLst>
           </p:cNvPr>
@@ -4371,8 +4380,8 @@
         </p:blipFill>
         <p:spPr>
           <a:xfrm>
-            <a:off x="643467" y="1247985"/>
-            <a:ext cx="10905066" cy="4362028"/>
+            <a:off x="1523990" y="1600196"/>
+            <a:ext cx="9144019" cy="3657607"/>
           </a:xfrm>
           <a:prstGeom prst="rect">
             <a:avLst/>
@@ -4382,7 +4391,7 @@
     </p:spTree>
     <p:extLst>
       <p:ext uri="{BB962C8B-B14F-4D97-AF65-F5344CB8AC3E}">
-        <p14:creationId xmlns:p14="http://schemas.microsoft.com/office/powerpoint/2010/main" val="962817723"/>
+        <p14:creationId xmlns:p14="http://schemas.microsoft.com/office/powerpoint/2010/main" val="3773401382"/>
       </p:ext>
     </p:extLst>
   </p:cSld>
@@ -4411,10 +4420,10 @@
       </p:grpSpPr>
       <p:pic>
         <p:nvPicPr>
-          <p:cNvPr id="3" name="Picture 2" descr="A graph of a graph of success&#10;&#10;Description automatically generated">
-            <a:extLst>
-              <a:ext uri="{FF2B5EF4-FFF2-40B4-BE49-F238E27FC236}">
-                <a16:creationId xmlns:a16="http://schemas.microsoft.com/office/drawing/2014/main" id="{AE9EFA65-8648-21A2-DB3B-E4CE9E9FF4C9}"/>
+          <p:cNvPr id="4" name="Picture 3" descr="A graph of a graph of success&#10;&#10;Description automatically generated">
+            <a:extLst>
+              <a:ext uri="{FF2B5EF4-FFF2-40B4-BE49-F238E27FC236}">
+                <a16:creationId xmlns:a16="http://schemas.microsoft.com/office/drawing/2014/main" id="{F4E2032D-6C2B-E48A-E257-123403AE7BBE}"/>
               </a:ext>
             </a:extLst>
           </p:cNvPr>
@@ -4477,10 +4486,10 @@
       </p:grpSpPr>
       <p:pic>
         <p:nvPicPr>
-          <p:cNvPr id="7" name="Picture 6" descr="A graph of a graph with dots&#10;&#10;Description automatically generated">
-            <a:extLst>
-              <a:ext uri="{FF2B5EF4-FFF2-40B4-BE49-F238E27FC236}">
-                <a16:creationId xmlns:a16="http://schemas.microsoft.com/office/drawing/2014/main" id="{AE8E0492-CEC8-5AE3-C2C8-9A936091B630}"/>
+          <p:cNvPr id="3" name="Picture 2" descr="A graph of a graph with dots&#10;&#10;Description automatically generated">
+            <a:extLst>
+              <a:ext uri="{FF2B5EF4-FFF2-40B4-BE49-F238E27FC236}">
+                <a16:creationId xmlns:a16="http://schemas.microsoft.com/office/drawing/2014/main" id="{144A772B-BB47-D440-F95C-08F7EB4494AB}"/>
               </a:ext>
             </a:extLst>
           </p:cNvPr>
@@ -4532,7 +4541,7 @@
         <p:cNvPr id="1" name="">
           <a:extLst>
             <a:ext uri="{FF2B5EF4-FFF2-40B4-BE49-F238E27FC236}">
-              <a16:creationId xmlns:a16="http://schemas.microsoft.com/office/drawing/2014/main" id="{55F1A417-D84D-F40B-1081-2C4A0189B196}"/>
+              <a16:creationId xmlns:a16="http://schemas.microsoft.com/office/drawing/2014/main" id="{EFA75E66-ACB4-D5BA-3EDD-3409911E2F6F}"/>
             </a:ext>
           </a:extLst>
         </p:cNvPr>
@@ -4549,10 +4558,10 @@
       </p:grpSpPr>
       <p:pic>
         <p:nvPicPr>
-          <p:cNvPr id="15" name="Picture 14" descr="A screenshot of a computer&#10;&#10;Description automatically generated">
-            <a:extLst>
-              <a:ext uri="{FF2B5EF4-FFF2-40B4-BE49-F238E27FC236}">
-                <a16:creationId xmlns:a16="http://schemas.microsoft.com/office/drawing/2014/main" id="{EC1980FC-68AA-F148-272D-82212BFAF10B}"/>
+          <p:cNvPr id="3" name="Picture 2" descr="A screenshot of a computer&#10;&#10;Description automatically generated">
+            <a:extLst>
+              <a:ext uri="{FF2B5EF4-FFF2-40B4-BE49-F238E27FC236}">
+                <a16:creationId xmlns:a16="http://schemas.microsoft.com/office/drawing/2014/main" id="{30E2EDD4-1727-A7FC-828A-B7B0ED45D93A}"/>
               </a:ext>
             </a:extLst>
           </p:cNvPr>
@@ -4569,13 +4578,13 @@
               </a:ext>
             </a:extLst>
           </a:blip>
-          <a:srcRect r="66683"/>
+          <a:srcRect r="66568"/>
           <a:stretch/>
         </p:blipFill>
         <p:spPr>
           <a:xfrm>
             <a:off x="643467" y="1002622"/>
-            <a:ext cx="3633258" cy="4852755"/>
+            <a:ext cx="3645729" cy="4852755"/>
           </a:xfrm>
           <a:prstGeom prst="rect">
             <a:avLst/>
@@ -4587,7 +4596,7 @@
           <p:cNvPr id="2" name="Picture 1" descr="A screenshot of a computer&#10;&#10;Description automatically generated">
             <a:extLst>
               <a:ext uri="{FF2B5EF4-FFF2-40B4-BE49-F238E27FC236}">
-                <a16:creationId xmlns:a16="http://schemas.microsoft.com/office/drawing/2014/main" id="{A9AAAE0A-E71A-979D-AF45-1B1359341E79}"/>
+                <a16:creationId xmlns:a16="http://schemas.microsoft.com/office/drawing/2014/main" id="{396D5702-570A-5CA5-0149-D45FFDA54D83}"/>
               </a:ext>
             </a:extLst>
           </p:cNvPr>
@@ -4604,13 +4613,48 @@
               </a:ext>
             </a:extLst>
           </a:blip>
-          <a:srcRect l="88432"/>
+          <a:srcRect l="88410"/>
           <a:stretch/>
         </p:blipFill>
         <p:spPr>
           <a:xfrm>
-            <a:off x="4476749" y="1002622"/>
-            <a:ext cx="1261533" cy="4852755"/>
+            <a:off x="4411744" y="1002622"/>
+            <a:ext cx="1263890" cy="4852755"/>
+          </a:xfrm>
+          <a:prstGeom prst="rect">
+            <a:avLst/>
+          </a:prstGeom>
+        </p:spPr>
+      </p:pic>
+      <p:pic>
+        <p:nvPicPr>
+          <p:cNvPr id="4" name="Picture 3" descr="A screenshot of a computer&#10;&#10;Description automatically generated">
+            <a:extLst>
+              <a:ext uri="{FF2B5EF4-FFF2-40B4-BE49-F238E27FC236}">
+                <a16:creationId xmlns:a16="http://schemas.microsoft.com/office/drawing/2014/main" id="{9C09AFF3-5769-47AA-73F9-5E415F6CB88E}"/>
+              </a:ext>
+            </a:extLst>
+          </p:cNvPr>
+          <p:cNvPicPr>
+            <a:picLocks noChangeAspect="1"/>
+          </p:cNvPicPr>
+          <p:nvPr/>
+        </p:nvPicPr>
+        <p:blipFill>
+          <a:blip r:embed="rId2">
+            <a:extLst>
+              <a:ext uri="{28A0092B-C50C-407E-A947-70E740481C1C}">
+                <a14:useLocalDpi xmlns:a14="http://schemas.microsoft.com/office/drawing/2010/main" val="0"/>
+              </a:ext>
+            </a:extLst>
+          </a:blip>
+          <a:srcRect l="42150" t="93530" r="47541"/>
+          <a:stretch/>
+        </p:blipFill>
+        <p:spPr>
+          <a:xfrm>
+            <a:off x="2215299" y="5541390"/>
+            <a:ext cx="1124236" cy="313987"/>
           </a:xfrm>
           <a:prstGeom prst="rect">
             <a:avLst/>
@@ -4620,7 +4664,7 @@
     </p:spTree>
     <p:extLst>
       <p:ext uri="{BB962C8B-B14F-4D97-AF65-F5344CB8AC3E}">
-        <p14:creationId xmlns:p14="http://schemas.microsoft.com/office/powerpoint/2010/main" val="4054622359"/>
+        <p14:creationId xmlns:p14="http://schemas.microsoft.com/office/powerpoint/2010/main" val="2923422350"/>
       </p:ext>
     </p:extLst>
   </p:cSld>
@@ -4638,7 +4682,7 @@
         <p:cNvPr id="1" name="">
           <a:extLst>
             <a:ext uri="{FF2B5EF4-FFF2-40B4-BE49-F238E27FC236}">
-              <a16:creationId xmlns:a16="http://schemas.microsoft.com/office/drawing/2014/main" id="{4FA56C93-66CE-F529-CB96-CB6A7AC84A44}"/>
+              <a16:creationId xmlns:a16="http://schemas.microsoft.com/office/drawing/2014/main" id="{FF42B5C8-9855-AC68-0E95-35DA575C96A0}"/>
             </a:ext>
           </a:extLst>
         </p:cNvPr>
@@ -4655,10 +4699,10 @@
       </p:grpSpPr>
       <p:pic>
         <p:nvPicPr>
-          <p:cNvPr id="15" name="Picture 14" descr="A screenshot of a computer&#10;&#10;Description automatically generated">
-            <a:extLst>
-              <a:ext uri="{FF2B5EF4-FFF2-40B4-BE49-F238E27FC236}">
-                <a16:creationId xmlns:a16="http://schemas.microsoft.com/office/drawing/2014/main" id="{AA96A546-2FD2-D86F-F18A-35EB3DDE8490}"/>
+          <p:cNvPr id="3" name="Picture 2" descr="A screenshot of a computer&#10;&#10;Description automatically generated">
+            <a:extLst>
+              <a:ext uri="{FF2B5EF4-FFF2-40B4-BE49-F238E27FC236}">
+                <a16:creationId xmlns:a16="http://schemas.microsoft.com/office/drawing/2014/main" id="{78D63DD2-0117-9881-3B69-4DB4FB03981C}"/>
               </a:ext>
             </a:extLst>
           </p:cNvPr>
@@ -4675,13 +4719,13 @@
               </a:ext>
             </a:extLst>
           </a:blip>
-          <a:srcRect r="39169"/>
+          <a:srcRect r="39339"/>
           <a:stretch/>
         </p:blipFill>
         <p:spPr>
           <a:xfrm>
             <a:off x="643467" y="1002622"/>
-            <a:ext cx="6633633" cy="4852755"/>
+            <a:ext cx="6615172" cy="4852755"/>
           </a:xfrm>
           <a:prstGeom prst="rect">
             <a:avLst/>
@@ -4693,7 +4737,7 @@
           <p:cNvPr id="2" name="Picture 1" descr="A screenshot of a computer&#10;&#10;Description automatically generated">
             <a:extLst>
               <a:ext uri="{FF2B5EF4-FFF2-40B4-BE49-F238E27FC236}">
-                <a16:creationId xmlns:a16="http://schemas.microsoft.com/office/drawing/2014/main" id="{A1FB6FE8-9501-F594-9727-C97280BAB8D6}"/>
+                <a16:creationId xmlns:a16="http://schemas.microsoft.com/office/drawing/2014/main" id="{C0154925-AEE5-FA6A-DF52-79ED6DD0F131}"/>
               </a:ext>
             </a:extLst>
           </p:cNvPr>
@@ -4710,13 +4754,13 @@
               </a:ext>
             </a:extLst>
           </a:blip>
-          <a:srcRect l="88432"/>
+          <a:srcRect l="88410"/>
           <a:stretch/>
         </p:blipFill>
         <p:spPr>
           <a:xfrm>
-            <a:off x="7505699" y="1002622"/>
-            <a:ext cx="1261533" cy="4852755"/>
+            <a:off x="7258639" y="1002622"/>
+            <a:ext cx="1263890" cy="4852755"/>
           </a:xfrm>
           <a:prstGeom prst="rect">
             <a:avLst/>
@@ -4726,7 +4770,7 @@
     </p:spTree>
     <p:extLst>
       <p:ext uri="{BB962C8B-B14F-4D97-AF65-F5344CB8AC3E}">
-        <p14:creationId xmlns:p14="http://schemas.microsoft.com/office/powerpoint/2010/main" val="3026684102"/>
+        <p14:creationId xmlns:p14="http://schemas.microsoft.com/office/powerpoint/2010/main" val="780273432"/>
       </p:ext>
     </p:extLst>
   </p:cSld>
@@ -4744,7 +4788,7 @@
         <p:cNvPr id="1" name="">
           <a:extLst>
             <a:ext uri="{FF2B5EF4-FFF2-40B4-BE49-F238E27FC236}">
-              <a16:creationId xmlns:a16="http://schemas.microsoft.com/office/drawing/2014/main" id="{D2C461EA-3B08-2D8A-BEFD-A12179D5C09B}"/>
+              <a16:creationId xmlns:a16="http://schemas.microsoft.com/office/drawing/2014/main" id="{EB104D9B-C0B9-4296-DDBE-1BB72DA707E4}"/>
             </a:ext>
           </a:extLst>
         </p:cNvPr>
@@ -4761,10 +4805,10 @@
       </p:grpSpPr>
       <p:pic>
         <p:nvPicPr>
-          <p:cNvPr id="15" name="Picture 14" descr="A screenshot of a computer&#10;&#10;Description automatically generated">
-            <a:extLst>
-              <a:ext uri="{FF2B5EF4-FFF2-40B4-BE49-F238E27FC236}">
-                <a16:creationId xmlns:a16="http://schemas.microsoft.com/office/drawing/2014/main" id="{A1E0F9C7-1775-162B-5452-96ACC01E538F}"/>
+          <p:cNvPr id="3" name="Picture 2" descr="A screenshot of a computer&#10;&#10;Description automatically generated">
+            <a:extLst>
+              <a:ext uri="{FF2B5EF4-FFF2-40B4-BE49-F238E27FC236}">
+                <a16:creationId xmlns:a16="http://schemas.microsoft.com/office/drawing/2014/main" id="{ED383448-591D-8707-4B78-3DC3CC56476A}"/>
               </a:ext>
             </a:extLst>
           </p:cNvPr>
@@ -4781,13 +4825,14 @@
               </a:ext>
             </a:extLst>
           </a:blip>
-          <a:srcRect l="-1" r="-49"/>
-          <a:stretch/>
+          <a:stretch>
+            <a:fillRect/>
+          </a:stretch>
         </p:blipFill>
         <p:spPr>
           <a:xfrm>
             <a:off x="643467" y="1002622"/>
-            <a:ext cx="10910358" cy="4852755"/>
+            <a:ext cx="10905066" cy="4852755"/>
           </a:xfrm>
           <a:prstGeom prst="rect">
             <a:avLst/>
@@ -4797,7 +4842,7 @@
     </p:spTree>
     <p:extLst>
       <p:ext uri="{BB962C8B-B14F-4D97-AF65-F5344CB8AC3E}">
-        <p14:creationId xmlns:p14="http://schemas.microsoft.com/office/powerpoint/2010/main" val="2397267815"/>
+        <p14:creationId xmlns:p14="http://schemas.microsoft.com/office/powerpoint/2010/main" val="3428200222"/>
       </p:ext>
     </p:extLst>
   </p:cSld>
@@ -4815,7 +4860,7 @@
         <p:cNvPr id="1" name="">
           <a:extLst>
             <a:ext uri="{FF2B5EF4-FFF2-40B4-BE49-F238E27FC236}">
-              <a16:creationId xmlns:a16="http://schemas.microsoft.com/office/drawing/2014/main" id="{1C0C11B2-6532-EB35-3D5B-50465776F9D5}"/>
+              <a16:creationId xmlns:a16="http://schemas.microsoft.com/office/drawing/2014/main" id="{56583CB1-6E91-91FE-149C-F02B242C76F2}"/>
             </a:ext>
           </a:extLst>
         </p:cNvPr>
@@ -4832,10 +4877,10 @@
       </p:grpSpPr>
       <p:pic>
         <p:nvPicPr>
-          <p:cNvPr id="3" name="Picture 2" descr="A screenshot of a white and grey gradient&#10;&#10;Description automatically generated with medium confidence">
-            <a:extLst>
-              <a:ext uri="{FF2B5EF4-FFF2-40B4-BE49-F238E27FC236}">
-                <a16:creationId xmlns:a16="http://schemas.microsoft.com/office/drawing/2014/main" id="{6A6B2AD7-D74A-128E-34B8-C732203D865B}"/>
+          <p:cNvPr id="3" name="Picture 2" descr="A screenshot of a graph&#10;&#10;Description automatically generated with medium confidence">
+            <a:extLst>
+              <a:ext uri="{FF2B5EF4-FFF2-40B4-BE49-F238E27FC236}">
+                <a16:creationId xmlns:a16="http://schemas.microsoft.com/office/drawing/2014/main" id="{DACFC184-2BBA-7D5B-4998-CD26BD9AD496}"/>
               </a:ext>
             </a:extLst>
           </p:cNvPr>
@@ -4852,13 +4897,13 @@
               </a:ext>
             </a:extLst>
           </a:blip>
-          <a:srcRect r="66840"/>
+          <a:srcRect r="66724"/>
           <a:stretch/>
         </p:blipFill>
         <p:spPr>
           <a:xfrm>
             <a:off x="609589" y="685794"/>
-            <a:ext cx="3638561" cy="5486411"/>
+            <a:ext cx="3651326" cy="5486411"/>
           </a:xfrm>
           <a:prstGeom prst="rect">
             <a:avLst/>
@@ -4867,10 +4912,10 @@
       </p:pic>
       <p:pic>
         <p:nvPicPr>
-          <p:cNvPr id="4" name="Picture 3" descr="A screenshot of a white and grey gradient&#10;&#10;Description automatically generated with medium confidence">
-            <a:extLst>
-              <a:ext uri="{FF2B5EF4-FFF2-40B4-BE49-F238E27FC236}">
-                <a16:creationId xmlns:a16="http://schemas.microsoft.com/office/drawing/2014/main" id="{DD521BE6-3ADE-7FCF-507E-EDDC72DDB7CC}"/>
+          <p:cNvPr id="4" name="Picture 3" descr="A screenshot of a graph&#10;&#10;Description automatically generated with medium confidence">
+            <a:extLst>
+              <a:ext uri="{FF2B5EF4-FFF2-40B4-BE49-F238E27FC236}">
+                <a16:creationId xmlns:a16="http://schemas.microsoft.com/office/drawing/2014/main" id="{0600D70A-FD68-4269-ABDB-C3CA08998946}"/>
               </a:ext>
             </a:extLst>
           </p:cNvPr>
@@ -4887,13 +4932,48 @@
               </a:ext>
             </a:extLst>
           </a:blip>
-          <a:srcRect l="87587"/>
+          <a:srcRect l="87142"/>
           <a:stretch/>
         </p:blipFill>
         <p:spPr>
           <a:xfrm>
-            <a:off x="4324350" y="685794"/>
-            <a:ext cx="1362086" cy="5486411"/>
+            <a:off x="4326903" y="685794"/>
+            <a:ext cx="1410889" cy="5486411"/>
+          </a:xfrm>
+          <a:prstGeom prst="rect">
+            <a:avLst/>
+          </a:prstGeom>
+        </p:spPr>
+      </p:pic>
+      <p:pic>
+        <p:nvPicPr>
+          <p:cNvPr id="5" name="Picture 4" descr="A screenshot of a graph&#10;&#10;Description automatically generated with medium confidence">
+            <a:extLst>
+              <a:ext uri="{FF2B5EF4-FFF2-40B4-BE49-F238E27FC236}">
+                <a16:creationId xmlns:a16="http://schemas.microsoft.com/office/drawing/2014/main" id="{549F7C3E-75AC-050B-8743-95FBAAE7970B}"/>
+              </a:ext>
+            </a:extLst>
+          </p:cNvPr>
+          <p:cNvPicPr>
+            <a:picLocks noChangeAspect="1"/>
+          </p:cNvPicPr>
+          <p:nvPr/>
+        </p:nvPicPr>
+        <p:blipFill>
+          <a:blip r:embed="rId2">
+            <a:extLst>
+              <a:ext uri="{28A0092B-C50C-407E-A947-70E740481C1C}">
+                <a14:useLocalDpi xmlns:a14="http://schemas.microsoft.com/office/drawing/2010/main" val="0"/>
+              </a:ext>
+            </a:extLst>
+          </a:blip>
+          <a:srcRect l="41337" t="95891" r="47323"/>
+          <a:stretch/>
+        </p:blipFill>
+        <p:spPr>
+          <a:xfrm>
+            <a:off x="2205873" y="5956169"/>
+            <a:ext cx="1244337" cy="225463"/>
           </a:xfrm>
           <a:prstGeom prst="rect">
             <a:avLst/>
@@ -4903,7 +4983,7 @@
     </p:spTree>
     <p:extLst>
       <p:ext uri="{BB962C8B-B14F-4D97-AF65-F5344CB8AC3E}">
-        <p14:creationId xmlns:p14="http://schemas.microsoft.com/office/powerpoint/2010/main" val="3322036253"/>
+        <p14:creationId xmlns:p14="http://schemas.microsoft.com/office/powerpoint/2010/main" val="1567049475"/>
       </p:ext>
     </p:extLst>
   </p:cSld>
@@ -4921,7 +5001,7 @@
         <p:cNvPr id="1" name="">
           <a:extLst>
             <a:ext uri="{FF2B5EF4-FFF2-40B4-BE49-F238E27FC236}">
-              <a16:creationId xmlns:a16="http://schemas.microsoft.com/office/drawing/2014/main" id="{7ADBE62F-B3B2-935E-D06E-69580439C2B1}"/>
+              <a16:creationId xmlns:a16="http://schemas.microsoft.com/office/drawing/2014/main" id="{32281031-0089-47FB-B363-933D7589B1F2}"/>
             </a:ext>
           </a:extLst>
         </p:cNvPr>
@@ -4938,10 +5018,10 @@
       </p:grpSpPr>
       <p:pic>
         <p:nvPicPr>
-          <p:cNvPr id="3" name="Picture 2" descr="A screenshot of a white and grey gradient&#10;&#10;Description automatically generated with medium confidence">
-            <a:extLst>
-              <a:ext uri="{FF2B5EF4-FFF2-40B4-BE49-F238E27FC236}">
-                <a16:creationId xmlns:a16="http://schemas.microsoft.com/office/drawing/2014/main" id="{BFB9C33C-36D3-6AB9-BBC8-B1C238A60A9B}"/>
+          <p:cNvPr id="3" name="Picture 2" descr="A screenshot of a graph&#10;&#10;Description automatically generated with medium confidence">
+            <a:extLst>
+              <a:ext uri="{FF2B5EF4-FFF2-40B4-BE49-F238E27FC236}">
+                <a16:creationId xmlns:a16="http://schemas.microsoft.com/office/drawing/2014/main" id="{D89DFCBC-F59E-A3E3-F104-6374ECBE850F}"/>
               </a:ext>
             </a:extLst>
           </p:cNvPr>
@@ -4958,13 +5038,13 @@
               </a:ext>
             </a:extLst>
           </a:blip>
-          <a:srcRect r="40104"/>
+          <a:srcRect r="40349"/>
           <a:stretch/>
         </p:blipFill>
         <p:spPr>
           <a:xfrm>
             <a:off x="609589" y="685794"/>
-            <a:ext cx="6572261" cy="5486411"/>
+            <a:ext cx="6545355" cy="5486411"/>
           </a:xfrm>
           <a:prstGeom prst="rect">
             <a:avLst/>
@@ -4973,10 +5053,10 @@
       </p:pic>
       <p:pic>
         <p:nvPicPr>
-          <p:cNvPr id="2" name="Picture 1" descr="A screenshot of a white and grey gradient&#10;&#10;Description automatically generated with medium confidence">
-            <a:extLst>
-              <a:ext uri="{FF2B5EF4-FFF2-40B4-BE49-F238E27FC236}">
-                <a16:creationId xmlns:a16="http://schemas.microsoft.com/office/drawing/2014/main" id="{8FEC392F-27B4-F0EB-5841-28914F282F9D}"/>
+          <p:cNvPr id="2" name="Picture 1" descr="A screenshot of a graph&#10;&#10;Description automatically generated with medium confidence">
+            <a:extLst>
+              <a:ext uri="{FF2B5EF4-FFF2-40B4-BE49-F238E27FC236}">
+                <a16:creationId xmlns:a16="http://schemas.microsoft.com/office/drawing/2014/main" id="{DDDE919B-7554-C1E2-73A5-C3DF9D5BF236}"/>
               </a:ext>
             </a:extLst>
           </p:cNvPr>
@@ -4993,13 +5073,13 @@
               </a:ext>
             </a:extLst>
           </a:blip>
-          <a:srcRect l="87587"/>
+          <a:srcRect l="87142"/>
           <a:stretch/>
         </p:blipFill>
         <p:spPr>
           <a:xfrm>
-            <a:off x="7277100" y="685794"/>
-            <a:ext cx="1362086" cy="5486411"/>
+            <a:off x="7154944" y="685794"/>
+            <a:ext cx="1410889" cy="5486411"/>
           </a:xfrm>
           <a:prstGeom prst="rect">
             <a:avLst/>
@@ -5009,7 +5089,7 @@
     </p:spTree>
     <p:extLst>
       <p:ext uri="{BB962C8B-B14F-4D97-AF65-F5344CB8AC3E}">
-        <p14:creationId xmlns:p14="http://schemas.microsoft.com/office/powerpoint/2010/main" val="815386371"/>
+        <p14:creationId xmlns:p14="http://schemas.microsoft.com/office/powerpoint/2010/main" val="4135404832"/>
       </p:ext>
     </p:extLst>
   </p:cSld>
@@ -5027,7 +5107,7 @@
         <p:cNvPr id="1" name="">
           <a:extLst>
             <a:ext uri="{FF2B5EF4-FFF2-40B4-BE49-F238E27FC236}">
-              <a16:creationId xmlns:a16="http://schemas.microsoft.com/office/drawing/2014/main" id="{32D3060C-A0F4-2C52-E086-5A82972E18C8}"/>
+              <a16:creationId xmlns:a16="http://schemas.microsoft.com/office/drawing/2014/main" id="{12D9F720-625B-8194-7CCF-741C8B15FA6F}"/>
             </a:ext>
           </a:extLst>
         </p:cNvPr>
@@ -5044,10 +5124,10 @@
       </p:grpSpPr>
       <p:pic>
         <p:nvPicPr>
-          <p:cNvPr id="4" name="Picture 3" descr="A screenshot of a white and grey gradient&#10;&#10;Description automatically generated with medium confidence">
-            <a:extLst>
-              <a:ext uri="{FF2B5EF4-FFF2-40B4-BE49-F238E27FC236}">
-                <a16:creationId xmlns:a16="http://schemas.microsoft.com/office/drawing/2014/main" id="{3C194B02-5F3B-2554-A2B3-3F14614CA115}"/>
+          <p:cNvPr id="3" name="Picture 2" descr="A screenshot of a graph&#10;&#10;Description automatically generated with medium confidence">
+            <a:extLst>
+              <a:ext uri="{FF2B5EF4-FFF2-40B4-BE49-F238E27FC236}">
+                <a16:creationId xmlns:a16="http://schemas.microsoft.com/office/drawing/2014/main" id="{E6633AED-8D00-DD59-8DE7-6227FE12092B}"/>
               </a:ext>
             </a:extLst>
           </p:cNvPr>
@@ -5081,7 +5161,7 @@
     </p:spTree>
     <p:extLst>
       <p:ext uri="{BB962C8B-B14F-4D97-AF65-F5344CB8AC3E}">
-        <p14:creationId xmlns:p14="http://schemas.microsoft.com/office/powerpoint/2010/main" val="3625171683"/>
+        <p14:creationId xmlns:p14="http://schemas.microsoft.com/office/powerpoint/2010/main" val="2101925740"/>
       </p:ext>
     </p:extLst>
   </p:cSld>
@@ -5096,7 +5176,13 @@
   <p:cSld>
     <p:spTree>
       <p:nvGrpSpPr>
-        <p:cNvPr id="1" name=""/>
+        <p:cNvPr id="1" name="">
+          <a:extLst>
+            <a:ext uri="{FF2B5EF4-FFF2-40B4-BE49-F238E27FC236}">
+              <a16:creationId xmlns:a16="http://schemas.microsoft.com/office/drawing/2014/main" id="{2F9FBC07-C256-127D-BE09-E5B43CA7505F}"/>
+            </a:ext>
+          </a:extLst>
+        </p:cNvPr>
         <p:cNvGrpSpPr/>
         <p:nvPr/>
       </p:nvGrpSpPr>
@@ -5110,10 +5196,10 @@
       </p:grpSpPr>
       <p:pic>
         <p:nvPicPr>
-          <p:cNvPr id="5" name="Picture 4" descr="A graph of a graph showing the size of a number of ornithological indicators&#10;&#10;Description automatically generated with medium confidence">
-            <a:extLst>
-              <a:ext uri="{FF2B5EF4-FFF2-40B4-BE49-F238E27FC236}">
-                <a16:creationId xmlns:a16="http://schemas.microsoft.com/office/drawing/2014/main" id="{82707A1A-43B8-28AE-A13B-D3A2A291B5A1}"/>
+          <p:cNvPr id="3" name="Picture 2" descr="A graph of a graph&#10;&#10;Description automatically generated with medium confidence">
+            <a:extLst>
+              <a:ext uri="{FF2B5EF4-FFF2-40B4-BE49-F238E27FC236}">
+                <a16:creationId xmlns:a16="http://schemas.microsoft.com/office/drawing/2014/main" id="{2C2BC088-C53E-37F9-C7B6-6B29637B0C73}"/>
               </a:ext>
             </a:extLst>
           </p:cNvPr>
@@ -5130,14 +5216,13 @@
               </a:ext>
             </a:extLst>
           </a:blip>
-          <a:stretch>
-            <a:fillRect/>
-          </a:stretch>
+          <a:srcRect r="15407"/>
+          <a:stretch/>
         </p:blipFill>
         <p:spPr>
           <a:xfrm>
-            <a:off x="3352794" y="1142995"/>
-            <a:ext cx="5486411" cy="4572009"/>
+            <a:off x="3352795" y="1142995"/>
+            <a:ext cx="4641136" cy="4572009"/>
           </a:xfrm>
           <a:prstGeom prst="rect">
             <a:avLst/>
@@ -5147,7 +5232,7 @@
     </p:spTree>
     <p:extLst>
       <p:ext uri="{BB962C8B-B14F-4D97-AF65-F5344CB8AC3E}">
-        <p14:creationId xmlns:p14="http://schemas.microsoft.com/office/powerpoint/2010/main" val="3988839052"/>
+        <p14:creationId xmlns:p14="http://schemas.microsoft.com/office/powerpoint/2010/main" val="3665313451"/>
       </p:ext>
     </p:extLst>
   </p:cSld>
@@ -5176,10 +5261,10 @@
       </p:grpSpPr>
       <p:pic>
         <p:nvPicPr>
-          <p:cNvPr id="5" name="Picture 4" descr="A graph of a graph of a graph&#10;&#10;Description automatically generated with medium confidence">
-            <a:extLst>
-              <a:ext uri="{FF2B5EF4-FFF2-40B4-BE49-F238E27FC236}">
-                <a16:creationId xmlns:a16="http://schemas.microsoft.com/office/drawing/2014/main" id="{44DC04FE-3B03-1430-7FFD-292AC0EA86A9}"/>
+          <p:cNvPr id="5" name="Picture 4" descr="A graph of a graph&#10;&#10;Description automatically generated">
+            <a:extLst>
+              <a:ext uri="{FF2B5EF4-FFF2-40B4-BE49-F238E27FC236}">
+                <a16:creationId xmlns:a16="http://schemas.microsoft.com/office/drawing/2014/main" id="{16FD1ECE-310F-FE10-C0A1-4BC119D83A57}"/>
               </a:ext>
             </a:extLst>
           </p:cNvPr>
@@ -5213,7 +5298,7 @@
     </p:spTree>
     <p:extLst>
       <p:ext uri="{BB962C8B-B14F-4D97-AF65-F5344CB8AC3E}">
-        <p14:creationId xmlns:p14="http://schemas.microsoft.com/office/powerpoint/2010/main" val="2717221511"/>
+        <p14:creationId xmlns:p14="http://schemas.microsoft.com/office/powerpoint/2010/main" val="1753272464"/>
       </p:ext>
     </p:extLst>
   </p:cSld>

--- a/SICB/SICB2025.pptx
+++ b/SICB/SICB2025.pptx
@@ -5,7 +5,7 @@
     <p:sldMasterId id="2147483648" r:id="rId1"/>
   </p:sldMasterIdLst>
   <p:notesMasterIdLst>
-    <p:notesMasterId r:id="rId18"/>
+    <p:notesMasterId r:id="rId25"/>
   </p:notesMasterIdLst>
   <p:sldIdLst>
     <p:sldId id="256" r:id="rId2"/>
@@ -22,8 +22,15 @@
     <p:sldId id="270" r:id="rId13"/>
     <p:sldId id="271" r:id="rId14"/>
     <p:sldId id="285" r:id="rId15"/>
-    <p:sldId id="273" r:id="rId16"/>
-    <p:sldId id="274" r:id="rId17"/>
+    <p:sldId id="287" r:id="rId16"/>
+    <p:sldId id="288" r:id="rId17"/>
+    <p:sldId id="289" r:id="rId18"/>
+    <p:sldId id="290" r:id="rId19"/>
+    <p:sldId id="291" r:id="rId20"/>
+    <p:sldId id="292" r:id="rId21"/>
+    <p:sldId id="294" r:id="rId22"/>
+    <p:sldId id="295" r:id="rId23"/>
+    <p:sldId id="296" r:id="rId24"/>
   </p:sldIdLst>
   <p:sldSz cx="12192000" cy="6858000"/>
   <p:notesSz cx="6858000" cy="9144000"/>
@@ -141,8 +148,15 @@
             <p14:sldId id="270"/>
             <p14:sldId id="271"/>
             <p14:sldId id="285"/>
-            <p14:sldId id="273"/>
-            <p14:sldId id="274"/>
+            <p14:sldId id="287"/>
+            <p14:sldId id="288"/>
+            <p14:sldId id="289"/>
+            <p14:sldId id="290"/>
+            <p14:sldId id="291"/>
+            <p14:sldId id="292"/>
+            <p14:sldId id="294"/>
+            <p14:sldId id="295"/>
+            <p14:sldId id="296"/>
           </p14:sldIdLst>
         </p14:section>
       </p14:sectionLst>
@@ -4420,10 +4434,10 @@
       </p:grpSpPr>
       <p:pic>
         <p:nvPicPr>
-          <p:cNvPr id="4" name="Picture 3" descr="A graph of a graph of success&#10;&#10;Description automatically generated">
-            <a:extLst>
-              <a:ext uri="{FF2B5EF4-FFF2-40B4-BE49-F238E27FC236}">
-                <a16:creationId xmlns:a16="http://schemas.microsoft.com/office/drawing/2014/main" id="{F4E2032D-6C2B-E48A-E257-123403AE7BBE}"/>
+          <p:cNvPr id="3" name="Picture 2" descr="A graph of success in regular environment&#10;&#10;Description automatically generated">
+            <a:extLst>
+              <a:ext uri="{FF2B5EF4-FFF2-40B4-BE49-F238E27FC236}">
+                <a16:creationId xmlns:a16="http://schemas.microsoft.com/office/drawing/2014/main" id="{F0FA5A7B-7CB2-55CE-2E7F-15969AC9184A}"/>
               </a:ext>
             </a:extLst>
           </p:cNvPr>
@@ -4446,8 +4460,8 @@
         </p:blipFill>
         <p:spPr>
           <a:xfrm>
-            <a:off x="3809995" y="1142995"/>
-            <a:ext cx="4572009" cy="4572009"/>
+            <a:off x="2895593" y="1600196"/>
+            <a:ext cx="6400813" cy="3657607"/>
           </a:xfrm>
           <a:prstGeom prst="rect">
             <a:avLst/>
@@ -4457,7 +4471,7 @@
     </p:spTree>
     <p:extLst>
       <p:ext uri="{BB962C8B-B14F-4D97-AF65-F5344CB8AC3E}">
-        <p14:creationId xmlns:p14="http://schemas.microsoft.com/office/powerpoint/2010/main" val="51682555"/>
+        <p14:creationId xmlns:p14="http://schemas.microsoft.com/office/powerpoint/2010/main" val="317393151"/>
       </p:ext>
     </p:extLst>
   </p:cSld>
@@ -4486,10 +4500,10 @@
       </p:grpSpPr>
       <p:pic>
         <p:nvPicPr>
-          <p:cNvPr id="3" name="Picture 2" descr="A graph of a graph with dots&#10;&#10;Description automatically generated">
-            <a:extLst>
-              <a:ext uri="{FF2B5EF4-FFF2-40B4-BE49-F238E27FC236}">
-                <a16:creationId xmlns:a16="http://schemas.microsoft.com/office/drawing/2014/main" id="{144A772B-BB47-D440-F95C-08F7EB4494AB}"/>
+          <p:cNvPr id="5" name="Picture 4" descr="A graph of growth and progress&#10;&#10;Description automatically generated with medium confidence">
+            <a:extLst>
+              <a:ext uri="{FF2B5EF4-FFF2-40B4-BE49-F238E27FC236}">
+                <a16:creationId xmlns:a16="http://schemas.microsoft.com/office/drawing/2014/main" id="{DBA6D59E-51F9-E5B9-D2F1-396A325B42CB}"/>
               </a:ext>
             </a:extLst>
           </p:cNvPr>
@@ -4512,8 +4526,8 @@
         </p:blipFill>
         <p:spPr>
           <a:xfrm>
-            <a:off x="3809995" y="1142995"/>
-            <a:ext cx="4572009" cy="4572009"/>
+            <a:off x="2895593" y="1600196"/>
+            <a:ext cx="6400813" cy="3657607"/>
           </a:xfrm>
           <a:prstGeom prst="rect">
             <a:avLst/>
@@ -4523,7 +4537,205 @@
     </p:spTree>
     <p:extLst>
       <p:ext uri="{BB962C8B-B14F-4D97-AF65-F5344CB8AC3E}">
-        <p14:creationId xmlns:p14="http://schemas.microsoft.com/office/powerpoint/2010/main" val="2742734528"/>
+        <p14:creationId xmlns:p14="http://schemas.microsoft.com/office/powerpoint/2010/main" val="1207003560"/>
+      </p:ext>
+    </p:extLst>
+  </p:cSld>
+  <p:clrMapOvr>
+    <a:masterClrMapping/>
+  </p:clrMapOvr>
+</p:sld>
+</file>
+
+<file path=ppt/slides/slide17.xml><?xml version="1.0" encoding="utf-8"?>
+<p:sld xmlns:a="http://schemas.openxmlformats.org/drawingml/2006/main" xmlns:r="http://schemas.openxmlformats.org/officeDocument/2006/relationships" xmlns:p="http://schemas.openxmlformats.org/presentationml/2006/main">
+  <p:cSld>
+    <p:spTree>
+      <p:nvGrpSpPr>
+        <p:cNvPr id="1" name=""/>
+        <p:cNvGrpSpPr/>
+        <p:nvPr/>
+      </p:nvGrpSpPr>
+      <p:grpSpPr>
+        <a:xfrm>
+          <a:off x="0" y="0"/>
+          <a:ext cx="0" cy="0"/>
+          <a:chOff x="0" y="0"/>
+          <a:chExt cx="0" cy="0"/>
+        </a:xfrm>
+      </p:grpSpPr>
+      <p:pic>
+        <p:nvPicPr>
+          <p:cNvPr id="9" name="Picture 8" descr="A line of smoke from a plane&#10;&#10;Description automatically generated with medium confidence">
+            <a:extLst>
+              <a:ext uri="{FF2B5EF4-FFF2-40B4-BE49-F238E27FC236}">
+                <a16:creationId xmlns:a16="http://schemas.microsoft.com/office/drawing/2014/main" id="{22DC32AC-8C0D-0223-4F8F-AA6A05A165EA}"/>
+              </a:ext>
+            </a:extLst>
+          </p:cNvPr>
+          <p:cNvPicPr>
+            <a:picLocks noChangeAspect="1"/>
+          </p:cNvPicPr>
+          <p:nvPr/>
+        </p:nvPicPr>
+        <p:blipFill>
+          <a:blip r:embed="rId2">
+            <a:extLst>
+              <a:ext uri="{28A0092B-C50C-407E-A947-70E740481C1C}">
+                <a14:useLocalDpi xmlns:a14="http://schemas.microsoft.com/office/drawing/2010/main" val="0"/>
+              </a:ext>
+            </a:extLst>
+          </a:blip>
+          <a:stretch>
+            <a:fillRect/>
+          </a:stretch>
+        </p:blipFill>
+        <p:spPr>
+          <a:xfrm>
+            <a:off x="2895593" y="1600196"/>
+            <a:ext cx="6400813" cy="3657607"/>
+          </a:xfrm>
+          <a:prstGeom prst="rect">
+            <a:avLst/>
+          </a:prstGeom>
+        </p:spPr>
+      </p:pic>
+    </p:spTree>
+    <p:extLst>
+      <p:ext uri="{BB962C8B-B14F-4D97-AF65-F5344CB8AC3E}">
+        <p14:creationId xmlns:p14="http://schemas.microsoft.com/office/powerpoint/2010/main" val="3352682201"/>
+      </p:ext>
+    </p:extLst>
+  </p:cSld>
+  <p:clrMapOvr>
+    <a:masterClrMapping/>
+  </p:clrMapOvr>
+</p:sld>
+</file>
+
+<file path=ppt/slides/slide18.xml><?xml version="1.0" encoding="utf-8"?>
+<p:sld xmlns:a="http://schemas.openxmlformats.org/drawingml/2006/main" xmlns:r="http://schemas.openxmlformats.org/officeDocument/2006/relationships" xmlns:p="http://schemas.openxmlformats.org/presentationml/2006/main">
+  <p:cSld>
+    <p:spTree>
+      <p:nvGrpSpPr>
+        <p:cNvPr id="1" name=""/>
+        <p:cNvGrpSpPr/>
+        <p:nvPr/>
+      </p:nvGrpSpPr>
+      <p:grpSpPr>
+        <a:xfrm>
+          <a:off x="0" y="0"/>
+          <a:ext cx="0" cy="0"/>
+          <a:chOff x="0" y="0"/>
+          <a:chExt cx="0" cy="0"/>
+        </a:xfrm>
+      </p:grpSpPr>
+      <p:pic>
+        <p:nvPicPr>
+          <p:cNvPr id="17" name="Picture 16" descr="A black line in the air&#10;&#10;Description automatically generated">
+            <a:extLst>
+              <a:ext uri="{FF2B5EF4-FFF2-40B4-BE49-F238E27FC236}">
+                <a16:creationId xmlns:a16="http://schemas.microsoft.com/office/drawing/2014/main" id="{CDD4C940-C36D-84DB-7039-F758EE51F696}"/>
+              </a:ext>
+            </a:extLst>
+          </p:cNvPr>
+          <p:cNvPicPr>
+            <a:picLocks noChangeAspect="1"/>
+          </p:cNvPicPr>
+          <p:nvPr/>
+        </p:nvPicPr>
+        <p:blipFill>
+          <a:blip r:embed="rId2">
+            <a:extLst>
+              <a:ext uri="{28A0092B-C50C-407E-A947-70E740481C1C}">
+                <a14:useLocalDpi xmlns:a14="http://schemas.microsoft.com/office/drawing/2010/main" val="0"/>
+              </a:ext>
+            </a:extLst>
+          </a:blip>
+          <a:stretch>
+            <a:fillRect/>
+          </a:stretch>
+        </p:blipFill>
+        <p:spPr>
+          <a:xfrm>
+            <a:off x="2895593" y="1600196"/>
+            <a:ext cx="6400813" cy="3657607"/>
+          </a:xfrm>
+          <a:prstGeom prst="rect">
+            <a:avLst/>
+          </a:prstGeom>
+        </p:spPr>
+      </p:pic>
+    </p:spTree>
+    <p:extLst>
+      <p:ext uri="{BB962C8B-B14F-4D97-AF65-F5344CB8AC3E}">
+        <p14:creationId xmlns:p14="http://schemas.microsoft.com/office/powerpoint/2010/main" val="2871201672"/>
+      </p:ext>
+    </p:extLst>
+  </p:cSld>
+  <p:clrMapOvr>
+    <a:masterClrMapping/>
+  </p:clrMapOvr>
+</p:sld>
+</file>
+
+<file path=ppt/slides/slide19.xml><?xml version="1.0" encoding="utf-8"?>
+<p:sld xmlns:a="http://schemas.openxmlformats.org/drawingml/2006/main" xmlns:r="http://schemas.openxmlformats.org/officeDocument/2006/relationships" xmlns:p="http://schemas.openxmlformats.org/presentationml/2006/main">
+  <p:cSld>
+    <p:spTree>
+      <p:nvGrpSpPr>
+        <p:cNvPr id="1" name=""/>
+        <p:cNvGrpSpPr/>
+        <p:nvPr/>
+      </p:nvGrpSpPr>
+      <p:grpSpPr>
+        <a:xfrm>
+          <a:off x="0" y="0"/>
+          <a:ext cx="0" cy="0"/>
+          <a:chOff x="0" y="0"/>
+          <a:chExt cx="0" cy="0"/>
+        </a:xfrm>
+      </p:grpSpPr>
+      <p:pic>
+        <p:nvPicPr>
+          <p:cNvPr id="5" name="Picture 4" descr="A diagram of a graph&#10;&#10;Description automatically generated with medium confidence">
+            <a:extLst>
+              <a:ext uri="{FF2B5EF4-FFF2-40B4-BE49-F238E27FC236}">
+                <a16:creationId xmlns:a16="http://schemas.microsoft.com/office/drawing/2014/main" id="{DA6B11EF-4CCD-8A99-2A59-D554F75488AA}"/>
+              </a:ext>
+            </a:extLst>
+          </p:cNvPr>
+          <p:cNvPicPr>
+            <a:picLocks noChangeAspect="1"/>
+          </p:cNvPicPr>
+          <p:nvPr/>
+        </p:nvPicPr>
+        <p:blipFill>
+          <a:blip r:embed="rId2">
+            <a:extLst>
+              <a:ext uri="{28A0092B-C50C-407E-A947-70E740481C1C}">
+                <a14:useLocalDpi xmlns:a14="http://schemas.microsoft.com/office/drawing/2010/main" val="0"/>
+              </a:ext>
+            </a:extLst>
+          </a:blip>
+          <a:stretch>
+            <a:fillRect/>
+          </a:stretch>
+        </p:blipFill>
+        <p:spPr>
+          <a:xfrm>
+            <a:off x="2895593" y="1600196"/>
+            <a:ext cx="6400813" cy="3657607"/>
+          </a:xfrm>
+          <a:prstGeom prst="rect">
+            <a:avLst/>
+          </a:prstGeom>
+        </p:spPr>
+      </p:pic>
+    </p:spTree>
+    <p:extLst>
+      <p:ext uri="{BB962C8B-B14F-4D97-AF65-F5344CB8AC3E}">
+        <p14:creationId xmlns:p14="http://schemas.microsoft.com/office/powerpoint/2010/main" val="2604940391"/>
       </p:ext>
     </p:extLst>
   </p:cSld>
@@ -4665,6 +4877,292 @@
     <p:extLst>
       <p:ext uri="{BB962C8B-B14F-4D97-AF65-F5344CB8AC3E}">
         <p14:creationId xmlns:p14="http://schemas.microsoft.com/office/powerpoint/2010/main" val="2923422350"/>
+      </p:ext>
+    </p:extLst>
+  </p:cSld>
+  <p:clrMapOvr>
+    <a:masterClrMapping/>
+  </p:clrMapOvr>
+</p:sld>
+</file>
+
+<file path=ppt/slides/slide20.xml><?xml version="1.0" encoding="utf-8"?>
+<p:sld xmlns:a="http://schemas.openxmlformats.org/drawingml/2006/main" xmlns:r="http://schemas.openxmlformats.org/officeDocument/2006/relationships" xmlns:p="http://schemas.openxmlformats.org/presentationml/2006/main">
+  <p:cSld>
+    <p:spTree>
+      <p:nvGrpSpPr>
+        <p:cNvPr id="1" name=""/>
+        <p:cNvGrpSpPr/>
+        <p:nvPr/>
+      </p:nvGrpSpPr>
+      <p:grpSpPr>
+        <a:xfrm>
+          <a:off x="0" y="0"/>
+          <a:ext cx="0" cy="0"/>
+          <a:chOff x="0" y="0"/>
+          <a:chExt cx="0" cy="0"/>
+        </a:xfrm>
+      </p:grpSpPr>
+      <p:pic>
+        <p:nvPicPr>
+          <p:cNvPr id="5" name="Picture 4" descr="A graph with dots and lines&#10;&#10;Description automatically generated">
+            <a:extLst>
+              <a:ext uri="{FF2B5EF4-FFF2-40B4-BE49-F238E27FC236}">
+                <a16:creationId xmlns:a16="http://schemas.microsoft.com/office/drawing/2014/main" id="{FBF097AA-AACB-E41A-F8C9-5A3FA7E3A231}"/>
+              </a:ext>
+            </a:extLst>
+          </p:cNvPr>
+          <p:cNvPicPr>
+            <a:picLocks noChangeAspect="1"/>
+          </p:cNvPicPr>
+          <p:nvPr/>
+        </p:nvPicPr>
+        <p:blipFill>
+          <a:blip r:embed="rId2">
+            <a:extLst>
+              <a:ext uri="{28A0092B-C50C-407E-A947-70E740481C1C}">
+                <a14:useLocalDpi xmlns:a14="http://schemas.microsoft.com/office/drawing/2010/main" val="0"/>
+              </a:ext>
+            </a:extLst>
+          </a:blip>
+          <a:stretch>
+            <a:fillRect/>
+          </a:stretch>
+        </p:blipFill>
+        <p:spPr>
+          <a:xfrm>
+            <a:off x="3809995" y="1600196"/>
+            <a:ext cx="4572009" cy="3657607"/>
+          </a:xfrm>
+          <a:prstGeom prst="rect">
+            <a:avLst/>
+          </a:prstGeom>
+        </p:spPr>
+      </p:pic>
+    </p:spTree>
+    <p:extLst>
+      <p:ext uri="{BB962C8B-B14F-4D97-AF65-F5344CB8AC3E}">
+        <p14:creationId xmlns:p14="http://schemas.microsoft.com/office/powerpoint/2010/main" val="3223323773"/>
+      </p:ext>
+    </p:extLst>
+  </p:cSld>
+  <p:clrMapOvr>
+    <a:masterClrMapping/>
+  </p:clrMapOvr>
+</p:sld>
+</file>
+
+<file path=ppt/slides/slide21.xml><?xml version="1.0" encoding="utf-8"?>
+<p:sld xmlns:a="http://schemas.openxmlformats.org/drawingml/2006/main" xmlns:r="http://schemas.openxmlformats.org/officeDocument/2006/relationships" xmlns:p="http://schemas.openxmlformats.org/presentationml/2006/main">
+  <p:cSld>
+    <p:spTree>
+      <p:nvGrpSpPr>
+        <p:cNvPr id="1" name="">
+          <a:extLst>
+            <a:ext uri="{FF2B5EF4-FFF2-40B4-BE49-F238E27FC236}">
+              <a16:creationId xmlns:a16="http://schemas.microsoft.com/office/drawing/2014/main" id="{63F052C4-B740-3B75-4EE3-2F4EEA218213}"/>
+            </a:ext>
+          </a:extLst>
+        </p:cNvPr>
+        <p:cNvGrpSpPr/>
+        <p:nvPr/>
+      </p:nvGrpSpPr>
+      <p:grpSpPr>
+        <a:xfrm>
+          <a:off x="0" y="0"/>
+          <a:ext cx="0" cy="0"/>
+          <a:chOff x="0" y="0"/>
+          <a:chExt cx="0" cy="0"/>
+        </a:xfrm>
+      </p:grpSpPr>
+      <p:pic>
+        <p:nvPicPr>
+          <p:cNvPr id="3" name="Picture 2" descr="A graph of a graph&#10;&#10;Description automatically generated">
+            <a:extLst>
+              <a:ext uri="{FF2B5EF4-FFF2-40B4-BE49-F238E27FC236}">
+                <a16:creationId xmlns:a16="http://schemas.microsoft.com/office/drawing/2014/main" id="{21623C33-E24C-1596-4B88-8289AD96F518}"/>
+              </a:ext>
+            </a:extLst>
+          </p:cNvPr>
+          <p:cNvPicPr>
+            <a:picLocks noChangeAspect="1"/>
+          </p:cNvPicPr>
+          <p:nvPr/>
+        </p:nvPicPr>
+        <p:blipFill>
+          <a:blip r:embed="rId2">
+            <a:extLst>
+              <a:ext uri="{28A0092B-C50C-407E-A947-70E740481C1C}">
+                <a14:useLocalDpi xmlns:a14="http://schemas.microsoft.com/office/drawing/2010/main" val="0"/>
+              </a:ext>
+            </a:extLst>
+          </a:blip>
+          <a:stretch>
+            <a:fillRect/>
+          </a:stretch>
+        </p:blipFill>
+        <p:spPr>
+          <a:xfrm>
+            <a:off x="643467" y="1247985"/>
+            <a:ext cx="10905066" cy="4362028"/>
+          </a:xfrm>
+          <a:prstGeom prst="rect">
+            <a:avLst/>
+          </a:prstGeom>
+        </p:spPr>
+      </p:pic>
+    </p:spTree>
+    <p:extLst>
+      <p:ext uri="{BB962C8B-B14F-4D97-AF65-F5344CB8AC3E}">
+        <p14:creationId xmlns:p14="http://schemas.microsoft.com/office/powerpoint/2010/main" val="981264521"/>
+      </p:ext>
+    </p:extLst>
+  </p:cSld>
+  <p:clrMapOvr>
+    <a:masterClrMapping/>
+  </p:clrMapOvr>
+</p:sld>
+</file>
+
+<file path=ppt/slides/slide22.xml><?xml version="1.0" encoding="utf-8"?>
+<p:sld xmlns:a="http://schemas.openxmlformats.org/drawingml/2006/main" xmlns:r="http://schemas.openxmlformats.org/officeDocument/2006/relationships" xmlns:p="http://schemas.openxmlformats.org/presentationml/2006/main">
+  <p:cSld>
+    <p:bg>
+      <p:bgPr>
+        <a:solidFill>
+          <a:schemeClr val="bg1"/>
+        </a:solidFill>
+        <a:effectLst/>
+      </p:bgPr>
+    </p:bg>
+    <p:spTree>
+      <p:nvGrpSpPr>
+        <p:cNvPr id="1" name=""/>
+        <p:cNvGrpSpPr/>
+        <p:nvPr/>
+      </p:nvGrpSpPr>
+      <p:grpSpPr>
+        <a:xfrm>
+          <a:off x="0" y="0"/>
+          <a:ext cx="0" cy="0"/>
+          <a:chOff x="0" y="0"/>
+          <a:chExt cx="0" cy="0"/>
+        </a:xfrm>
+      </p:grpSpPr>
+      <p:pic>
+        <p:nvPicPr>
+          <p:cNvPr id="3" name="Picture 2" descr="A graph of a graph&#10;&#10;Description automatically generated with medium confidence">
+            <a:extLst>
+              <a:ext uri="{FF2B5EF4-FFF2-40B4-BE49-F238E27FC236}">
+                <a16:creationId xmlns:a16="http://schemas.microsoft.com/office/drawing/2014/main" id="{1299CAF1-FA48-1D69-50A8-5A04A2B776A0}"/>
+              </a:ext>
+            </a:extLst>
+          </p:cNvPr>
+          <p:cNvPicPr>
+            <a:picLocks noChangeAspect="1"/>
+          </p:cNvPicPr>
+          <p:nvPr/>
+        </p:nvPicPr>
+        <p:blipFill>
+          <a:blip r:embed="rId2">
+            <a:extLst>
+              <a:ext uri="{28A0092B-C50C-407E-A947-70E740481C1C}">
+                <a14:useLocalDpi xmlns:a14="http://schemas.microsoft.com/office/drawing/2010/main" val="0"/>
+              </a:ext>
+            </a:extLst>
+          </a:blip>
+          <a:stretch>
+            <a:fillRect/>
+          </a:stretch>
+        </p:blipFill>
+        <p:spPr>
+          <a:xfrm>
+            <a:off x="643467" y="1247985"/>
+            <a:ext cx="10905066" cy="4362028"/>
+          </a:xfrm>
+          <a:prstGeom prst="rect">
+            <a:avLst/>
+          </a:prstGeom>
+        </p:spPr>
+      </p:pic>
+    </p:spTree>
+    <p:extLst>
+      <p:ext uri="{BB962C8B-B14F-4D97-AF65-F5344CB8AC3E}">
+        <p14:creationId xmlns:p14="http://schemas.microsoft.com/office/powerpoint/2010/main" val="572464560"/>
+      </p:ext>
+    </p:extLst>
+  </p:cSld>
+  <p:clrMapOvr>
+    <a:masterClrMapping/>
+  </p:clrMapOvr>
+</p:sld>
+</file>
+
+<file path=ppt/slides/slide23.xml><?xml version="1.0" encoding="utf-8"?>
+<p:sld xmlns:a="http://schemas.openxmlformats.org/drawingml/2006/main" xmlns:r="http://schemas.openxmlformats.org/officeDocument/2006/relationships" xmlns:p="http://schemas.openxmlformats.org/presentationml/2006/main">
+  <p:cSld>
+    <p:bg>
+      <p:bgPr>
+        <a:solidFill>
+          <a:schemeClr val="bg1"/>
+        </a:solidFill>
+        <a:effectLst/>
+      </p:bgPr>
+    </p:bg>
+    <p:spTree>
+      <p:nvGrpSpPr>
+        <p:cNvPr id="1" name=""/>
+        <p:cNvGrpSpPr/>
+        <p:nvPr/>
+      </p:nvGrpSpPr>
+      <p:grpSpPr>
+        <a:xfrm>
+          <a:off x="0" y="0"/>
+          <a:ext cx="0" cy="0"/>
+          <a:chOff x="0" y="0"/>
+          <a:chExt cx="0" cy="0"/>
+        </a:xfrm>
+      </p:grpSpPr>
+      <p:pic>
+        <p:nvPicPr>
+          <p:cNvPr id="3" name="Picture 2" descr="A graph with lines and numbers&#10;&#10;Description automatically generated">
+            <a:extLst>
+              <a:ext uri="{FF2B5EF4-FFF2-40B4-BE49-F238E27FC236}">
+                <a16:creationId xmlns:a16="http://schemas.microsoft.com/office/drawing/2014/main" id="{8B03AB49-15B7-9EB1-9AAA-DD4D97E3B81A}"/>
+              </a:ext>
+            </a:extLst>
+          </p:cNvPr>
+          <p:cNvPicPr>
+            <a:picLocks noChangeAspect="1"/>
+          </p:cNvPicPr>
+          <p:nvPr/>
+        </p:nvPicPr>
+        <p:blipFill>
+          <a:blip r:embed="rId2">
+            <a:extLst>
+              <a:ext uri="{28A0092B-C50C-407E-A947-70E740481C1C}">
+                <a14:useLocalDpi xmlns:a14="http://schemas.microsoft.com/office/drawing/2010/main" val="0"/>
+              </a:ext>
+            </a:extLst>
+          </a:blip>
+          <a:stretch>
+            <a:fillRect/>
+          </a:stretch>
+        </p:blipFill>
+        <p:spPr>
+          <a:xfrm>
+            <a:off x="643467" y="1247985"/>
+            <a:ext cx="10905066" cy="4362028"/>
+          </a:xfrm>
+          <a:prstGeom prst="rect">
+            <a:avLst/>
+          </a:prstGeom>
+        </p:spPr>
+      </p:pic>
+    </p:spTree>
+    <p:extLst>
+      <p:ext uri="{BB962C8B-B14F-4D97-AF65-F5344CB8AC3E}">
+        <p14:creationId xmlns:p14="http://schemas.microsoft.com/office/powerpoint/2010/main" val="1192567665"/>
       </p:ext>
     </p:extLst>
   </p:cSld>

--- a/SICB/SICB2025.pptx
+++ b/SICB/SICB2025.pptx
@@ -5,32 +5,31 @@
     <p:sldMasterId id="2147483648" r:id="rId1"/>
   </p:sldMasterIdLst>
   <p:notesMasterIdLst>
-    <p:notesMasterId r:id="rId25"/>
+    <p:notesMasterId r:id="rId24"/>
   </p:notesMasterIdLst>
   <p:sldIdLst>
-    <p:sldId id="256" r:id="rId2"/>
-    <p:sldId id="280" r:id="rId3"/>
-    <p:sldId id="276" r:id="rId4"/>
-    <p:sldId id="279" r:id="rId5"/>
-    <p:sldId id="278" r:id="rId6"/>
-    <p:sldId id="281" r:id="rId7"/>
-    <p:sldId id="282" r:id="rId8"/>
-    <p:sldId id="284" r:id="rId9"/>
-    <p:sldId id="268" r:id="rId10"/>
-    <p:sldId id="283" r:id="rId11"/>
-    <p:sldId id="269" r:id="rId12"/>
-    <p:sldId id="270" r:id="rId13"/>
-    <p:sldId id="271" r:id="rId14"/>
-    <p:sldId id="285" r:id="rId15"/>
-    <p:sldId id="287" r:id="rId16"/>
-    <p:sldId id="288" r:id="rId17"/>
-    <p:sldId id="289" r:id="rId18"/>
-    <p:sldId id="290" r:id="rId19"/>
-    <p:sldId id="291" r:id="rId20"/>
-    <p:sldId id="292" r:id="rId21"/>
-    <p:sldId id="294" r:id="rId22"/>
-    <p:sldId id="295" r:id="rId23"/>
-    <p:sldId id="296" r:id="rId24"/>
+    <p:sldId id="300" r:id="rId2"/>
+    <p:sldId id="302" r:id="rId3"/>
+    <p:sldId id="256" r:id="rId4"/>
+    <p:sldId id="280" r:id="rId5"/>
+    <p:sldId id="304" r:id="rId6"/>
+    <p:sldId id="282" r:id="rId7"/>
+    <p:sldId id="297" r:id="rId8"/>
+    <p:sldId id="285" r:id="rId9"/>
+    <p:sldId id="305" r:id="rId10"/>
+    <p:sldId id="298" r:id="rId11"/>
+    <p:sldId id="309" r:id="rId12"/>
+    <p:sldId id="308" r:id="rId13"/>
+    <p:sldId id="299" r:id="rId14"/>
+    <p:sldId id="306" r:id="rId15"/>
+    <p:sldId id="284" r:id="rId16"/>
+    <p:sldId id="268" r:id="rId17"/>
+    <p:sldId id="307" r:id="rId18"/>
+    <p:sldId id="269" r:id="rId19"/>
+    <p:sldId id="270" r:id="rId20"/>
+    <p:sldId id="294" r:id="rId21"/>
+    <p:sldId id="295" r:id="rId22"/>
+    <p:sldId id="296" r:id="rId23"/>
   </p:sldIdLst>
   <p:sldSz cx="12192000" cy="6858000"/>
   <p:notesSz cx="6858000" cy="9144000"/>
@@ -134,26 +133,25 @@
       <p14:sectionLst xmlns:p14="http://schemas.microsoft.com/office/powerpoint/2010/main">
         <p14:section name="Default Section" id="{CB9A2429-BB04-4327-8B60-27B2BF40770D}">
           <p14:sldIdLst>
+            <p14:sldId id="300"/>
+            <p14:sldId id="302"/>
             <p14:sldId id="256"/>
             <p14:sldId id="280"/>
-            <p14:sldId id="276"/>
-            <p14:sldId id="279"/>
-            <p14:sldId id="278"/>
-            <p14:sldId id="281"/>
+            <p14:sldId id="304"/>
             <p14:sldId id="282"/>
+            <p14:sldId id="297"/>
+            <p14:sldId id="285"/>
+            <p14:sldId id="305"/>
+            <p14:sldId id="298"/>
+            <p14:sldId id="309"/>
+            <p14:sldId id="308"/>
+            <p14:sldId id="299"/>
+            <p14:sldId id="306"/>
             <p14:sldId id="284"/>
             <p14:sldId id="268"/>
-            <p14:sldId id="283"/>
+            <p14:sldId id="307"/>
             <p14:sldId id="269"/>
             <p14:sldId id="270"/>
-            <p14:sldId id="271"/>
-            <p14:sldId id="285"/>
-            <p14:sldId id="287"/>
-            <p14:sldId id="288"/>
-            <p14:sldId id="289"/>
-            <p14:sldId id="290"/>
-            <p14:sldId id="291"/>
-            <p14:sldId id="292"/>
             <p14:sldId id="294"/>
             <p14:sldId id="295"/>
             <p14:sldId id="296"/>
@@ -250,7 +248,7 @@
           <a:p>
             <a:fld id="{7BD143C5-AA8C-4920-BD2C-B4B9239CEEBC}" type="datetimeFigureOut">
               <a:rPr lang="en-US" smtClean="0"/>
-              <a:t>12/18/2024</a:t>
+              <a:t>12/19/2024</a:t>
             </a:fld>
             <a:endParaRPr lang="en-US"/>
           </a:p>
@@ -522,90 +520,6 @@
   <p:cSld>
     <p:spTree>
       <p:nvGrpSpPr>
-        <p:cNvPr id="1" name=""/>
-        <p:cNvGrpSpPr/>
-        <p:nvPr/>
-      </p:nvGrpSpPr>
-      <p:grpSpPr>
-        <a:xfrm>
-          <a:off x="0" y="0"/>
-          <a:ext cx="0" cy="0"/>
-          <a:chOff x="0" y="0"/>
-          <a:chExt cx="0" cy="0"/>
-        </a:xfrm>
-      </p:grpSpPr>
-      <p:sp>
-        <p:nvSpPr>
-          <p:cNvPr id="2" name="Slide Image Placeholder 1"/>
-          <p:cNvSpPr>
-            <a:spLocks noGrp="1" noRot="1" noChangeAspect="1"/>
-          </p:cNvSpPr>
-          <p:nvPr>
-            <p:ph type="sldImg"/>
-          </p:nvPr>
-        </p:nvSpPr>
-        <p:spPr/>
-      </p:sp>
-      <p:sp>
-        <p:nvSpPr>
-          <p:cNvPr id="3" name="Notes Placeholder 2"/>
-          <p:cNvSpPr>
-            <a:spLocks noGrp="1"/>
-          </p:cNvSpPr>
-          <p:nvPr>
-            <p:ph type="body" idx="1"/>
-          </p:nvPr>
-        </p:nvSpPr>
-        <p:spPr/>
-        <p:txBody>
-          <a:bodyPr/>
-          <a:lstStyle/>
-          <a:p>
-            <a:endParaRPr lang="en-US" dirty="0"/>
-          </a:p>
-        </p:txBody>
-      </p:sp>
-      <p:sp>
-        <p:nvSpPr>
-          <p:cNvPr id="4" name="Slide Number Placeholder 3"/>
-          <p:cNvSpPr>
-            <a:spLocks noGrp="1"/>
-          </p:cNvSpPr>
-          <p:nvPr>
-            <p:ph type="sldNum" sz="quarter" idx="5"/>
-          </p:nvPr>
-        </p:nvSpPr>
-        <p:spPr/>
-        <p:txBody>
-          <a:bodyPr/>
-          <a:lstStyle/>
-          <a:p>
-            <a:fld id="{C5571639-3197-4FC2-9950-173E0B3A8D54}" type="slidenum">
-              <a:rPr lang="en-US" smtClean="0"/>
-              <a:t>13</a:t>
-            </a:fld>
-            <a:endParaRPr lang="en-US"/>
-          </a:p>
-        </p:txBody>
-      </p:sp>
-    </p:spTree>
-    <p:extLst>
-      <p:ext uri="{BB962C8B-B14F-4D97-AF65-F5344CB8AC3E}">
-        <p14:creationId xmlns:p14="http://schemas.microsoft.com/office/powerpoint/2010/main" val="3414871386"/>
-      </p:ext>
-    </p:extLst>
-  </p:cSld>
-  <p:clrMapOvr>
-    <a:masterClrMapping/>
-  </p:clrMapOvr>
-</p:notes>
-</file>
-
-<file path=ppt/notesSlides/notesSlide2.xml><?xml version="1.0" encoding="utf-8"?>
-<p:notes xmlns:a="http://schemas.openxmlformats.org/drawingml/2006/main" xmlns:r="http://schemas.openxmlformats.org/officeDocument/2006/relationships" xmlns:p="http://schemas.openxmlformats.org/presentationml/2006/main">
-  <p:cSld>
-    <p:spTree>
-      <p:nvGrpSpPr>
         <p:cNvPr id="1" name="">
           <a:extLst>
             <a:ext uri="{FF2B5EF4-FFF2-40B4-BE49-F238E27FC236}">
@@ -690,7 +604,7 @@
           <a:p>
             <a:fld id="{C5571639-3197-4FC2-9950-173E0B3A8D54}" type="slidenum">
               <a:rPr lang="en-US" smtClean="0"/>
-              <a:t>14</a:t>
+              <a:t>8</a:t>
             </a:fld>
             <a:endParaRPr lang="en-US"/>
           </a:p>
@@ -699,7 +613,7 @@
     </p:spTree>
     <p:extLst>
       <p:ext uri="{BB962C8B-B14F-4D97-AF65-F5344CB8AC3E}">
-        <p14:creationId xmlns:p14="http://schemas.microsoft.com/office/powerpoint/2010/main" val="1352847105"/>
+        <p14:creationId xmlns:p14="http://schemas.microsoft.com/office/powerpoint/2010/main" val="1003595915"/>
       </p:ext>
     </p:extLst>
   </p:cSld>
@@ -856,7 +770,7 @@
           <a:p>
             <a:fld id="{1C1BBDF2-9A12-4067-84DF-8DD5947A1DA9}" type="datetimeFigureOut">
               <a:rPr lang="en-US" smtClean="0"/>
-              <a:t>12/18/2024</a:t>
+              <a:t>12/19/2024</a:t>
             </a:fld>
             <a:endParaRPr lang="en-US"/>
           </a:p>
@@ -1054,7 +968,7 @@
           <a:p>
             <a:fld id="{1C1BBDF2-9A12-4067-84DF-8DD5947A1DA9}" type="datetimeFigureOut">
               <a:rPr lang="en-US" smtClean="0"/>
-              <a:t>12/18/2024</a:t>
+              <a:t>12/19/2024</a:t>
             </a:fld>
             <a:endParaRPr lang="en-US"/>
           </a:p>
@@ -1262,7 +1176,7 @@
           <a:p>
             <a:fld id="{1C1BBDF2-9A12-4067-84DF-8DD5947A1DA9}" type="datetimeFigureOut">
               <a:rPr lang="en-US" smtClean="0"/>
-              <a:t>12/18/2024</a:t>
+              <a:t>12/19/2024</a:t>
             </a:fld>
             <a:endParaRPr lang="en-US"/>
           </a:p>
@@ -1460,7 +1374,7 @@
           <a:p>
             <a:fld id="{1C1BBDF2-9A12-4067-84DF-8DD5947A1DA9}" type="datetimeFigureOut">
               <a:rPr lang="en-US" smtClean="0"/>
-              <a:t>12/18/2024</a:t>
+              <a:t>12/19/2024</a:t>
             </a:fld>
             <a:endParaRPr lang="en-US"/>
           </a:p>
@@ -1735,7 +1649,7 @@
           <a:p>
             <a:fld id="{1C1BBDF2-9A12-4067-84DF-8DD5947A1DA9}" type="datetimeFigureOut">
               <a:rPr lang="en-US" smtClean="0"/>
-              <a:t>12/18/2024</a:t>
+              <a:t>12/19/2024</a:t>
             </a:fld>
             <a:endParaRPr lang="en-US"/>
           </a:p>
@@ -2000,7 +1914,7 @@
           <a:p>
             <a:fld id="{1C1BBDF2-9A12-4067-84DF-8DD5947A1DA9}" type="datetimeFigureOut">
               <a:rPr lang="en-US" smtClean="0"/>
-              <a:t>12/18/2024</a:t>
+              <a:t>12/19/2024</a:t>
             </a:fld>
             <a:endParaRPr lang="en-US"/>
           </a:p>
@@ -2412,7 +2326,7 @@
           <a:p>
             <a:fld id="{1C1BBDF2-9A12-4067-84DF-8DD5947A1DA9}" type="datetimeFigureOut">
               <a:rPr lang="en-US" smtClean="0"/>
-              <a:t>12/18/2024</a:t>
+              <a:t>12/19/2024</a:t>
             </a:fld>
             <a:endParaRPr lang="en-US"/>
           </a:p>
@@ -2553,7 +2467,7 @@
           <a:p>
             <a:fld id="{1C1BBDF2-9A12-4067-84DF-8DD5947A1DA9}" type="datetimeFigureOut">
               <a:rPr lang="en-US" smtClean="0"/>
-              <a:t>12/18/2024</a:t>
+              <a:t>12/19/2024</a:t>
             </a:fld>
             <a:endParaRPr lang="en-US"/>
           </a:p>
@@ -2666,7 +2580,7 @@
           <a:p>
             <a:fld id="{1C1BBDF2-9A12-4067-84DF-8DD5947A1DA9}" type="datetimeFigureOut">
               <a:rPr lang="en-US" smtClean="0"/>
-              <a:t>12/18/2024</a:t>
+              <a:t>12/19/2024</a:t>
             </a:fld>
             <a:endParaRPr lang="en-US"/>
           </a:p>
@@ -2977,7 +2891,7 @@
           <a:p>
             <a:fld id="{1C1BBDF2-9A12-4067-84DF-8DD5947A1DA9}" type="datetimeFigureOut">
               <a:rPr lang="en-US" smtClean="0"/>
-              <a:t>12/18/2024</a:t>
+              <a:t>12/19/2024</a:t>
             </a:fld>
             <a:endParaRPr lang="en-US"/>
           </a:p>
@@ -3265,7 +3179,7 @@
           <a:p>
             <a:fld id="{1C1BBDF2-9A12-4067-84DF-8DD5947A1DA9}" type="datetimeFigureOut">
               <a:rPr lang="en-US" smtClean="0"/>
-              <a:t>12/18/2024</a:t>
+              <a:t>12/19/2024</a:t>
             </a:fld>
             <a:endParaRPr lang="en-US"/>
           </a:p>
@@ -3506,7 +3420,7 @@
           <a:p>
             <a:fld id="{1C1BBDF2-9A12-4067-84DF-8DD5947A1DA9}" type="datetimeFigureOut">
               <a:rPr lang="en-US" smtClean="0"/>
-              <a:t>12/18/2024</a:t>
+              <a:t>12/19/2024</a:t>
             </a:fld>
             <a:endParaRPr lang="en-US"/>
           </a:p>
@@ -3909,14 +3823,112 @@
 <file path=ppt/slides/slide1.xml><?xml version="1.0" encoding="utf-8"?>
 <p:sld xmlns:a="http://schemas.openxmlformats.org/drawingml/2006/main" xmlns:r="http://schemas.openxmlformats.org/officeDocument/2006/relationships" xmlns:p="http://schemas.openxmlformats.org/presentationml/2006/main">
   <p:cSld>
-    <p:bg>
-      <p:bgPr>
-        <a:solidFill>
-          <a:schemeClr val="bg1"/>
-        </a:solidFill>
-        <a:effectLst/>
-      </p:bgPr>
-    </p:bg>
+    <p:spTree>
+      <p:nvGrpSpPr>
+        <p:cNvPr id="1" name=""/>
+        <p:cNvGrpSpPr/>
+        <p:nvPr/>
+      </p:nvGrpSpPr>
+      <p:grpSpPr>
+        <a:xfrm>
+          <a:off x="0" y="0"/>
+          <a:ext cx="0" cy="0"/>
+          <a:chOff x="0" y="0"/>
+          <a:chExt cx="0" cy="0"/>
+        </a:xfrm>
+      </p:grpSpPr>
+      <p:sp>
+        <p:nvSpPr>
+          <p:cNvPr id="2" name="TextBox 1">
+            <a:extLst>
+              <a:ext uri="{FF2B5EF4-FFF2-40B4-BE49-F238E27FC236}">
+                <a16:creationId xmlns:a16="http://schemas.microsoft.com/office/drawing/2014/main" id="{CE0E7D2C-222B-4D63-EF33-338455EB4B98}"/>
+              </a:ext>
+            </a:extLst>
+          </p:cNvPr>
+          <p:cNvSpPr txBox="1"/>
+          <p:nvPr/>
+        </p:nvSpPr>
+        <p:spPr>
+          <a:xfrm>
+            <a:off x="519776" y="1305341"/>
+            <a:ext cx="10525895" cy="3323987"/>
+          </a:xfrm>
+          <a:prstGeom prst="rect">
+            <a:avLst/>
+          </a:prstGeom>
+          <a:noFill/>
+        </p:spPr>
+        <p:txBody>
+          <a:bodyPr wrap="none" rtlCol="0">
+            <a:spAutoFit/>
+          </a:bodyPr>
+          <a:lstStyle/>
+          <a:p>
+            <a:r>
+              <a:rPr lang="en-US" sz="3000" dirty="0"/>
+              <a:t>GOAL: Establish</a:t>
+            </a:r>
+            <a:r>
+              <a:rPr lang="en-US" sz="3000" i="1" dirty="0"/>
+              <a:t> in silico </a:t>
+            </a:r>
+            <a:r>
+              <a:rPr lang="en-US" sz="3000" dirty="0"/>
+              <a:t>model of biparental care</a:t>
+            </a:r>
+          </a:p>
+          <a:p>
+            <a:endParaRPr lang="en-US" sz="3000" dirty="0"/>
+          </a:p>
+          <a:p>
+            <a:r>
+              <a:rPr lang="en-US" sz="3000" dirty="0"/>
+              <a:t>QUESTIONS FOR THE FIRST MS:</a:t>
+            </a:r>
+          </a:p>
+          <a:p>
+            <a:r>
+              <a:rPr lang="en-US" sz="3000" dirty="0"/>
+              <a:t>What makes an incubation strategy good?</a:t>
+            </a:r>
+          </a:p>
+          <a:p>
+            <a:r>
+              <a:rPr lang="en-US" sz="3000" dirty="0"/>
+              <a:t>Are strategies good individually, or in combination?</a:t>
+            </a:r>
+          </a:p>
+          <a:p>
+            <a:r>
+              <a:rPr lang="en-US" sz="3000" dirty="0"/>
+              <a:t>How sensitive is incubation success to environmental change?</a:t>
+            </a:r>
+          </a:p>
+          <a:p>
+            <a:r>
+              <a:rPr lang="en-US" sz="3000" dirty="0"/>
+              <a:t>How does environmental degradation cause incubation to fail?</a:t>
+            </a:r>
+          </a:p>
+        </p:txBody>
+      </p:sp>
+    </p:spTree>
+    <p:extLst>
+      <p:ext uri="{BB962C8B-B14F-4D97-AF65-F5344CB8AC3E}">
+        <p14:creationId xmlns:p14="http://schemas.microsoft.com/office/powerpoint/2010/main" val="2267379640"/>
+      </p:ext>
+    </p:extLst>
+  </p:cSld>
+  <p:clrMapOvr>
+    <a:masterClrMapping/>
+  </p:clrMapOvr>
+</p:sld>
+</file>
+
+<file path=ppt/slides/slide10.xml><?xml version="1.0" encoding="utf-8"?>
+<p:sld xmlns:a="http://schemas.openxmlformats.org/drawingml/2006/main" xmlns:r="http://schemas.openxmlformats.org/officeDocument/2006/relationships" xmlns:p="http://schemas.openxmlformats.org/presentationml/2006/main">
+  <p:cSld>
     <p:spTree>
       <p:nvGrpSpPr>
         <p:cNvPr id="1" name=""/>
@@ -3933,10 +3945,10 @@
       </p:grpSpPr>
       <p:pic>
         <p:nvPicPr>
-          <p:cNvPr id="3" name="Picture 2" descr="A graph of a graph&#10;&#10;Description automatically generated">
-            <a:extLst>
-              <a:ext uri="{FF2B5EF4-FFF2-40B4-BE49-F238E27FC236}">
-                <a16:creationId xmlns:a16="http://schemas.microsoft.com/office/drawing/2014/main" id="{1287A37D-BCDB-F59E-45EF-EA04DFE54C87}"/>
+          <p:cNvPr id="6" name="Picture 5" descr="A graph of a barcode&#10;&#10;Description automatically generated">
+            <a:extLst>
+              <a:ext uri="{FF2B5EF4-FFF2-40B4-BE49-F238E27FC236}">
+                <a16:creationId xmlns:a16="http://schemas.microsoft.com/office/drawing/2014/main" id="{83AC652C-946F-F111-4A94-3775A480604E}"/>
               </a:ext>
             </a:extLst>
           </p:cNvPr>
@@ -3959,8 +3971,8 @@
         </p:blipFill>
         <p:spPr>
           <a:xfrm>
-            <a:off x="643467" y="1247985"/>
-            <a:ext cx="10905066" cy="4362028"/>
+            <a:off x="1981191" y="2057397"/>
+            <a:ext cx="8229617" cy="2743206"/>
           </a:xfrm>
           <a:prstGeom prst="rect">
             <a:avLst/>
@@ -3970,7 +3982,7 @@
     </p:spTree>
     <p:extLst>
       <p:ext uri="{BB962C8B-B14F-4D97-AF65-F5344CB8AC3E}">
-        <p14:creationId xmlns:p14="http://schemas.microsoft.com/office/powerpoint/2010/main" val="376781030"/>
+        <p14:creationId xmlns:p14="http://schemas.microsoft.com/office/powerpoint/2010/main" val="95320886"/>
       </p:ext>
     </p:extLst>
   </p:cSld>
@@ -3980,7 +3992,163 @@
 </p:sld>
 </file>
 
-<file path=ppt/slides/slide10.xml><?xml version="1.0" encoding="utf-8"?>
+<file path=ppt/slides/slide11.xml><?xml version="1.0" encoding="utf-8"?>
+<p:sld xmlns:a="http://schemas.openxmlformats.org/drawingml/2006/main" xmlns:r="http://schemas.openxmlformats.org/officeDocument/2006/relationships" xmlns:p="http://schemas.openxmlformats.org/presentationml/2006/main">
+  <p:cSld>
+    <p:spTree>
+      <p:nvGrpSpPr>
+        <p:cNvPr id="1" name=""/>
+        <p:cNvGrpSpPr/>
+        <p:nvPr/>
+      </p:nvGrpSpPr>
+      <p:grpSpPr>
+        <a:xfrm>
+          <a:off x="0" y="0"/>
+          <a:ext cx="0" cy="0"/>
+          <a:chOff x="0" y="0"/>
+          <a:chExt cx="0" cy="0"/>
+        </a:xfrm>
+      </p:grpSpPr>
+      <p:pic>
+        <p:nvPicPr>
+          <p:cNvPr id="5" name="Picture 4" descr="A barcode and a barcode&#10;&#10;Description automatically generated">
+            <a:extLst>
+              <a:ext uri="{FF2B5EF4-FFF2-40B4-BE49-F238E27FC236}">
+                <a16:creationId xmlns:a16="http://schemas.microsoft.com/office/drawing/2014/main" id="{D2DC2F13-35B0-555C-B77C-7EDFEBCE88BA}"/>
+              </a:ext>
+            </a:extLst>
+          </p:cNvPr>
+          <p:cNvPicPr>
+            <a:picLocks noChangeAspect="1"/>
+          </p:cNvPicPr>
+          <p:nvPr/>
+        </p:nvPicPr>
+        <p:blipFill>
+          <a:blip r:embed="rId2">
+            <a:extLst>
+              <a:ext uri="{28A0092B-C50C-407E-A947-70E740481C1C}">
+                <a14:useLocalDpi xmlns:a14="http://schemas.microsoft.com/office/drawing/2010/main" val="0"/>
+              </a:ext>
+            </a:extLst>
+          </a:blip>
+          <a:stretch>
+            <a:fillRect/>
+          </a:stretch>
+        </p:blipFill>
+        <p:spPr>
+          <a:xfrm>
+            <a:off x="1981191" y="2057397"/>
+            <a:ext cx="8229617" cy="2743206"/>
+          </a:xfrm>
+          <a:prstGeom prst="rect">
+            <a:avLst/>
+          </a:prstGeom>
+        </p:spPr>
+      </p:pic>
+    </p:spTree>
+    <p:extLst>
+      <p:ext uri="{BB962C8B-B14F-4D97-AF65-F5344CB8AC3E}">
+        <p14:creationId xmlns:p14="http://schemas.microsoft.com/office/powerpoint/2010/main" val="941701025"/>
+      </p:ext>
+    </p:extLst>
+  </p:cSld>
+  <p:clrMapOvr>
+    <a:masterClrMapping/>
+  </p:clrMapOvr>
+</p:sld>
+</file>
+
+<file path=ppt/slides/slide12.xml><?xml version="1.0" encoding="utf-8"?>
+<p:sld xmlns:a="http://schemas.openxmlformats.org/drawingml/2006/main" xmlns:r="http://schemas.openxmlformats.org/officeDocument/2006/relationships" xmlns:p="http://schemas.openxmlformats.org/presentationml/2006/main">
+  <p:cSld>
+    <p:spTree>
+      <p:nvGrpSpPr>
+        <p:cNvPr id="1" name=""/>
+        <p:cNvGrpSpPr/>
+        <p:nvPr/>
+      </p:nvGrpSpPr>
+      <p:grpSpPr>
+        <a:xfrm>
+          <a:off x="0" y="0"/>
+          <a:ext cx="0" cy="0"/>
+          <a:chOff x="0" y="0"/>
+          <a:chExt cx="0" cy="0"/>
+        </a:xfrm>
+      </p:grpSpPr>
+    </p:spTree>
+    <p:extLst>
+      <p:ext uri="{BB962C8B-B14F-4D97-AF65-F5344CB8AC3E}">
+        <p14:creationId xmlns:p14="http://schemas.microsoft.com/office/powerpoint/2010/main" val="2526611211"/>
+      </p:ext>
+    </p:extLst>
+  </p:cSld>
+  <p:clrMapOvr>
+    <a:masterClrMapping/>
+  </p:clrMapOvr>
+</p:sld>
+</file>
+
+<file path=ppt/slides/slide13.xml><?xml version="1.0" encoding="utf-8"?>
+<p:sld xmlns:a="http://schemas.openxmlformats.org/drawingml/2006/main" xmlns:r="http://schemas.openxmlformats.org/officeDocument/2006/relationships" xmlns:p="http://schemas.openxmlformats.org/presentationml/2006/main">
+  <p:cSld>
+    <p:spTree>
+      <p:nvGrpSpPr>
+        <p:cNvPr id="1" name=""/>
+        <p:cNvGrpSpPr/>
+        <p:nvPr/>
+      </p:nvGrpSpPr>
+      <p:grpSpPr>
+        <a:xfrm>
+          <a:off x="0" y="0"/>
+          <a:ext cx="0" cy="0"/>
+          <a:chOff x="0" y="0"/>
+          <a:chExt cx="0" cy="0"/>
+        </a:xfrm>
+      </p:grpSpPr>
+      <p:pic>
+        <p:nvPicPr>
+          <p:cNvPr id="7" name="Picture 6">
+            <a:extLst>
+              <a:ext uri="{FF2B5EF4-FFF2-40B4-BE49-F238E27FC236}">
+                <a16:creationId xmlns:a16="http://schemas.microsoft.com/office/drawing/2014/main" id="{2B74E20D-F07E-48F3-203B-C0100AA9E5EC}"/>
+              </a:ext>
+            </a:extLst>
+          </p:cNvPr>
+          <p:cNvPicPr>
+            <a:picLocks noChangeAspect="1"/>
+          </p:cNvPicPr>
+          <p:nvPr/>
+        </p:nvPicPr>
+        <p:blipFill>
+          <a:blip r:embed="rId2"/>
+          <a:stretch>
+            <a:fillRect/>
+          </a:stretch>
+        </p:blipFill>
+        <p:spPr>
+          <a:xfrm>
+            <a:off x="1587268" y="1644558"/>
+            <a:ext cx="9017463" cy="3568883"/>
+          </a:xfrm>
+          <a:prstGeom prst="rect">
+            <a:avLst/>
+          </a:prstGeom>
+        </p:spPr>
+      </p:pic>
+    </p:spTree>
+    <p:extLst>
+      <p:ext uri="{BB962C8B-B14F-4D97-AF65-F5344CB8AC3E}">
+        <p14:creationId xmlns:p14="http://schemas.microsoft.com/office/powerpoint/2010/main" val="1999209054"/>
+      </p:ext>
+    </p:extLst>
+  </p:cSld>
+  <p:clrMapOvr>
+    <a:masterClrMapping/>
+  </p:clrMapOvr>
+</p:sld>
+</file>
+
+<file path=ppt/slides/slide14.xml><?xml version="1.0" encoding="utf-8"?>
 <p:sld xmlns:a="http://schemas.openxmlformats.org/drawingml/2006/main" xmlns:r="http://schemas.openxmlformats.org/officeDocument/2006/relationships" xmlns:p="http://schemas.openxmlformats.org/presentationml/2006/main">
   <p:cSld>
     <p:spTree>
@@ -3988,7 +4156,78 @@
         <p:cNvPr id="1" name="">
           <a:extLst>
             <a:ext uri="{FF2B5EF4-FFF2-40B4-BE49-F238E27FC236}">
-              <a16:creationId xmlns:a16="http://schemas.microsoft.com/office/drawing/2014/main" id="{1E23F0FD-BB6E-2757-43B8-3358A9243737}"/>
+              <a16:creationId xmlns:a16="http://schemas.microsoft.com/office/drawing/2014/main" id="{CFC8B5D5-DD06-A194-89B1-1A986D14DEE7}"/>
+            </a:ext>
+          </a:extLst>
+        </p:cNvPr>
+        <p:cNvGrpSpPr/>
+        <p:nvPr/>
+      </p:nvGrpSpPr>
+      <p:grpSpPr>
+        <a:xfrm>
+          <a:off x="0" y="0"/>
+          <a:ext cx="0" cy="0"/>
+          <a:chOff x="0" y="0"/>
+          <a:chExt cx="0" cy="0"/>
+        </a:xfrm>
+      </p:grpSpPr>
+      <p:sp>
+        <p:nvSpPr>
+          <p:cNvPr id="2" name="TextBox 1">
+            <a:extLst>
+              <a:ext uri="{FF2B5EF4-FFF2-40B4-BE49-F238E27FC236}">
+                <a16:creationId xmlns:a16="http://schemas.microsoft.com/office/drawing/2014/main" id="{668F768E-FE5A-4705-F7CC-AA223BDB1C3E}"/>
+              </a:ext>
+            </a:extLst>
+          </p:cNvPr>
+          <p:cNvSpPr txBox="1"/>
+          <p:nvPr/>
+        </p:nvSpPr>
+        <p:spPr>
+          <a:xfrm>
+            <a:off x="519776" y="1305341"/>
+            <a:ext cx="10525895" cy="553998"/>
+          </a:xfrm>
+          <a:prstGeom prst="rect">
+            <a:avLst/>
+          </a:prstGeom>
+          <a:noFill/>
+        </p:spPr>
+        <p:txBody>
+          <a:bodyPr wrap="none" rtlCol="0">
+            <a:spAutoFit/>
+          </a:bodyPr>
+          <a:lstStyle/>
+          <a:p>
+            <a:r>
+              <a:rPr lang="en-US" sz="3000" dirty="0"/>
+              <a:t>How sensitive is incubation success to environmental change?</a:t>
+            </a:r>
+          </a:p>
+        </p:txBody>
+      </p:sp>
+    </p:spTree>
+    <p:extLst>
+      <p:ext uri="{BB962C8B-B14F-4D97-AF65-F5344CB8AC3E}">
+        <p14:creationId xmlns:p14="http://schemas.microsoft.com/office/powerpoint/2010/main" val="2529960092"/>
+      </p:ext>
+    </p:extLst>
+  </p:cSld>
+  <p:clrMapOvr>
+    <a:masterClrMapping/>
+  </p:clrMapOvr>
+</p:sld>
+</file>
+
+<file path=ppt/slides/slide15.xml><?xml version="1.0" encoding="utf-8"?>
+<p:sld xmlns:a="http://schemas.openxmlformats.org/drawingml/2006/main" xmlns:r="http://schemas.openxmlformats.org/officeDocument/2006/relationships" xmlns:p="http://schemas.openxmlformats.org/presentationml/2006/main">
+  <p:cSld>
+    <p:spTree>
+      <p:nvGrpSpPr>
+        <p:cNvPr id="1" name="">
+          <a:extLst>
+            <a:ext uri="{FF2B5EF4-FFF2-40B4-BE49-F238E27FC236}">
+              <a16:creationId xmlns:a16="http://schemas.microsoft.com/office/drawing/2014/main" id="{2F9FBC07-C256-127D-BE09-E5B43CA7505F}"/>
             </a:ext>
           </a:extLst>
         </p:cNvPr>
@@ -4005,10 +4244,75 @@
       </p:grpSpPr>
       <p:pic>
         <p:nvPicPr>
-          <p:cNvPr id="3" name="Picture 2" descr="A graph of different types of growth&#10;&#10;Description automatically generated with medium confidence">
-            <a:extLst>
-              <a:ext uri="{FF2B5EF4-FFF2-40B4-BE49-F238E27FC236}">
-                <a16:creationId xmlns:a16="http://schemas.microsoft.com/office/drawing/2014/main" id="{7CE84B85-7CD6-FA50-69A0-8D8D807BA7F9}"/>
+          <p:cNvPr id="3" name="Picture 2" descr="A graph of a graph&#10;&#10;Description automatically generated with medium confidence">
+            <a:extLst>
+              <a:ext uri="{FF2B5EF4-FFF2-40B4-BE49-F238E27FC236}">
+                <a16:creationId xmlns:a16="http://schemas.microsoft.com/office/drawing/2014/main" id="{2C2BC088-C53E-37F9-C7B6-6B29637B0C73}"/>
+              </a:ext>
+            </a:extLst>
+          </p:cNvPr>
+          <p:cNvPicPr>
+            <a:picLocks noChangeAspect="1"/>
+          </p:cNvPicPr>
+          <p:nvPr/>
+        </p:nvPicPr>
+        <p:blipFill>
+          <a:blip r:embed="rId2">
+            <a:extLst>
+              <a:ext uri="{28A0092B-C50C-407E-A947-70E740481C1C}">
+                <a14:useLocalDpi xmlns:a14="http://schemas.microsoft.com/office/drawing/2010/main" val="0"/>
+              </a:ext>
+            </a:extLst>
+          </a:blip>
+          <a:srcRect r="15407"/>
+          <a:stretch/>
+        </p:blipFill>
+        <p:spPr>
+          <a:xfrm>
+            <a:off x="3352795" y="1142995"/>
+            <a:ext cx="4641136" cy="4572009"/>
+          </a:xfrm>
+          <a:prstGeom prst="rect">
+            <a:avLst/>
+          </a:prstGeom>
+        </p:spPr>
+      </p:pic>
+    </p:spTree>
+    <p:extLst>
+      <p:ext uri="{BB962C8B-B14F-4D97-AF65-F5344CB8AC3E}">
+        <p14:creationId xmlns:p14="http://schemas.microsoft.com/office/powerpoint/2010/main" val="3665313451"/>
+      </p:ext>
+    </p:extLst>
+  </p:cSld>
+  <p:clrMapOvr>
+    <a:masterClrMapping/>
+  </p:clrMapOvr>
+</p:sld>
+</file>
+
+<file path=ppt/slides/slide16.xml><?xml version="1.0" encoding="utf-8"?>
+<p:sld xmlns:a="http://schemas.openxmlformats.org/drawingml/2006/main" xmlns:r="http://schemas.openxmlformats.org/officeDocument/2006/relationships" xmlns:p="http://schemas.openxmlformats.org/presentationml/2006/main">
+  <p:cSld>
+    <p:spTree>
+      <p:nvGrpSpPr>
+        <p:cNvPr id="1" name=""/>
+        <p:cNvGrpSpPr/>
+        <p:nvPr/>
+      </p:nvGrpSpPr>
+      <p:grpSpPr>
+        <a:xfrm>
+          <a:off x="0" y="0"/>
+          <a:ext cx="0" cy="0"/>
+          <a:chOff x="0" y="0"/>
+          <a:chExt cx="0" cy="0"/>
+        </a:xfrm>
+      </p:grpSpPr>
+      <p:pic>
+        <p:nvPicPr>
+          <p:cNvPr id="5" name="Picture 4" descr="A graph of a graph&#10;&#10;Description automatically generated">
+            <a:extLst>
+              <a:ext uri="{FF2B5EF4-FFF2-40B4-BE49-F238E27FC236}">
+                <a16:creationId xmlns:a16="http://schemas.microsoft.com/office/drawing/2014/main" id="{16FD1ECE-310F-FE10-C0A1-4BC119D83A57}"/>
               </a:ext>
             </a:extLst>
           </p:cNvPr>
@@ -4042,7 +4346,7 @@
     </p:spTree>
     <p:extLst>
       <p:ext uri="{BB962C8B-B14F-4D97-AF65-F5344CB8AC3E}">
-        <p14:creationId xmlns:p14="http://schemas.microsoft.com/office/powerpoint/2010/main" val="1409805099"/>
+        <p14:creationId xmlns:p14="http://schemas.microsoft.com/office/powerpoint/2010/main" val="1753272464"/>
       </p:ext>
     </p:extLst>
   </p:cSld>
@@ -4052,7 +4356,78 @@
 </p:sld>
 </file>
 
-<file path=ppt/slides/slide11.xml><?xml version="1.0" encoding="utf-8"?>
+<file path=ppt/slides/slide17.xml><?xml version="1.0" encoding="utf-8"?>
+<p:sld xmlns:a="http://schemas.openxmlformats.org/drawingml/2006/main" xmlns:r="http://schemas.openxmlformats.org/officeDocument/2006/relationships" xmlns:p="http://schemas.openxmlformats.org/presentationml/2006/main">
+  <p:cSld>
+    <p:spTree>
+      <p:nvGrpSpPr>
+        <p:cNvPr id="1" name="">
+          <a:extLst>
+            <a:ext uri="{FF2B5EF4-FFF2-40B4-BE49-F238E27FC236}">
+              <a16:creationId xmlns:a16="http://schemas.microsoft.com/office/drawing/2014/main" id="{0E416564-B21D-C760-9ECB-EFDB13E825EA}"/>
+            </a:ext>
+          </a:extLst>
+        </p:cNvPr>
+        <p:cNvGrpSpPr/>
+        <p:nvPr/>
+      </p:nvGrpSpPr>
+      <p:grpSpPr>
+        <a:xfrm>
+          <a:off x="0" y="0"/>
+          <a:ext cx="0" cy="0"/>
+          <a:chOff x="0" y="0"/>
+          <a:chExt cx="0" cy="0"/>
+        </a:xfrm>
+      </p:grpSpPr>
+      <p:sp>
+        <p:nvSpPr>
+          <p:cNvPr id="2" name="TextBox 1">
+            <a:extLst>
+              <a:ext uri="{FF2B5EF4-FFF2-40B4-BE49-F238E27FC236}">
+                <a16:creationId xmlns:a16="http://schemas.microsoft.com/office/drawing/2014/main" id="{23940952-C148-FE6F-5FF2-54DD6817E93C}"/>
+              </a:ext>
+            </a:extLst>
+          </p:cNvPr>
+          <p:cNvSpPr txBox="1"/>
+          <p:nvPr/>
+        </p:nvSpPr>
+        <p:spPr>
+          <a:xfrm>
+            <a:off x="519776" y="1305341"/>
+            <a:ext cx="10711202" cy="553998"/>
+          </a:xfrm>
+          <a:prstGeom prst="rect">
+            <a:avLst/>
+          </a:prstGeom>
+          <a:noFill/>
+        </p:spPr>
+        <p:txBody>
+          <a:bodyPr wrap="none" rtlCol="0">
+            <a:spAutoFit/>
+          </a:bodyPr>
+          <a:lstStyle/>
+          <a:p>
+            <a:r>
+              <a:rPr lang="en-US" sz="3000" dirty="0"/>
+              <a:t>How does environmental degradation cause incubation to fail?</a:t>
+            </a:r>
+          </a:p>
+        </p:txBody>
+      </p:sp>
+    </p:spTree>
+    <p:extLst>
+      <p:ext uri="{BB962C8B-B14F-4D97-AF65-F5344CB8AC3E}">
+        <p14:creationId xmlns:p14="http://schemas.microsoft.com/office/powerpoint/2010/main" val="1794008847"/>
+      </p:ext>
+    </p:extLst>
+  </p:cSld>
+  <p:clrMapOvr>
+    <a:masterClrMapping/>
+  </p:clrMapOvr>
+</p:sld>
+</file>
+
+<file path=ppt/slides/slide18.xml><?xml version="1.0" encoding="utf-8"?>
 <p:sld xmlns:a="http://schemas.openxmlformats.org/drawingml/2006/main" xmlns:r="http://schemas.openxmlformats.org/officeDocument/2006/relationships" xmlns:p="http://schemas.openxmlformats.org/presentationml/2006/main">
   <p:cSld>
     <p:bg>
@@ -4126,7 +4501,7 @@
 </p:sld>
 </file>
 
-<file path=ppt/slides/slide12.xml><?xml version="1.0" encoding="utf-8"?>
+<file path=ppt/slides/slide19.xml><?xml version="1.0" encoding="utf-8"?>
 <p:sld xmlns:a="http://schemas.openxmlformats.org/drawingml/2006/main" xmlns:r="http://schemas.openxmlformats.org/officeDocument/2006/relationships" xmlns:p="http://schemas.openxmlformats.org/presentationml/2006/main">
   <p:cSld>
     <p:bg>
@@ -4235,7 +4610,158 @@
 </p:sld>
 </file>
 
-<file path=ppt/slides/slide13.xml><?xml version="1.0" encoding="utf-8"?>
+<file path=ppt/slides/slide2.xml><?xml version="1.0" encoding="utf-8"?>
+<p:sld xmlns:a="http://schemas.openxmlformats.org/drawingml/2006/main" xmlns:r="http://schemas.openxmlformats.org/officeDocument/2006/relationships" xmlns:p="http://schemas.openxmlformats.org/presentationml/2006/main">
+  <p:cSld>
+    <p:spTree>
+      <p:nvGrpSpPr>
+        <p:cNvPr id="1" name="">
+          <a:extLst>
+            <a:ext uri="{FF2B5EF4-FFF2-40B4-BE49-F238E27FC236}">
+              <a16:creationId xmlns:a16="http://schemas.microsoft.com/office/drawing/2014/main" id="{98619E02-534B-29D2-3A15-F8FCB964E421}"/>
+            </a:ext>
+          </a:extLst>
+        </p:cNvPr>
+        <p:cNvGrpSpPr/>
+        <p:nvPr/>
+      </p:nvGrpSpPr>
+      <p:grpSpPr>
+        <a:xfrm>
+          <a:off x="0" y="0"/>
+          <a:ext cx="0" cy="0"/>
+          <a:chOff x="0" y="0"/>
+          <a:chExt cx="0" cy="0"/>
+        </a:xfrm>
+      </p:grpSpPr>
+      <p:sp>
+        <p:nvSpPr>
+          <p:cNvPr id="2" name="TextBox 1">
+            <a:extLst>
+              <a:ext uri="{FF2B5EF4-FFF2-40B4-BE49-F238E27FC236}">
+                <a16:creationId xmlns:a16="http://schemas.microsoft.com/office/drawing/2014/main" id="{820E395E-98AF-7C2A-687C-4BFDFDC0161B}"/>
+              </a:ext>
+            </a:extLst>
+          </p:cNvPr>
+          <p:cNvSpPr txBox="1"/>
+          <p:nvPr/>
+        </p:nvSpPr>
+        <p:spPr>
+          <a:xfrm>
+            <a:off x="519776" y="1305341"/>
+            <a:ext cx="8334333" cy="553998"/>
+          </a:xfrm>
+          <a:prstGeom prst="rect">
+            <a:avLst/>
+          </a:prstGeom>
+          <a:noFill/>
+        </p:spPr>
+        <p:txBody>
+          <a:bodyPr wrap="none" rtlCol="0">
+            <a:spAutoFit/>
+          </a:bodyPr>
+          <a:lstStyle/>
+          <a:p>
+            <a:r>
+              <a:rPr lang="en-US" sz="3000" dirty="0"/>
+              <a:t>GOAL: Establish</a:t>
+            </a:r>
+            <a:r>
+              <a:rPr lang="en-US" sz="3000" i="1" dirty="0"/>
+              <a:t> in silico </a:t>
+            </a:r>
+            <a:r>
+              <a:rPr lang="en-US" sz="3000" dirty="0"/>
+              <a:t>model of biparental care</a:t>
+            </a:r>
+          </a:p>
+        </p:txBody>
+      </p:sp>
+    </p:spTree>
+    <p:extLst>
+      <p:ext uri="{BB962C8B-B14F-4D97-AF65-F5344CB8AC3E}">
+        <p14:creationId xmlns:p14="http://schemas.microsoft.com/office/powerpoint/2010/main" val="2388118141"/>
+      </p:ext>
+    </p:extLst>
+  </p:cSld>
+  <p:clrMapOvr>
+    <a:masterClrMapping/>
+  </p:clrMapOvr>
+</p:sld>
+</file>
+
+<file path=ppt/slides/slide20.xml><?xml version="1.0" encoding="utf-8"?>
+<p:sld xmlns:a="http://schemas.openxmlformats.org/drawingml/2006/main" xmlns:r="http://schemas.openxmlformats.org/officeDocument/2006/relationships" xmlns:p="http://schemas.openxmlformats.org/presentationml/2006/main">
+  <p:cSld>
+    <p:spTree>
+      <p:nvGrpSpPr>
+        <p:cNvPr id="1" name="">
+          <a:extLst>
+            <a:ext uri="{FF2B5EF4-FFF2-40B4-BE49-F238E27FC236}">
+              <a16:creationId xmlns:a16="http://schemas.microsoft.com/office/drawing/2014/main" id="{63F052C4-B740-3B75-4EE3-2F4EEA218213}"/>
+            </a:ext>
+          </a:extLst>
+        </p:cNvPr>
+        <p:cNvGrpSpPr/>
+        <p:nvPr/>
+      </p:nvGrpSpPr>
+      <p:grpSpPr>
+        <a:xfrm>
+          <a:off x="0" y="0"/>
+          <a:ext cx="0" cy="0"/>
+          <a:chOff x="0" y="0"/>
+          <a:chExt cx="0" cy="0"/>
+        </a:xfrm>
+      </p:grpSpPr>
+      <p:pic>
+        <p:nvPicPr>
+          <p:cNvPr id="3" name="Picture 2" descr="A graph of a graph&#10;&#10;Description automatically generated">
+            <a:extLst>
+              <a:ext uri="{FF2B5EF4-FFF2-40B4-BE49-F238E27FC236}">
+                <a16:creationId xmlns:a16="http://schemas.microsoft.com/office/drawing/2014/main" id="{21623C33-E24C-1596-4B88-8289AD96F518}"/>
+              </a:ext>
+            </a:extLst>
+          </p:cNvPr>
+          <p:cNvPicPr>
+            <a:picLocks noChangeAspect="1"/>
+          </p:cNvPicPr>
+          <p:nvPr/>
+        </p:nvPicPr>
+        <p:blipFill>
+          <a:blip r:embed="rId2">
+            <a:extLst>
+              <a:ext uri="{28A0092B-C50C-407E-A947-70E740481C1C}">
+                <a14:useLocalDpi xmlns:a14="http://schemas.microsoft.com/office/drawing/2010/main" val="0"/>
+              </a:ext>
+            </a:extLst>
+          </a:blip>
+          <a:stretch>
+            <a:fillRect/>
+          </a:stretch>
+        </p:blipFill>
+        <p:spPr>
+          <a:xfrm>
+            <a:off x="643467" y="1247985"/>
+            <a:ext cx="10905066" cy="4362028"/>
+          </a:xfrm>
+          <a:prstGeom prst="rect">
+            <a:avLst/>
+          </a:prstGeom>
+        </p:spPr>
+      </p:pic>
+    </p:spTree>
+    <p:extLst>
+      <p:ext uri="{BB962C8B-B14F-4D97-AF65-F5344CB8AC3E}">
+        <p14:creationId xmlns:p14="http://schemas.microsoft.com/office/powerpoint/2010/main" val="981264521"/>
+      </p:ext>
+    </p:extLst>
+  </p:cSld>
+  <p:clrMapOvr>
+    <a:masterClrMapping/>
+  </p:clrMapOvr>
+</p:sld>
+</file>
+
+<file path=ppt/slides/slide21.xml><?xml version="1.0" encoding="utf-8"?>
 <p:sld xmlns:a="http://schemas.openxmlformats.org/drawingml/2006/main" xmlns:r="http://schemas.openxmlformats.org/officeDocument/2006/relationships" xmlns:p="http://schemas.openxmlformats.org/presentationml/2006/main">
   <p:cSld>
     <p:bg>
@@ -4262,725 +4788,10 @@
       </p:grpSpPr>
       <p:pic>
         <p:nvPicPr>
-          <p:cNvPr id="3" name="Picture 2" descr="A graph of a graph showing the same graph&#10;&#10;Description automatically generated with medium confidence">
-            <a:extLst>
-              <a:ext uri="{FF2B5EF4-FFF2-40B4-BE49-F238E27FC236}">
-                <a16:creationId xmlns:a16="http://schemas.microsoft.com/office/drawing/2014/main" id="{B5DBE08C-1018-56B2-FF90-44461BC74CA4}"/>
-              </a:ext>
-            </a:extLst>
-          </p:cNvPr>
-          <p:cNvPicPr>
-            <a:picLocks noChangeAspect="1"/>
-          </p:cNvPicPr>
-          <p:nvPr/>
-        </p:nvPicPr>
-        <p:blipFill>
-          <a:blip r:embed="rId3">
-            <a:extLst>
-              <a:ext uri="{28A0092B-C50C-407E-A947-70E740481C1C}">
-                <a14:useLocalDpi xmlns:a14="http://schemas.microsoft.com/office/drawing/2010/main" val="0"/>
-              </a:ext>
-            </a:extLst>
-          </a:blip>
-          <a:srcRect r="48007" b="11791"/>
-          <a:stretch/>
-        </p:blipFill>
-        <p:spPr>
-          <a:xfrm>
-            <a:off x="1523991" y="1600197"/>
-            <a:ext cx="4754262" cy="3226328"/>
-          </a:xfrm>
-          <a:prstGeom prst="rect">
-            <a:avLst/>
-          </a:prstGeom>
-        </p:spPr>
-      </p:pic>
-      <p:pic>
-        <p:nvPicPr>
-          <p:cNvPr id="4" name="Picture 3" descr="A graph of a graph showing the same graph&#10;&#10;Description automatically generated with medium confidence">
-            <a:extLst>
-              <a:ext uri="{FF2B5EF4-FFF2-40B4-BE49-F238E27FC236}">
-                <a16:creationId xmlns:a16="http://schemas.microsoft.com/office/drawing/2014/main" id="{AB89F178-5343-988B-EA92-908E94485048}"/>
-              </a:ext>
-            </a:extLst>
-          </p:cNvPr>
-          <p:cNvPicPr>
-            <a:picLocks noChangeAspect="1"/>
-          </p:cNvPicPr>
-          <p:nvPr/>
-        </p:nvPicPr>
-        <p:blipFill>
-          <a:blip r:embed="rId3">
-            <a:extLst>
-              <a:ext uri="{28A0092B-C50C-407E-A947-70E740481C1C}">
-                <a14:useLocalDpi xmlns:a14="http://schemas.microsoft.com/office/drawing/2010/main" val="0"/>
-              </a:ext>
-            </a:extLst>
-          </a:blip>
-          <a:srcRect l="39811" t="88209" r="28746" b="1525"/>
-          <a:stretch/>
-        </p:blipFill>
-        <p:spPr>
-          <a:xfrm>
-            <a:off x="3091991" y="4882303"/>
-            <a:ext cx="2875175" cy="375500"/>
-          </a:xfrm>
-          <a:prstGeom prst="rect">
-            <a:avLst/>
-          </a:prstGeom>
-        </p:spPr>
-      </p:pic>
-    </p:spTree>
-    <p:extLst>
-      <p:ext uri="{BB962C8B-B14F-4D97-AF65-F5344CB8AC3E}">
-        <p14:creationId xmlns:p14="http://schemas.microsoft.com/office/powerpoint/2010/main" val="2802535663"/>
-      </p:ext>
-    </p:extLst>
-  </p:cSld>
-  <p:clrMapOvr>
-    <a:masterClrMapping/>
-  </p:clrMapOvr>
-</p:sld>
-</file>
-
-<file path=ppt/slides/slide14.xml><?xml version="1.0" encoding="utf-8"?>
-<p:sld xmlns:a="http://schemas.openxmlformats.org/drawingml/2006/main" xmlns:r="http://schemas.openxmlformats.org/officeDocument/2006/relationships" xmlns:p="http://schemas.openxmlformats.org/presentationml/2006/main">
-  <p:cSld>
-    <p:spTree>
-      <p:nvGrpSpPr>
-        <p:cNvPr id="1" name="">
-          <a:extLst>
-            <a:ext uri="{FF2B5EF4-FFF2-40B4-BE49-F238E27FC236}">
-              <a16:creationId xmlns:a16="http://schemas.microsoft.com/office/drawing/2014/main" id="{7869A708-7F53-73DD-C137-CCC30679A99D}"/>
-            </a:ext>
-          </a:extLst>
-        </p:cNvPr>
-        <p:cNvGrpSpPr/>
-        <p:nvPr/>
-      </p:nvGrpSpPr>
-      <p:grpSpPr>
-        <a:xfrm>
-          <a:off x="0" y="0"/>
-          <a:ext cx="0" cy="0"/>
-          <a:chOff x="0" y="0"/>
-          <a:chExt cx="0" cy="0"/>
-        </a:xfrm>
-      </p:grpSpPr>
-      <p:pic>
-        <p:nvPicPr>
-          <p:cNvPr id="3" name="Picture 2" descr="A graph of a graph showing the same graph&#10;&#10;Description automatically generated with medium confidence">
-            <a:extLst>
-              <a:ext uri="{FF2B5EF4-FFF2-40B4-BE49-F238E27FC236}">
-                <a16:creationId xmlns:a16="http://schemas.microsoft.com/office/drawing/2014/main" id="{B6820AEC-7A42-FB77-77BC-757E56AA1675}"/>
-              </a:ext>
-            </a:extLst>
-          </p:cNvPr>
-          <p:cNvPicPr>
-            <a:picLocks noChangeAspect="1"/>
-          </p:cNvPicPr>
-          <p:nvPr/>
-        </p:nvPicPr>
-        <p:blipFill>
-          <a:blip r:embed="rId3">
-            <a:extLst>
-              <a:ext uri="{28A0092B-C50C-407E-A947-70E740481C1C}">
-                <a14:useLocalDpi xmlns:a14="http://schemas.microsoft.com/office/drawing/2010/main" val="0"/>
-              </a:ext>
-            </a:extLst>
-          </a:blip>
-          <a:stretch>
-            <a:fillRect/>
-          </a:stretch>
-        </p:blipFill>
-        <p:spPr>
-          <a:xfrm>
-            <a:off x="1523990" y="1600196"/>
-            <a:ext cx="9144019" cy="3657607"/>
-          </a:xfrm>
-          <a:prstGeom prst="rect">
-            <a:avLst/>
-          </a:prstGeom>
-        </p:spPr>
-      </p:pic>
-    </p:spTree>
-    <p:extLst>
-      <p:ext uri="{BB962C8B-B14F-4D97-AF65-F5344CB8AC3E}">
-        <p14:creationId xmlns:p14="http://schemas.microsoft.com/office/powerpoint/2010/main" val="3773401382"/>
-      </p:ext>
-    </p:extLst>
-  </p:cSld>
-  <p:clrMapOvr>
-    <a:masterClrMapping/>
-  </p:clrMapOvr>
-</p:sld>
-</file>
-
-<file path=ppt/slides/slide15.xml><?xml version="1.0" encoding="utf-8"?>
-<p:sld xmlns:a="http://schemas.openxmlformats.org/drawingml/2006/main" xmlns:r="http://schemas.openxmlformats.org/officeDocument/2006/relationships" xmlns:p="http://schemas.openxmlformats.org/presentationml/2006/main">
-  <p:cSld>
-    <p:spTree>
-      <p:nvGrpSpPr>
-        <p:cNvPr id="1" name=""/>
-        <p:cNvGrpSpPr/>
-        <p:nvPr/>
-      </p:nvGrpSpPr>
-      <p:grpSpPr>
-        <a:xfrm>
-          <a:off x="0" y="0"/>
-          <a:ext cx="0" cy="0"/>
-          <a:chOff x="0" y="0"/>
-          <a:chExt cx="0" cy="0"/>
-        </a:xfrm>
-      </p:grpSpPr>
-      <p:pic>
-        <p:nvPicPr>
-          <p:cNvPr id="3" name="Picture 2" descr="A graph of success in regular environment&#10;&#10;Description automatically generated">
-            <a:extLst>
-              <a:ext uri="{FF2B5EF4-FFF2-40B4-BE49-F238E27FC236}">
-                <a16:creationId xmlns:a16="http://schemas.microsoft.com/office/drawing/2014/main" id="{F0FA5A7B-7CB2-55CE-2E7F-15969AC9184A}"/>
-              </a:ext>
-            </a:extLst>
-          </p:cNvPr>
-          <p:cNvPicPr>
-            <a:picLocks noChangeAspect="1"/>
-          </p:cNvPicPr>
-          <p:nvPr/>
-        </p:nvPicPr>
-        <p:blipFill>
-          <a:blip r:embed="rId2">
-            <a:extLst>
-              <a:ext uri="{28A0092B-C50C-407E-A947-70E740481C1C}">
-                <a14:useLocalDpi xmlns:a14="http://schemas.microsoft.com/office/drawing/2010/main" val="0"/>
-              </a:ext>
-            </a:extLst>
-          </a:blip>
-          <a:stretch>
-            <a:fillRect/>
-          </a:stretch>
-        </p:blipFill>
-        <p:spPr>
-          <a:xfrm>
-            <a:off x="2895593" y="1600196"/>
-            <a:ext cx="6400813" cy="3657607"/>
-          </a:xfrm>
-          <a:prstGeom prst="rect">
-            <a:avLst/>
-          </a:prstGeom>
-        </p:spPr>
-      </p:pic>
-    </p:spTree>
-    <p:extLst>
-      <p:ext uri="{BB962C8B-B14F-4D97-AF65-F5344CB8AC3E}">
-        <p14:creationId xmlns:p14="http://schemas.microsoft.com/office/powerpoint/2010/main" val="317393151"/>
-      </p:ext>
-    </p:extLst>
-  </p:cSld>
-  <p:clrMapOvr>
-    <a:masterClrMapping/>
-  </p:clrMapOvr>
-</p:sld>
-</file>
-
-<file path=ppt/slides/slide16.xml><?xml version="1.0" encoding="utf-8"?>
-<p:sld xmlns:a="http://schemas.openxmlformats.org/drawingml/2006/main" xmlns:r="http://schemas.openxmlformats.org/officeDocument/2006/relationships" xmlns:p="http://schemas.openxmlformats.org/presentationml/2006/main">
-  <p:cSld>
-    <p:spTree>
-      <p:nvGrpSpPr>
-        <p:cNvPr id="1" name=""/>
-        <p:cNvGrpSpPr/>
-        <p:nvPr/>
-      </p:nvGrpSpPr>
-      <p:grpSpPr>
-        <a:xfrm>
-          <a:off x="0" y="0"/>
-          <a:ext cx="0" cy="0"/>
-          <a:chOff x="0" y="0"/>
-          <a:chExt cx="0" cy="0"/>
-        </a:xfrm>
-      </p:grpSpPr>
-      <p:pic>
-        <p:nvPicPr>
-          <p:cNvPr id="5" name="Picture 4" descr="A graph of growth and progress&#10;&#10;Description automatically generated with medium confidence">
-            <a:extLst>
-              <a:ext uri="{FF2B5EF4-FFF2-40B4-BE49-F238E27FC236}">
-                <a16:creationId xmlns:a16="http://schemas.microsoft.com/office/drawing/2014/main" id="{DBA6D59E-51F9-E5B9-D2F1-396A325B42CB}"/>
-              </a:ext>
-            </a:extLst>
-          </p:cNvPr>
-          <p:cNvPicPr>
-            <a:picLocks noChangeAspect="1"/>
-          </p:cNvPicPr>
-          <p:nvPr/>
-        </p:nvPicPr>
-        <p:blipFill>
-          <a:blip r:embed="rId2">
-            <a:extLst>
-              <a:ext uri="{28A0092B-C50C-407E-A947-70E740481C1C}">
-                <a14:useLocalDpi xmlns:a14="http://schemas.microsoft.com/office/drawing/2010/main" val="0"/>
-              </a:ext>
-            </a:extLst>
-          </a:blip>
-          <a:stretch>
-            <a:fillRect/>
-          </a:stretch>
-        </p:blipFill>
-        <p:spPr>
-          <a:xfrm>
-            <a:off x="2895593" y="1600196"/>
-            <a:ext cx="6400813" cy="3657607"/>
-          </a:xfrm>
-          <a:prstGeom prst="rect">
-            <a:avLst/>
-          </a:prstGeom>
-        </p:spPr>
-      </p:pic>
-    </p:spTree>
-    <p:extLst>
-      <p:ext uri="{BB962C8B-B14F-4D97-AF65-F5344CB8AC3E}">
-        <p14:creationId xmlns:p14="http://schemas.microsoft.com/office/powerpoint/2010/main" val="1207003560"/>
-      </p:ext>
-    </p:extLst>
-  </p:cSld>
-  <p:clrMapOvr>
-    <a:masterClrMapping/>
-  </p:clrMapOvr>
-</p:sld>
-</file>
-
-<file path=ppt/slides/slide17.xml><?xml version="1.0" encoding="utf-8"?>
-<p:sld xmlns:a="http://schemas.openxmlformats.org/drawingml/2006/main" xmlns:r="http://schemas.openxmlformats.org/officeDocument/2006/relationships" xmlns:p="http://schemas.openxmlformats.org/presentationml/2006/main">
-  <p:cSld>
-    <p:spTree>
-      <p:nvGrpSpPr>
-        <p:cNvPr id="1" name=""/>
-        <p:cNvGrpSpPr/>
-        <p:nvPr/>
-      </p:nvGrpSpPr>
-      <p:grpSpPr>
-        <a:xfrm>
-          <a:off x="0" y="0"/>
-          <a:ext cx="0" cy="0"/>
-          <a:chOff x="0" y="0"/>
-          <a:chExt cx="0" cy="0"/>
-        </a:xfrm>
-      </p:grpSpPr>
-      <p:pic>
-        <p:nvPicPr>
-          <p:cNvPr id="9" name="Picture 8" descr="A line of smoke from a plane&#10;&#10;Description automatically generated with medium confidence">
-            <a:extLst>
-              <a:ext uri="{FF2B5EF4-FFF2-40B4-BE49-F238E27FC236}">
-                <a16:creationId xmlns:a16="http://schemas.microsoft.com/office/drawing/2014/main" id="{22DC32AC-8C0D-0223-4F8F-AA6A05A165EA}"/>
-              </a:ext>
-            </a:extLst>
-          </p:cNvPr>
-          <p:cNvPicPr>
-            <a:picLocks noChangeAspect="1"/>
-          </p:cNvPicPr>
-          <p:nvPr/>
-        </p:nvPicPr>
-        <p:blipFill>
-          <a:blip r:embed="rId2">
-            <a:extLst>
-              <a:ext uri="{28A0092B-C50C-407E-A947-70E740481C1C}">
-                <a14:useLocalDpi xmlns:a14="http://schemas.microsoft.com/office/drawing/2010/main" val="0"/>
-              </a:ext>
-            </a:extLst>
-          </a:blip>
-          <a:stretch>
-            <a:fillRect/>
-          </a:stretch>
-        </p:blipFill>
-        <p:spPr>
-          <a:xfrm>
-            <a:off x="2895593" y="1600196"/>
-            <a:ext cx="6400813" cy="3657607"/>
-          </a:xfrm>
-          <a:prstGeom prst="rect">
-            <a:avLst/>
-          </a:prstGeom>
-        </p:spPr>
-      </p:pic>
-    </p:spTree>
-    <p:extLst>
-      <p:ext uri="{BB962C8B-B14F-4D97-AF65-F5344CB8AC3E}">
-        <p14:creationId xmlns:p14="http://schemas.microsoft.com/office/powerpoint/2010/main" val="3352682201"/>
-      </p:ext>
-    </p:extLst>
-  </p:cSld>
-  <p:clrMapOvr>
-    <a:masterClrMapping/>
-  </p:clrMapOvr>
-</p:sld>
-</file>
-
-<file path=ppt/slides/slide18.xml><?xml version="1.0" encoding="utf-8"?>
-<p:sld xmlns:a="http://schemas.openxmlformats.org/drawingml/2006/main" xmlns:r="http://schemas.openxmlformats.org/officeDocument/2006/relationships" xmlns:p="http://schemas.openxmlformats.org/presentationml/2006/main">
-  <p:cSld>
-    <p:spTree>
-      <p:nvGrpSpPr>
-        <p:cNvPr id="1" name=""/>
-        <p:cNvGrpSpPr/>
-        <p:nvPr/>
-      </p:nvGrpSpPr>
-      <p:grpSpPr>
-        <a:xfrm>
-          <a:off x="0" y="0"/>
-          <a:ext cx="0" cy="0"/>
-          <a:chOff x="0" y="0"/>
-          <a:chExt cx="0" cy="0"/>
-        </a:xfrm>
-      </p:grpSpPr>
-      <p:pic>
-        <p:nvPicPr>
-          <p:cNvPr id="17" name="Picture 16" descr="A black line in the air&#10;&#10;Description automatically generated">
-            <a:extLst>
-              <a:ext uri="{FF2B5EF4-FFF2-40B4-BE49-F238E27FC236}">
-                <a16:creationId xmlns:a16="http://schemas.microsoft.com/office/drawing/2014/main" id="{CDD4C940-C36D-84DB-7039-F758EE51F696}"/>
-              </a:ext>
-            </a:extLst>
-          </p:cNvPr>
-          <p:cNvPicPr>
-            <a:picLocks noChangeAspect="1"/>
-          </p:cNvPicPr>
-          <p:nvPr/>
-        </p:nvPicPr>
-        <p:blipFill>
-          <a:blip r:embed="rId2">
-            <a:extLst>
-              <a:ext uri="{28A0092B-C50C-407E-A947-70E740481C1C}">
-                <a14:useLocalDpi xmlns:a14="http://schemas.microsoft.com/office/drawing/2010/main" val="0"/>
-              </a:ext>
-            </a:extLst>
-          </a:blip>
-          <a:stretch>
-            <a:fillRect/>
-          </a:stretch>
-        </p:blipFill>
-        <p:spPr>
-          <a:xfrm>
-            <a:off x="2895593" y="1600196"/>
-            <a:ext cx="6400813" cy="3657607"/>
-          </a:xfrm>
-          <a:prstGeom prst="rect">
-            <a:avLst/>
-          </a:prstGeom>
-        </p:spPr>
-      </p:pic>
-    </p:spTree>
-    <p:extLst>
-      <p:ext uri="{BB962C8B-B14F-4D97-AF65-F5344CB8AC3E}">
-        <p14:creationId xmlns:p14="http://schemas.microsoft.com/office/powerpoint/2010/main" val="2871201672"/>
-      </p:ext>
-    </p:extLst>
-  </p:cSld>
-  <p:clrMapOvr>
-    <a:masterClrMapping/>
-  </p:clrMapOvr>
-</p:sld>
-</file>
-
-<file path=ppt/slides/slide19.xml><?xml version="1.0" encoding="utf-8"?>
-<p:sld xmlns:a="http://schemas.openxmlformats.org/drawingml/2006/main" xmlns:r="http://schemas.openxmlformats.org/officeDocument/2006/relationships" xmlns:p="http://schemas.openxmlformats.org/presentationml/2006/main">
-  <p:cSld>
-    <p:spTree>
-      <p:nvGrpSpPr>
-        <p:cNvPr id="1" name=""/>
-        <p:cNvGrpSpPr/>
-        <p:nvPr/>
-      </p:nvGrpSpPr>
-      <p:grpSpPr>
-        <a:xfrm>
-          <a:off x="0" y="0"/>
-          <a:ext cx="0" cy="0"/>
-          <a:chOff x="0" y="0"/>
-          <a:chExt cx="0" cy="0"/>
-        </a:xfrm>
-      </p:grpSpPr>
-      <p:pic>
-        <p:nvPicPr>
-          <p:cNvPr id="5" name="Picture 4" descr="A diagram of a graph&#10;&#10;Description automatically generated with medium confidence">
-            <a:extLst>
-              <a:ext uri="{FF2B5EF4-FFF2-40B4-BE49-F238E27FC236}">
-                <a16:creationId xmlns:a16="http://schemas.microsoft.com/office/drawing/2014/main" id="{DA6B11EF-4CCD-8A99-2A59-D554F75488AA}"/>
-              </a:ext>
-            </a:extLst>
-          </p:cNvPr>
-          <p:cNvPicPr>
-            <a:picLocks noChangeAspect="1"/>
-          </p:cNvPicPr>
-          <p:nvPr/>
-        </p:nvPicPr>
-        <p:blipFill>
-          <a:blip r:embed="rId2">
-            <a:extLst>
-              <a:ext uri="{28A0092B-C50C-407E-A947-70E740481C1C}">
-                <a14:useLocalDpi xmlns:a14="http://schemas.microsoft.com/office/drawing/2010/main" val="0"/>
-              </a:ext>
-            </a:extLst>
-          </a:blip>
-          <a:stretch>
-            <a:fillRect/>
-          </a:stretch>
-        </p:blipFill>
-        <p:spPr>
-          <a:xfrm>
-            <a:off x="2895593" y="1600196"/>
-            <a:ext cx="6400813" cy="3657607"/>
-          </a:xfrm>
-          <a:prstGeom prst="rect">
-            <a:avLst/>
-          </a:prstGeom>
-        </p:spPr>
-      </p:pic>
-    </p:spTree>
-    <p:extLst>
-      <p:ext uri="{BB962C8B-B14F-4D97-AF65-F5344CB8AC3E}">
-        <p14:creationId xmlns:p14="http://schemas.microsoft.com/office/powerpoint/2010/main" val="2604940391"/>
-      </p:ext>
-    </p:extLst>
-  </p:cSld>
-  <p:clrMapOvr>
-    <a:masterClrMapping/>
-  </p:clrMapOvr>
-</p:sld>
-</file>
-
-<file path=ppt/slides/slide2.xml><?xml version="1.0" encoding="utf-8"?>
-<p:sld xmlns:a="http://schemas.openxmlformats.org/drawingml/2006/main" xmlns:r="http://schemas.openxmlformats.org/officeDocument/2006/relationships" xmlns:p="http://schemas.openxmlformats.org/presentationml/2006/main">
-  <p:cSld>
-    <p:spTree>
-      <p:nvGrpSpPr>
-        <p:cNvPr id="1" name="">
-          <a:extLst>
-            <a:ext uri="{FF2B5EF4-FFF2-40B4-BE49-F238E27FC236}">
-              <a16:creationId xmlns:a16="http://schemas.microsoft.com/office/drawing/2014/main" id="{EFA75E66-ACB4-D5BA-3EDD-3409911E2F6F}"/>
-            </a:ext>
-          </a:extLst>
-        </p:cNvPr>
-        <p:cNvGrpSpPr/>
-        <p:nvPr/>
-      </p:nvGrpSpPr>
-      <p:grpSpPr>
-        <a:xfrm>
-          <a:off x="0" y="0"/>
-          <a:ext cx="0" cy="0"/>
-          <a:chOff x="0" y="0"/>
-          <a:chExt cx="0" cy="0"/>
-        </a:xfrm>
-      </p:grpSpPr>
-      <p:pic>
-        <p:nvPicPr>
-          <p:cNvPr id="3" name="Picture 2" descr="A screenshot of a computer&#10;&#10;Description automatically generated">
-            <a:extLst>
-              <a:ext uri="{FF2B5EF4-FFF2-40B4-BE49-F238E27FC236}">
-                <a16:creationId xmlns:a16="http://schemas.microsoft.com/office/drawing/2014/main" id="{30E2EDD4-1727-A7FC-828A-B7B0ED45D93A}"/>
-              </a:ext>
-            </a:extLst>
-          </p:cNvPr>
-          <p:cNvPicPr>
-            <a:picLocks noChangeAspect="1"/>
-          </p:cNvPicPr>
-          <p:nvPr/>
-        </p:nvPicPr>
-        <p:blipFill>
-          <a:blip r:embed="rId2">
-            <a:extLst>
-              <a:ext uri="{28A0092B-C50C-407E-A947-70E740481C1C}">
-                <a14:useLocalDpi xmlns:a14="http://schemas.microsoft.com/office/drawing/2010/main" val="0"/>
-              </a:ext>
-            </a:extLst>
-          </a:blip>
-          <a:srcRect r="66568"/>
-          <a:stretch/>
-        </p:blipFill>
-        <p:spPr>
-          <a:xfrm>
-            <a:off x="643467" y="1002622"/>
-            <a:ext cx="3645729" cy="4852755"/>
-          </a:xfrm>
-          <a:prstGeom prst="rect">
-            <a:avLst/>
-          </a:prstGeom>
-        </p:spPr>
-      </p:pic>
-      <p:pic>
-        <p:nvPicPr>
-          <p:cNvPr id="2" name="Picture 1" descr="A screenshot of a computer&#10;&#10;Description automatically generated">
-            <a:extLst>
-              <a:ext uri="{FF2B5EF4-FFF2-40B4-BE49-F238E27FC236}">
-                <a16:creationId xmlns:a16="http://schemas.microsoft.com/office/drawing/2014/main" id="{396D5702-570A-5CA5-0149-D45FFDA54D83}"/>
-              </a:ext>
-            </a:extLst>
-          </p:cNvPr>
-          <p:cNvPicPr>
-            <a:picLocks noChangeAspect="1"/>
-          </p:cNvPicPr>
-          <p:nvPr/>
-        </p:nvPicPr>
-        <p:blipFill>
-          <a:blip r:embed="rId2">
-            <a:extLst>
-              <a:ext uri="{28A0092B-C50C-407E-A947-70E740481C1C}">
-                <a14:useLocalDpi xmlns:a14="http://schemas.microsoft.com/office/drawing/2010/main" val="0"/>
-              </a:ext>
-            </a:extLst>
-          </a:blip>
-          <a:srcRect l="88410"/>
-          <a:stretch/>
-        </p:blipFill>
-        <p:spPr>
-          <a:xfrm>
-            <a:off x="4411744" y="1002622"/>
-            <a:ext cx="1263890" cy="4852755"/>
-          </a:xfrm>
-          <a:prstGeom prst="rect">
-            <a:avLst/>
-          </a:prstGeom>
-        </p:spPr>
-      </p:pic>
-      <p:pic>
-        <p:nvPicPr>
-          <p:cNvPr id="4" name="Picture 3" descr="A screenshot of a computer&#10;&#10;Description automatically generated">
-            <a:extLst>
-              <a:ext uri="{FF2B5EF4-FFF2-40B4-BE49-F238E27FC236}">
-                <a16:creationId xmlns:a16="http://schemas.microsoft.com/office/drawing/2014/main" id="{9C09AFF3-5769-47AA-73F9-5E415F6CB88E}"/>
-              </a:ext>
-            </a:extLst>
-          </p:cNvPr>
-          <p:cNvPicPr>
-            <a:picLocks noChangeAspect="1"/>
-          </p:cNvPicPr>
-          <p:nvPr/>
-        </p:nvPicPr>
-        <p:blipFill>
-          <a:blip r:embed="rId2">
-            <a:extLst>
-              <a:ext uri="{28A0092B-C50C-407E-A947-70E740481C1C}">
-                <a14:useLocalDpi xmlns:a14="http://schemas.microsoft.com/office/drawing/2010/main" val="0"/>
-              </a:ext>
-            </a:extLst>
-          </a:blip>
-          <a:srcRect l="42150" t="93530" r="47541"/>
-          <a:stretch/>
-        </p:blipFill>
-        <p:spPr>
-          <a:xfrm>
-            <a:off x="2215299" y="5541390"/>
-            <a:ext cx="1124236" cy="313987"/>
-          </a:xfrm>
-          <a:prstGeom prst="rect">
-            <a:avLst/>
-          </a:prstGeom>
-        </p:spPr>
-      </p:pic>
-    </p:spTree>
-    <p:extLst>
-      <p:ext uri="{BB962C8B-B14F-4D97-AF65-F5344CB8AC3E}">
-        <p14:creationId xmlns:p14="http://schemas.microsoft.com/office/powerpoint/2010/main" val="2923422350"/>
-      </p:ext>
-    </p:extLst>
-  </p:cSld>
-  <p:clrMapOvr>
-    <a:masterClrMapping/>
-  </p:clrMapOvr>
-</p:sld>
-</file>
-
-<file path=ppt/slides/slide20.xml><?xml version="1.0" encoding="utf-8"?>
-<p:sld xmlns:a="http://schemas.openxmlformats.org/drawingml/2006/main" xmlns:r="http://schemas.openxmlformats.org/officeDocument/2006/relationships" xmlns:p="http://schemas.openxmlformats.org/presentationml/2006/main">
-  <p:cSld>
-    <p:spTree>
-      <p:nvGrpSpPr>
-        <p:cNvPr id="1" name=""/>
-        <p:cNvGrpSpPr/>
-        <p:nvPr/>
-      </p:nvGrpSpPr>
-      <p:grpSpPr>
-        <a:xfrm>
-          <a:off x="0" y="0"/>
-          <a:ext cx="0" cy="0"/>
-          <a:chOff x="0" y="0"/>
-          <a:chExt cx="0" cy="0"/>
-        </a:xfrm>
-      </p:grpSpPr>
-      <p:pic>
-        <p:nvPicPr>
-          <p:cNvPr id="5" name="Picture 4" descr="A graph with dots and lines&#10;&#10;Description automatically generated">
-            <a:extLst>
-              <a:ext uri="{FF2B5EF4-FFF2-40B4-BE49-F238E27FC236}">
-                <a16:creationId xmlns:a16="http://schemas.microsoft.com/office/drawing/2014/main" id="{FBF097AA-AACB-E41A-F8C9-5A3FA7E3A231}"/>
-              </a:ext>
-            </a:extLst>
-          </p:cNvPr>
-          <p:cNvPicPr>
-            <a:picLocks noChangeAspect="1"/>
-          </p:cNvPicPr>
-          <p:nvPr/>
-        </p:nvPicPr>
-        <p:blipFill>
-          <a:blip r:embed="rId2">
-            <a:extLst>
-              <a:ext uri="{28A0092B-C50C-407E-A947-70E740481C1C}">
-                <a14:useLocalDpi xmlns:a14="http://schemas.microsoft.com/office/drawing/2010/main" val="0"/>
-              </a:ext>
-            </a:extLst>
-          </a:blip>
-          <a:stretch>
-            <a:fillRect/>
-          </a:stretch>
-        </p:blipFill>
-        <p:spPr>
-          <a:xfrm>
-            <a:off x="3809995" y="1600196"/>
-            <a:ext cx="4572009" cy="3657607"/>
-          </a:xfrm>
-          <a:prstGeom prst="rect">
-            <a:avLst/>
-          </a:prstGeom>
-        </p:spPr>
-      </p:pic>
-    </p:spTree>
-    <p:extLst>
-      <p:ext uri="{BB962C8B-B14F-4D97-AF65-F5344CB8AC3E}">
-        <p14:creationId xmlns:p14="http://schemas.microsoft.com/office/powerpoint/2010/main" val="3223323773"/>
-      </p:ext>
-    </p:extLst>
-  </p:cSld>
-  <p:clrMapOvr>
-    <a:masterClrMapping/>
-  </p:clrMapOvr>
-</p:sld>
-</file>
-
-<file path=ppt/slides/slide21.xml><?xml version="1.0" encoding="utf-8"?>
-<p:sld xmlns:a="http://schemas.openxmlformats.org/drawingml/2006/main" xmlns:r="http://schemas.openxmlformats.org/officeDocument/2006/relationships" xmlns:p="http://schemas.openxmlformats.org/presentationml/2006/main">
-  <p:cSld>
-    <p:spTree>
-      <p:nvGrpSpPr>
-        <p:cNvPr id="1" name="">
-          <a:extLst>
-            <a:ext uri="{FF2B5EF4-FFF2-40B4-BE49-F238E27FC236}">
-              <a16:creationId xmlns:a16="http://schemas.microsoft.com/office/drawing/2014/main" id="{63F052C4-B740-3B75-4EE3-2F4EEA218213}"/>
-            </a:ext>
-          </a:extLst>
-        </p:cNvPr>
-        <p:cNvGrpSpPr/>
-        <p:nvPr/>
-      </p:nvGrpSpPr>
-      <p:grpSpPr>
-        <a:xfrm>
-          <a:off x="0" y="0"/>
-          <a:ext cx="0" cy="0"/>
-          <a:chOff x="0" y="0"/>
-          <a:chExt cx="0" cy="0"/>
-        </a:xfrm>
-      </p:grpSpPr>
-      <p:pic>
-        <p:nvPicPr>
-          <p:cNvPr id="3" name="Picture 2" descr="A graph of a graph&#10;&#10;Description automatically generated">
-            <a:extLst>
-              <a:ext uri="{FF2B5EF4-FFF2-40B4-BE49-F238E27FC236}">
-                <a16:creationId xmlns:a16="http://schemas.microsoft.com/office/drawing/2014/main" id="{21623C33-E24C-1596-4B88-8289AD96F518}"/>
+          <p:cNvPr id="3" name="Picture 2" descr="A graph of a graph&#10;&#10;Description automatically generated with medium confidence">
+            <a:extLst>
+              <a:ext uri="{FF2B5EF4-FFF2-40B4-BE49-F238E27FC236}">
+                <a16:creationId xmlns:a16="http://schemas.microsoft.com/office/drawing/2014/main" id="{1299CAF1-FA48-1D69-50A8-5A04A2B776A0}"/>
               </a:ext>
             </a:extLst>
           </p:cNvPr>
@@ -5014,7 +4825,7 @@
     </p:spTree>
     <p:extLst>
       <p:ext uri="{BB962C8B-B14F-4D97-AF65-F5344CB8AC3E}">
-        <p14:creationId xmlns:p14="http://schemas.microsoft.com/office/powerpoint/2010/main" val="981264521"/>
+        <p14:creationId xmlns:p14="http://schemas.microsoft.com/office/powerpoint/2010/main" val="572464560"/>
       </p:ext>
     </p:extLst>
   </p:cSld>
@@ -5051,80 +4862,6 @@
       </p:grpSpPr>
       <p:pic>
         <p:nvPicPr>
-          <p:cNvPr id="3" name="Picture 2" descr="A graph of a graph&#10;&#10;Description automatically generated with medium confidence">
-            <a:extLst>
-              <a:ext uri="{FF2B5EF4-FFF2-40B4-BE49-F238E27FC236}">
-                <a16:creationId xmlns:a16="http://schemas.microsoft.com/office/drawing/2014/main" id="{1299CAF1-FA48-1D69-50A8-5A04A2B776A0}"/>
-              </a:ext>
-            </a:extLst>
-          </p:cNvPr>
-          <p:cNvPicPr>
-            <a:picLocks noChangeAspect="1"/>
-          </p:cNvPicPr>
-          <p:nvPr/>
-        </p:nvPicPr>
-        <p:blipFill>
-          <a:blip r:embed="rId2">
-            <a:extLst>
-              <a:ext uri="{28A0092B-C50C-407E-A947-70E740481C1C}">
-                <a14:useLocalDpi xmlns:a14="http://schemas.microsoft.com/office/drawing/2010/main" val="0"/>
-              </a:ext>
-            </a:extLst>
-          </a:blip>
-          <a:stretch>
-            <a:fillRect/>
-          </a:stretch>
-        </p:blipFill>
-        <p:spPr>
-          <a:xfrm>
-            <a:off x="643467" y="1247985"/>
-            <a:ext cx="10905066" cy="4362028"/>
-          </a:xfrm>
-          <a:prstGeom prst="rect">
-            <a:avLst/>
-          </a:prstGeom>
-        </p:spPr>
-      </p:pic>
-    </p:spTree>
-    <p:extLst>
-      <p:ext uri="{BB962C8B-B14F-4D97-AF65-F5344CB8AC3E}">
-        <p14:creationId xmlns:p14="http://schemas.microsoft.com/office/powerpoint/2010/main" val="572464560"/>
-      </p:ext>
-    </p:extLst>
-  </p:cSld>
-  <p:clrMapOvr>
-    <a:masterClrMapping/>
-  </p:clrMapOvr>
-</p:sld>
-</file>
-
-<file path=ppt/slides/slide23.xml><?xml version="1.0" encoding="utf-8"?>
-<p:sld xmlns:a="http://schemas.openxmlformats.org/drawingml/2006/main" xmlns:r="http://schemas.openxmlformats.org/officeDocument/2006/relationships" xmlns:p="http://schemas.openxmlformats.org/presentationml/2006/main">
-  <p:cSld>
-    <p:bg>
-      <p:bgPr>
-        <a:solidFill>
-          <a:schemeClr val="bg1"/>
-        </a:solidFill>
-        <a:effectLst/>
-      </p:bgPr>
-    </p:bg>
-    <p:spTree>
-      <p:nvGrpSpPr>
-        <p:cNvPr id="1" name=""/>
-        <p:cNvGrpSpPr/>
-        <p:nvPr/>
-      </p:nvGrpSpPr>
-      <p:grpSpPr>
-        <a:xfrm>
-          <a:off x="0" y="0"/>
-          <a:ext cx="0" cy="0"/>
-          <a:chOff x="0" y="0"/>
-          <a:chExt cx="0" cy="0"/>
-        </a:xfrm>
-      </p:grpSpPr>
-      <p:pic>
-        <p:nvPicPr>
           <p:cNvPr id="3" name="Picture 2" descr="A graph with lines and numbers&#10;&#10;Description automatically generated">
             <a:extLst>
               <a:ext uri="{FF2B5EF4-FFF2-40B4-BE49-F238E27FC236}">
@@ -5175,12 +4912,94 @@
 <file path=ppt/slides/slide3.xml><?xml version="1.0" encoding="utf-8"?>
 <p:sld xmlns:a="http://schemas.openxmlformats.org/drawingml/2006/main" xmlns:r="http://schemas.openxmlformats.org/officeDocument/2006/relationships" xmlns:p="http://schemas.openxmlformats.org/presentationml/2006/main">
   <p:cSld>
+    <p:bg>
+      <p:bgPr>
+        <a:solidFill>
+          <a:schemeClr val="bg1"/>
+        </a:solidFill>
+        <a:effectLst/>
+      </p:bgPr>
+    </p:bg>
+    <p:spTree>
+      <p:nvGrpSpPr>
+        <p:cNvPr id="1" name=""/>
+        <p:cNvGrpSpPr/>
+        <p:nvPr/>
+      </p:nvGrpSpPr>
+      <p:grpSpPr>
+        <a:xfrm>
+          <a:off x="0" y="0"/>
+          <a:ext cx="0" cy="0"/>
+          <a:chOff x="0" y="0"/>
+          <a:chExt cx="0" cy="0"/>
+        </a:xfrm>
+      </p:grpSpPr>
+      <p:pic>
+        <p:nvPicPr>
+          <p:cNvPr id="4" name="Picture 3" descr="A graph of a graph&#10;&#10;Description automatically generated">
+            <a:extLst>
+              <a:ext uri="{FF2B5EF4-FFF2-40B4-BE49-F238E27FC236}">
+                <a16:creationId xmlns:a16="http://schemas.microsoft.com/office/drawing/2014/main" id="{5D29C6AD-924B-5FE9-EF27-3E48D42CC82A}"/>
+              </a:ext>
+            </a:extLst>
+          </p:cNvPr>
+          <p:cNvPicPr>
+            <a:picLocks noChangeAspect="1"/>
+          </p:cNvPicPr>
+          <p:nvPr/>
+        </p:nvPicPr>
+        <p:blipFill>
+          <a:blip r:embed="rId2">
+            <a:extLst>
+              <a:ext uri="{28A0092B-C50C-407E-A947-70E740481C1C}">
+                <a14:useLocalDpi xmlns:a14="http://schemas.microsoft.com/office/drawing/2010/main" val="0"/>
+              </a:ext>
+            </a:extLst>
+          </a:blip>
+          <a:stretch>
+            <a:fillRect/>
+          </a:stretch>
+        </p:blipFill>
+        <p:spPr>
+          <a:xfrm>
+            <a:off x="643467" y="1247985"/>
+            <a:ext cx="10905066" cy="4362028"/>
+          </a:xfrm>
+          <a:prstGeom prst="rect">
+            <a:avLst/>
+          </a:prstGeom>
+        </p:spPr>
+      </p:pic>
+    </p:spTree>
+    <p:extLst>
+      <p:ext uri="{BB962C8B-B14F-4D97-AF65-F5344CB8AC3E}">
+        <p14:creationId xmlns:p14="http://schemas.microsoft.com/office/powerpoint/2010/main" val="376781030"/>
+      </p:ext>
+    </p:extLst>
+  </p:cSld>
+  <p:clrMapOvr>
+    <a:masterClrMapping/>
+  </p:clrMapOvr>
+</p:sld>
+</file>
+
+<file path=ppt/slides/slide4.xml><?xml version="1.0" encoding="utf-8"?>
+<p:sld xmlns:a="http://schemas.openxmlformats.org/drawingml/2006/main" xmlns:r="http://schemas.openxmlformats.org/officeDocument/2006/relationships" xmlns:p="http://schemas.openxmlformats.org/presentationml/2006/main">
+  <p:cSld>
+    <p:bg>
+      <p:bgPr>
+        <a:solidFill>
+          <a:schemeClr val="bg1"/>
+        </a:solidFill>
+        <a:effectLst/>
+      </p:bgPr>
+    </p:bg>
     <p:spTree>
       <p:nvGrpSpPr>
         <p:cNvPr id="1" name="">
           <a:extLst>
             <a:ext uri="{FF2B5EF4-FFF2-40B4-BE49-F238E27FC236}">
-              <a16:creationId xmlns:a16="http://schemas.microsoft.com/office/drawing/2014/main" id="{FF42B5C8-9855-AC68-0E95-35DA575C96A0}"/>
+              <a16:creationId xmlns:a16="http://schemas.microsoft.com/office/drawing/2014/main" id="{EFA75E66-ACB4-D5BA-3EDD-3409911E2F6F}"/>
             </a:ext>
           </a:extLst>
         </p:cNvPr>
@@ -5197,10 +5016,10 @@
       </p:grpSpPr>
       <p:pic>
         <p:nvPicPr>
-          <p:cNvPr id="3" name="Picture 2" descr="A screenshot of a computer&#10;&#10;Description automatically generated">
-            <a:extLst>
-              <a:ext uri="{FF2B5EF4-FFF2-40B4-BE49-F238E27FC236}">
-                <a16:creationId xmlns:a16="http://schemas.microsoft.com/office/drawing/2014/main" id="{78D63DD2-0117-9881-3B69-4DB4FB03981C}"/>
+          <p:cNvPr id="6" name="Picture 5" descr="A graph of a number of data&#10;&#10;Description automatically generated with medium confidence">
+            <a:extLst>
+              <a:ext uri="{FF2B5EF4-FFF2-40B4-BE49-F238E27FC236}">
+                <a16:creationId xmlns:a16="http://schemas.microsoft.com/office/drawing/2014/main" id="{089CE0BE-D44D-5904-6524-50EA801E9A81}"/>
               </a:ext>
             </a:extLst>
           </p:cNvPr>
@@ -5217,48 +5036,14 @@
               </a:ext>
             </a:extLst>
           </a:blip>
-          <a:srcRect r="39339"/>
-          <a:stretch/>
+          <a:stretch>
+            <a:fillRect/>
+          </a:stretch>
         </p:blipFill>
         <p:spPr>
           <a:xfrm>
-            <a:off x="643467" y="1002622"/>
-            <a:ext cx="6615172" cy="4852755"/>
-          </a:xfrm>
-          <a:prstGeom prst="rect">
-            <a:avLst/>
-          </a:prstGeom>
-        </p:spPr>
-      </p:pic>
-      <p:pic>
-        <p:nvPicPr>
-          <p:cNvPr id="2" name="Picture 1" descr="A screenshot of a computer&#10;&#10;Description automatically generated">
-            <a:extLst>
-              <a:ext uri="{FF2B5EF4-FFF2-40B4-BE49-F238E27FC236}">
-                <a16:creationId xmlns:a16="http://schemas.microsoft.com/office/drawing/2014/main" id="{C0154925-AEE5-FA6A-DF52-79ED6DD0F131}"/>
-              </a:ext>
-            </a:extLst>
-          </p:cNvPr>
-          <p:cNvPicPr>
-            <a:picLocks noChangeAspect="1"/>
-          </p:cNvPicPr>
-          <p:nvPr/>
-        </p:nvPicPr>
-        <p:blipFill>
-          <a:blip r:embed="rId2">
-            <a:extLst>
-              <a:ext uri="{28A0092B-C50C-407E-A947-70E740481C1C}">
-                <a14:useLocalDpi xmlns:a14="http://schemas.microsoft.com/office/drawing/2010/main" val="0"/>
-              </a:ext>
-            </a:extLst>
-          </a:blip>
-          <a:srcRect l="88410"/>
-          <a:stretch/>
-        </p:blipFill>
-        <p:spPr>
-          <a:xfrm>
-            <a:off x="7258639" y="1002622"/>
-            <a:ext cx="1263890" cy="4852755"/>
+            <a:off x="1922920" y="643466"/>
+            <a:ext cx="8346160" cy="5571067"/>
           </a:xfrm>
           <a:prstGeom prst="rect">
             <a:avLst/>
@@ -5268,79 +5053,7 @@
     </p:spTree>
     <p:extLst>
       <p:ext uri="{BB962C8B-B14F-4D97-AF65-F5344CB8AC3E}">
-        <p14:creationId xmlns:p14="http://schemas.microsoft.com/office/powerpoint/2010/main" val="780273432"/>
-      </p:ext>
-    </p:extLst>
-  </p:cSld>
-  <p:clrMapOvr>
-    <a:masterClrMapping/>
-  </p:clrMapOvr>
-</p:sld>
-</file>
-
-<file path=ppt/slides/slide4.xml><?xml version="1.0" encoding="utf-8"?>
-<p:sld xmlns:a="http://schemas.openxmlformats.org/drawingml/2006/main" xmlns:r="http://schemas.openxmlformats.org/officeDocument/2006/relationships" xmlns:p="http://schemas.openxmlformats.org/presentationml/2006/main">
-  <p:cSld>
-    <p:spTree>
-      <p:nvGrpSpPr>
-        <p:cNvPr id="1" name="">
-          <a:extLst>
-            <a:ext uri="{FF2B5EF4-FFF2-40B4-BE49-F238E27FC236}">
-              <a16:creationId xmlns:a16="http://schemas.microsoft.com/office/drawing/2014/main" id="{EB104D9B-C0B9-4296-DDBE-1BB72DA707E4}"/>
-            </a:ext>
-          </a:extLst>
-        </p:cNvPr>
-        <p:cNvGrpSpPr/>
-        <p:nvPr/>
-      </p:nvGrpSpPr>
-      <p:grpSpPr>
-        <a:xfrm>
-          <a:off x="0" y="0"/>
-          <a:ext cx="0" cy="0"/>
-          <a:chOff x="0" y="0"/>
-          <a:chExt cx="0" cy="0"/>
-        </a:xfrm>
-      </p:grpSpPr>
-      <p:pic>
-        <p:nvPicPr>
-          <p:cNvPr id="3" name="Picture 2" descr="A screenshot of a computer&#10;&#10;Description automatically generated">
-            <a:extLst>
-              <a:ext uri="{FF2B5EF4-FFF2-40B4-BE49-F238E27FC236}">
-                <a16:creationId xmlns:a16="http://schemas.microsoft.com/office/drawing/2014/main" id="{ED383448-591D-8707-4B78-3DC3CC56476A}"/>
-              </a:ext>
-            </a:extLst>
-          </p:cNvPr>
-          <p:cNvPicPr>
-            <a:picLocks noChangeAspect="1"/>
-          </p:cNvPicPr>
-          <p:nvPr/>
-        </p:nvPicPr>
-        <p:blipFill>
-          <a:blip r:embed="rId2">
-            <a:extLst>
-              <a:ext uri="{28A0092B-C50C-407E-A947-70E740481C1C}">
-                <a14:useLocalDpi xmlns:a14="http://schemas.microsoft.com/office/drawing/2010/main" val="0"/>
-              </a:ext>
-            </a:extLst>
-          </a:blip>
-          <a:stretch>
-            <a:fillRect/>
-          </a:stretch>
-        </p:blipFill>
-        <p:spPr>
-          <a:xfrm>
-            <a:off x="643467" y="1002622"/>
-            <a:ext cx="10905066" cy="4852755"/>
-          </a:xfrm>
-          <a:prstGeom prst="rect">
-            <a:avLst/>
-          </a:prstGeom>
-        </p:spPr>
-      </p:pic>
-    </p:spTree>
-    <p:extLst>
-      <p:ext uri="{BB962C8B-B14F-4D97-AF65-F5344CB8AC3E}">
-        <p14:creationId xmlns:p14="http://schemas.microsoft.com/office/powerpoint/2010/main" val="3428200222"/>
+        <p14:creationId xmlns:p14="http://schemas.microsoft.com/office/powerpoint/2010/main" val="2923422350"/>
       </p:ext>
     </p:extLst>
   </p:cSld>
@@ -5358,7 +5071,7 @@
         <p:cNvPr id="1" name="">
           <a:extLst>
             <a:ext uri="{FF2B5EF4-FFF2-40B4-BE49-F238E27FC236}">
-              <a16:creationId xmlns:a16="http://schemas.microsoft.com/office/drawing/2014/main" id="{56583CB1-6E91-91FE-149C-F02B242C76F2}"/>
+              <a16:creationId xmlns:a16="http://schemas.microsoft.com/office/drawing/2014/main" id="{D7B60A9C-82F4-0DA2-940F-4136FC529D27}"/>
             </a:ext>
           </a:extLst>
         </p:cNvPr>
@@ -5373,115 +5086,45 @@
           <a:chExt cx="0" cy="0"/>
         </a:xfrm>
       </p:grpSpPr>
-      <p:pic>
-        <p:nvPicPr>
-          <p:cNvPr id="3" name="Picture 2" descr="A screenshot of a graph&#10;&#10;Description automatically generated with medium confidence">
-            <a:extLst>
-              <a:ext uri="{FF2B5EF4-FFF2-40B4-BE49-F238E27FC236}">
-                <a16:creationId xmlns:a16="http://schemas.microsoft.com/office/drawing/2014/main" id="{DACFC184-2BBA-7D5B-4998-CD26BD9AD496}"/>
-              </a:ext>
-            </a:extLst>
-          </p:cNvPr>
-          <p:cNvPicPr>
-            <a:picLocks noChangeAspect="1"/>
-          </p:cNvPicPr>
+      <p:sp>
+        <p:nvSpPr>
+          <p:cNvPr id="2" name="TextBox 1">
+            <a:extLst>
+              <a:ext uri="{FF2B5EF4-FFF2-40B4-BE49-F238E27FC236}">
+                <a16:creationId xmlns:a16="http://schemas.microsoft.com/office/drawing/2014/main" id="{8BAFBE54-3061-FB44-2B26-F69D2B4D7E39}"/>
+              </a:ext>
+            </a:extLst>
+          </p:cNvPr>
+          <p:cNvSpPr txBox="1"/>
           <p:nvPr/>
-        </p:nvPicPr>
-        <p:blipFill>
-          <a:blip r:embed="rId2">
-            <a:extLst>
-              <a:ext uri="{28A0092B-C50C-407E-A947-70E740481C1C}">
-                <a14:useLocalDpi xmlns:a14="http://schemas.microsoft.com/office/drawing/2010/main" val="0"/>
-              </a:ext>
-            </a:extLst>
-          </a:blip>
-          <a:srcRect r="66724"/>
-          <a:stretch/>
-        </p:blipFill>
+        </p:nvSpPr>
         <p:spPr>
           <a:xfrm>
-            <a:off x="609589" y="685794"/>
-            <a:ext cx="3651326" cy="5486411"/>
+            <a:off x="519776" y="1305341"/>
+            <a:ext cx="7088415" cy="553998"/>
           </a:xfrm>
           <a:prstGeom prst="rect">
             <a:avLst/>
           </a:prstGeom>
+          <a:noFill/>
         </p:spPr>
-      </p:pic>
-      <p:pic>
-        <p:nvPicPr>
-          <p:cNvPr id="4" name="Picture 3" descr="A screenshot of a graph&#10;&#10;Description automatically generated with medium confidence">
-            <a:extLst>
-              <a:ext uri="{FF2B5EF4-FFF2-40B4-BE49-F238E27FC236}">
-                <a16:creationId xmlns:a16="http://schemas.microsoft.com/office/drawing/2014/main" id="{0600D70A-FD68-4269-ABDB-C3CA08998946}"/>
-              </a:ext>
-            </a:extLst>
-          </p:cNvPr>
-          <p:cNvPicPr>
-            <a:picLocks noChangeAspect="1"/>
-          </p:cNvPicPr>
-          <p:nvPr/>
-        </p:nvPicPr>
-        <p:blipFill>
-          <a:blip r:embed="rId2">
-            <a:extLst>
-              <a:ext uri="{28A0092B-C50C-407E-A947-70E740481C1C}">
-                <a14:useLocalDpi xmlns:a14="http://schemas.microsoft.com/office/drawing/2010/main" val="0"/>
-              </a:ext>
-            </a:extLst>
-          </a:blip>
-          <a:srcRect l="87142"/>
-          <a:stretch/>
-        </p:blipFill>
-        <p:spPr>
-          <a:xfrm>
-            <a:off x="4326903" y="685794"/>
-            <a:ext cx="1410889" cy="5486411"/>
-          </a:xfrm>
-          <a:prstGeom prst="rect">
-            <a:avLst/>
-          </a:prstGeom>
-        </p:spPr>
-      </p:pic>
-      <p:pic>
-        <p:nvPicPr>
-          <p:cNvPr id="5" name="Picture 4" descr="A screenshot of a graph&#10;&#10;Description automatically generated with medium confidence">
-            <a:extLst>
-              <a:ext uri="{FF2B5EF4-FFF2-40B4-BE49-F238E27FC236}">
-                <a16:creationId xmlns:a16="http://schemas.microsoft.com/office/drawing/2014/main" id="{549F7C3E-75AC-050B-8743-95FBAAE7970B}"/>
-              </a:ext>
-            </a:extLst>
-          </p:cNvPr>
-          <p:cNvPicPr>
-            <a:picLocks noChangeAspect="1"/>
-          </p:cNvPicPr>
-          <p:nvPr/>
-        </p:nvPicPr>
-        <p:blipFill>
-          <a:blip r:embed="rId2">
-            <a:extLst>
-              <a:ext uri="{28A0092B-C50C-407E-A947-70E740481C1C}">
-                <a14:useLocalDpi xmlns:a14="http://schemas.microsoft.com/office/drawing/2010/main" val="0"/>
-              </a:ext>
-            </a:extLst>
-          </a:blip>
-          <a:srcRect l="41337" t="95891" r="47323"/>
-          <a:stretch/>
-        </p:blipFill>
-        <p:spPr>
-          <a:xfrm>
-            <a:off x="2205873" y="5956169"/>
-            <a:ext cx="1244337" cy="225463"/>
-          </a:xfrm>
-          <a:prstGeom prst="rect">
-            <a:avLst/>
-          </a:prstGeom>
-        </p:spPr>
-      </p:pic>
+        <p:txBody>
+          <a:bodyPr wrap="none" rtlCol="0">
+            <a:spAutoFit/>
+          </a:bodyPr>
+          <a:lstStyle/>
+          <a:p>
+            <a:r>
+              <a:rPr lang="en-US" sz="3000" dirty="0"/>
+              <a:t>What makes an incubation strategy good?</a:t>
+            </a:r>
+          </a:p>
+        </p:txBody>
+      </p:sp>
     </p:spTree>
     <p:extLst>
       <p:ext uri="{BB962C8B-B14F-4D97-AF65-F5344CB8AC3E}">
-        <p14:creationId xmlns:p14="http://schemas.microsoft.com/office/powerpoint/2010/main" val="1567049475"/>
+        <p14:creationId xmlns:p14="http://schemas.microsoft.com/office/powerpoint/2010/main" val="1918914705"/>
       </p:ext>
     </p:extLst>
   </p:cSld>
@@ -5492,112 +5135,6 @@
 </file>
 
 <file path=ppt/slides/slide6.xml><?xml version="1.0" encoding="utf-8"?>
-<p:sld xmlns:a="http://schemas.openxmlformats.org/drawingml/2006/main" xmlns:r="http://schemas.openxmlformats.org/officeDocument/2006/relationships" xmlns:p="http://schemas.openxmlformats.org/presentationml/2006/main">
-  <p:cSld>
-    <p:spTree>
-      <p:nvGrpSpPr>
-        <p:cNvPr id="1" name="">
-          <a:extLst>
-            <a:ext uri="{FF2B5EF4-FFF2-40B4-BE49-F238E27FC236}">
-              <a16:creationId xmlns:a16="http://schemas.microsoft.com/office/drawing/2014/main" id="{32281031-0089-47FB-B363-933D7589B1F2}"/>
-            </a:ext>
-          </a:extLst>
-        </p:cNvPr>
-        <p:cNvGrpSpPr/>
-        <p:nvPr/>
-      </p:nvGrpSpPr>
-      <p:grpSpPr>
-        <a:xfrm>
-          <a:off x="0" y="0"/>
-          <a:ext cx="0" cy="0"/>
-          <a:chOff x="0" y="0"/>
-          <a:chExt cx="0" cy="0"/>
-        </a:xfrm>
-      </p:grpSpPr>
-      <p:pic>
-        <p:nvPicPr>
-          <p:cNvPr id="3" name="Picture 2" descr="A screenshot of a graph&#10;&#10;Description automatically generated with medium confidence">
-            <a:extLst>
-              <a:ext uri="{FF2B5EF4-FFF2-40B4-BE49-F238E27FC236}">
-                <a16:creationId xmlns:a16="http://schemas.microsoft.com/office/drawing/2014/main" id="{D89DFCBC-F59E-A3E3-F104-6374ECBE850F}"/>
-              </a:ext>
-            </a:extLst>
-          </p:cNvPr>
-          <p:cNvPicPr>
-            <a:picLocks noChangeAspect="1"/>
-          </p:cNvPicPr>
-          <p:nvPr/>
-        </p:nvPicPr>
-        <p:blipFill>
-          <a:blip r:embed="rId2">
-            <a:extLst>
-              <a:ext uri="{28A0092B-C50C-407E-A947-70E740481C1C}">
-                <a14:useLocalDpi xmlns:a14="http://schemas.microsoft.com/office/drawing/2010/main" val="0"/>
-              </a:ext>
-            </a:extLst>
-          </a:blip>
-          <a:srcRect r="40349"/>
-          <a:stretch/>
-        </p:blipFill>
-        <p:spPr>
-          <a:xfrm>
-            <a:off x="609589" y="685794"/>
-            <a:ext cx="6545355" cy="5486411"/>
-          </a:xfrm>
-          <a:prstGeom prst="rect">
-            <a:avLst/>
-          </a:prstGeom>
-        </p:spPr>
-      </p:pic>
-      <p:pic>
-        <p:nvPicPr>
-          <p:cNvPr id="2" name="Picture 1" descr="A screenshot of a graph&#10;&#10;Description automatically generated with medium confidence">
-            <a:extLst>
-              <a:ext uri="{FF2B5EF4-FFF2-40B4-BE49-F238E27FC236}">
-                <a16:creationId xmlns:a16="http://schemas.microsoft.com/office/drawing/2014/main" id="{DDDE919B-7554-C1E2-73A5-C3DF9D5BF236}"/>
-              </a:ext>
-            </a:extLst>
-          </p:cNvPr>
-          <p:cNvPicPr>
-            <a:picLocks noChangeAspect="1"/>
-          </p:cNvPicPr>
-          <p:nvPr/>
-        </p:nvPicPr>
-        <p:blipFill>
-          <a:blip r:embed="rId2">
-            <a:extLst>
-              <a:ext uri="{28A0092B-C50C-407E-A947-70E740481C1C}">
-                <a14:useLocalDpi xmlns:a14="http://schemas.microsoft.com/office/drawing/2010/main" val="0"/>
-              </a:ext>
-            </a:extLst>
-          </a:blip>
-          <a:srcRect l="87142"/>
-          <a:stretch/>
-        </p:blipFill>
-        <p:spPr>
-          <a:xfrm>
-            <a:off x="7154944" y="685794"/>
-            <a:ext cx="1410889" cy="5486411"/>
-          </a:xfrm>
-          <a:prstGeom prst="rect">
-            <a:avLst/>
-          </a:prstGeom>
-        </p:spPr>
-      </p:pic>
-    </p:spTree>
-    <p:extLst>
-      <p:ext uri="{BB962C8B-B14F-4D97-AF65-F5344CB8AC3E}">
-        <p14:creationId xmlns:p14="http://schemas.microsoft.com/office/powerpoint/2010/main" val="4135404832"/>
-      </p:ext>
-    </p:extLst>
-  </p:cSld>
-  <p:clrMapOvr>
-    <a:masterClrMapping/>
-  </p:clrMapOvr>
-</p:sld>
-</file>
-
-<file path=ppt/slides/slide7.xml><?xml version="1.0" encoding="utf-8"?>
 <p:sld xmlns:a="http://schemas.openxmlformats.org/drawingml/2006/main" xmlns:r="http://schemas.openxmlformats.org/officeDocument/2006/relationships" xmlns:p="http://schemas.openxmlformats.org/presentationml/2006/main">
   <p:cSld>
     <p:spTree>
@@ -5622,10 +5159,10 @@
       </p:grpSpPr>
       <p:pic>
         <p:nvPicPr>
-          <p:cNvPr id="3" name="Picture 2" descr="A screenshot of a graph&#10;&#10;Description automatically generated with medium confidence">
-            <a:extLst>
-              <a:ext uri="{FF2B5EF4-FFF2-40B4-BE49-F238E27FC236}">
-                <a16:creationId xmlns:a16="http://schemas.microsoft.com/office/drawing/2014/main" id="{E6633AED-8D00-DD59-8DE7-6227FE12092B}"/>
+          <p:cNvPr id="4" name="Picture 3" descr="A close-up of a grid&#10;&#10;Description automatically generated">
+            <a:extLst>
+              <a:ext uri="{FF2B5EF4-FFF2-40B4-BE49-F238E27FC236}">
+                <a16:creationId xmlns:a16="http://schemas.microsoft.com/office/drawing/2014/main" id="{30414F43-BBBB-AA7A-7930-00232E104D2C}"/>
               </a:ext>
             </a:extLst>
           </p:cNvPr>
@@ -5669,6 +5206,115 @@
 </p:sld>
 </file>
 
+<file path=ppt/slides/slide7.xml><?xml version="1.0" encoding="utf-8"?>
+<p:sld xmlns:a="http://schemas.openxmlformats.org/drawingml/2006/main" xmlns:r="http://schemas.openxmlformats.org/officeDocument/2006/relationships" xmlns:p="http://schemas.openxmlformats.org/presentationml/2006/main">
+  <p:cSld>
+    <p:bg>
+      <p:bgPr>
+        <a:solidFill>
+          <a:schemeClr val="bg1"/>
+        </a:solidFill>
+        <a:effectLst/>
+      </p:bgPr>
+    </p:bg>
+    <p:spTree>
+      <p:nvGrpSpPr>
+        <p:cNvPr id="1" name=""/>
+        <p:cNvGrpSpPr/>
+        <p:nvPr/>
+      </p:nvGrpSpPr>
+      <p:grpSpPr>
+        <a:xfrm>
+          <a:off x="0" y="0"/>
+          <a:ext cx="0" cy="0"/>
+          <a:chOff x="0" y="0"/>
+          <a:chExt cx="0" cy="0"/>
+        </a:xfrm>
+      </p:grpSpPr>
+      <p:pic>
+        <p:nvPicPr>
+          <p:cNvPr id="3" name="Picture 2" descr="A graph of a graph&#10;&#10;Description automatically generated with medium confidence">
+            <a:extLst>
+              <a:ext uri="{FF2B5EF4-FFF2-40B4-BE49-F238E27FC236}">
+                <a16:creationId xmlns:a16="http://schemas.microsoft.com/office/drawing/2014/main" id="{5AE4C1E1-C29C-AE2D-972E-1A942C5784F9}"/>
+              </a:ext>
+            </a:extLst>
+          </p:cNvPr>
+          <p:cNvPicPr>
+            <a:picLocks noChangeAspect="1"/>
+          </p:cNvPicPr>
+          <p:nvPr/>
+        </p:nvPicPr>
+        <p:blipFill>
+          <a:blip r:embed="rId2">
+            <a:extLst>
+              <a:ext uri="{28A0092B-C50C-407E-A947-70E740481C1C}">
+                <a14:useLocalDpi xmlns:a14="http://schemas.microsoft.com/office/drawing/2010/main" val="0"/>
+              </a:ext>
+            </a:extLst>
+          </a:blip>
+          <a:stretch>
+            <a:fillRect/>
+          </a:stretch>
+        </p:blipFill>
+        <p:spPr>
+          <a:xfrm>
+            <a:off x="643467" y="1616031"/>
+            <a:ext cx="10905066" cy="3625937"/>
+          </a:xfrm>
+          <a:prstGeom prst="rect">
+            <a:avLst/>
+          </a:prstGeom>
+        </p:spPr>
+      </p:pic>
+      <p:sp>
+        <p:nvSpPr>
+          <p:cNvPr id="4" name="TextBox 3">
+            <a:extLst>
+              <a:ext uri="{FF2B5EF4-FFF2-40B4-BE49-F238E27FC236}">
+                <a16:creationId xmlns:a16="http://schemas.microsoft.com/office/drawing/2014/main" id="{EA76C92B-CC70-B763-E352-059F4844CE2F}"/>
+              </a:ext>
+            </a:extLst>
+          </p:cNvPr>
+          <p:cNvSpPr txBox="1"/>
+          <p:nvPr/>
+        </p:nvSpPr>
+        <p:spPr>
+          <a:xfrm>
+            <a:off x="544031" y="422622"/>
+            <a:ext cx="5551969" cy="369332"/>
+          </a:xfrm>
+          <a:prstGeom prst="rect">
+            <a:avLst/>
+          </a:prstGeom>
+          <a:noFill/>
+        </p:spPr>
+        <p:txBody>
+          <a:bodyPr wrap="none" rtlCol="0">
+            <a:spAutoFit/>
+          </a:bodyPr>
+          <a:lstStyle/>
+          <a:p>
+            <a:r>
+              <a:rPr lang="en-US" dirty="0"/>
+              <a:t>Different strategies in regular environment (150 kJ/day)</a:t>
+            </a:r>
+          </a:p>
+        </p:txBody>
+      </p:sp>
+    </p:spTree>
+    <p:extLst>
+      <p:ext uri="{BB962C8B-B14F-4D97-AF65-F5344CB8AC3E}">
+        <p14:creationId xmlns:p14="http://schemas.microsoft.com/office/powerpoint/2010/main" val="1709521567"/>
+      </p:ext>
+    </p:extLst>
+  </p:cSld>
+  <p:clrMapOvr>
+    <a:masterClrMapping/>
+  </p:clrMapOvr>
+</p:sld>
+</file>
+
 <file path=ppt/slides/slide8.xml><?xml version="1.0" encoding="utf-8"?>
 <p:sld xmlns:a="http://schemas.openxmlformats.org/drawingml/2006/main" xmlns:r="http://schemas.openxmlformats.org/officeDocument/2006/relationships" xmlns:p="http://schemas.openxmlformats.org/presentationml/2006/main">
   <p:cSld>
@@ -5677,7 +5323,7 @@
         <p:cNvPr id="1" name="">
           <a:extLst>
             <a:ext uri="{FF2B5EF4-FFF2-40B4-BE49-F238E27FC236}">
-              <a16:creationId xmlns:a16="http://schemas.microsoft.com/office/drawing/2014/main" id="{2F9FBC07-C256-127D-BE09-E5B43CA7505F}"/>
+              <a16:creationId xmlns:a16="http://schemas.microsoft.com/office/drawing/2014/main" id="{7869A708-7F53-73DD-C137-CCC30679A99D}"/>
             </a:ext>
           </a:extLst>
         </p:cNvPr>
@@ -5694,10 +5340,10 @@
       </p:grpSpPr>
       <p:pic>
         <p:nvPicPr>
-          <p:cNvPr id="3" name="Picture 2" descr="A graph of a graph&#10;&#10;Description automatically generated with medium confidence">
-            <a:extLst>
-              <a:ext uri="{FF2B5EF4-FFF2-40B4-BE49-F238E27FC236}">
-                <a16:creationId xmlns:a16="http://schemas.microsoft.com/office/drawing/2014/main" id="{2C2BC088-C53E-37F9-C7B6-6B29637B0C73}"/>
+          <p:cNvPr id="3" name="Picture 2" descr="A graph of a graph showing the same graph&#10;&#10;Description automatically generated with medium confidence">
+            <a:extLst>
+              <a:ext uri="{FF2B5EF4-FFF2-40B4-BE49-F238E27FC236}">
+                <a16:creationId xmlns:a16="http://schemas.microsoft.com/office/drawing/2014/main" id="{B6820AEC-7A42-FB77-77BC-757E56AA1675}"/>
               </a:ext>
             </a:extLst>
           </p:cNvPr>
@@ -5707,20 +5353,21 @@
           <p:nvPr/>
         </p:nvPicPr>
         <p:blipFill>
-          <a:blip r:embed="rId2">
+          <a:blip r:embed="rId3">
             <a:extLst>
               <a:ext uri="{28A0092B-C50C-407E-A947-70E740481C1C}">
                 <a14:useLocalDpi xmlns:a14="http://schemas.microsoft.com/office/drawing/2010/main" val="0"/>
               </a:ext>
             </a:extLst>
           </a:blip>
-          <a:srcRect r="15407"/>
-          <a:stretch/>
+          <a:stretch>
+            <a:fillRect/>
+          </a:stretch>
         </p:blipFill>
         <p:spPr>
           <a:xfrm>
-            <a:off x="3352795" y="1142995"/>
-            <a:ext cx="4641136" cy="4572009"/>
+            <a:off x="1523990" y="1600196"/>
+            <a:ext cx="9144019" cy="3657607"/>
           </a:xfrm>
           <a:prstGeom prst="rect">
             <a:avLst/>
@@ -5730,7 +5377,7 @@
     </p:spTree>
     <p:extLst>
       <p:ext uri="{BB962C8B-B14F-4D97-AF65-F5344CB8AC3E}">
-        <p14:creationId xmlns:p14="http://schemas.microsoft.com/office/powerpoint/2010/main" val="3665313451"/>
+        <p14:creationId xmlns:p14="http://schemas.microsoft.com/office/powerpoint/2010/main" val="559825348"/>
       </p:ext>
     </p:extLst>
   </p:cSld>
@@ -5745,7 +5392,13 @@
   <p:cSld>
     <p:spTree>
       <p:nvGrpSpPr>
-        <p:cNvPr id="1" name=""/>
+        <p:cNvPr id="1" name="">
+          <a:extLst>
+            <a:ext uri="{FF2B5EF4-FFF2-40B4-BE49-F238E27FC236}">
+              <a16:creationId xmlns:a16="http://schemas.microsoft.com/office/drawing/2014/main" id="{43ADF163-4A10-FD45-4E74-55F466ACFD79}"/>
+            </a:ext>
+          </a:extLst>
+        </p:cNvPr>
         <p:cNvGrpSpPr/>
         <p:nvPr/>
       </p:nvGrpSpPr>
@@ -5757,46 +5410,45 @@
           <a:chExt cx="0" cy="0"/>
         </a:xfrm>
       </p:grpSpPr>
-      <p:pic>
-        <p:nvPicPr>
-          <p:cNvPr id="5" name="Picture 4" descr="A graph of a graph&#10;&#10;Description automatically generated">
-            <a:extLst>
-              <a:ext uri="{FF2B5EF4-FFF2-40B4-BE49-F238E27FC236}">
-                <a16:creationId xmlns:a16="http://schemas.microsoft.com/office/drawing/2014/main" id="{16FD1ECE-310F-FE10-C0A1-4BC119D83A57}"/>
-              </a:ext>
-            </a:extLst>
-          </p:cNvPr>
-          <p:cNvPicPr>
-            <a:picLocks noChangeAspect="1"/>
-          </p:cNvPicPr>
+      <p:sp>
+        <p:nvSpPr>
+          <p:cNvPr id="2" name="TextBox 1">
+            <a:extLst>
+              <a:ext uri="{FF2B5EF4-FFF2-40B4-BE49-F238E27FC236}">
+                <a16:creationId xmlns:a16="http://schemas.microsoft.com/office/drawing/2014/main" id="{9C4FC234-C814-7A2A-0E87-9A1C5DD77F78}"/>
+              </a:ext>
+            </a:extLst>
+          </p:cNvPr>
+          <p:cNvSpPr txBox="1"/>
           <p:nvPr/>
-        </p:nvPicPr>
-        <p:blipFill>
-          <a:blip r:embed="rId2">
-            <a:extLst>
-              <a:ext uri="{28A0092B-C50C-407E-A947-70E740481C1C}">
-                <a14:useLocalDpi xmlns:a14="http://schemas.microsoft.com/office/drawing/2010/main" val="0"/>
-              </a:ext>
-            </a:extLst>
-          </a:blip>
-          <a:stretch>
-            <a:fillRect/>
-          </a:stretch>
-        </p:blipFill>
+        </p:nvSpPr>
         <p:spPr>
           <a:xfrm>
-            <a:off x="3352794" y="1142995"/>
-            <a:ext cx="5486411" cy="4572009"/>
+            <a:off x="519776" y="1305341"/>
+            <a:ext cx="8550289" cy="553998"/>
           </a:xfrm>
           <a:prstGeom prst="rect">
             <a:avLst/>
           </a:prstGeom>
+          <a:noFill/>
         </p:spPr>
-      </p:pic>
+        <p:txBody>
+          <a:bodyPr wrap="none" rtlCol="0">
+            <a:spAutoFit/>
+          </a:bodyPr>
+          <a:lstStyle/>
+          <a:p>
+            <a:r>
+              <a:rPr lang="en-US" sz="3000" dirty="0"/>
+              <a:t>Are strategies good individually, or in combination?</a:t>
+            </a:r>
+          </a:p>
+        </p:txBody>
+      </p:sp>
     </p:spTree>
     <p:extLst>
       <p:ext uri="{BB962C8B-B14F-4D97-AF65-F5344CB8AC3E}">
-        <p14:creationId xmlns:p14="http://schemas.microsoft.com/office/powerpoint/2010/main" val="1753272464"/>
+        <p14:creationId xmlns:p14="http://schemas.microsoft.com/office/powerpoint/2010/main" val="1040207107"/>
       </p:ext>
     </p:extLst>
   </p:cSld>

--- a/SICB/SICB2025.pptx
+++ b/SICB/SICB2025.pptx
@@ -5,7 +5,7 @@
     <p:sldMasterId id="2147483648" r:id="rId1"/>
   </p:sldMasterIdLst>
   <p:notesMasterIdLst>
-    <p:notesMasterId r:id="rId24"/>
+    <p:notesMasterId r:id="rId23"/>
   </p:notesMasterIdLst>
   <p:sldIdLst>
     <p:sldId id="300" r:id="rId2"/>
@@ -20,16 +20,15 @@
     <p:sldId id="298" r:id="rId11"/>
     <p:sldId id="309" r:id="rId12"/>
     <p:sldId id="308" r:id="rId13"/>
-    <p:sldId id="299" r:id="rId14"/>
-    <p:sldId id="306" r:id="rId15"/>
-    <p:sldId id="284" r:id="rId16"/>
-    <p:sldId id="268" r:id="rId17"/>
-    <p:sldId id="307" r:id="rId18"/>
-    <p:sldId id="269" r:id="rId19"/>
-    <p:sldId id="270" r:id="rId20"/>
-    <p:sldId id="294" r:id="rId21"/>
-    <p:sldId id="295" r:id="rId22"/>
-    <p:sldId id="296" r:id="rId23"/>
+    <p:sldId id="306" r:id="rId14"/>
+    <p:sldId id="284" r:id="rId15"/>
+    <p:sldId id="268" r:id="rId16"/>
+    <p:sldId id="307" r:id="rId17"/>
+    <p:sldId id="269" r:id="rId18"/>
+    <p:sldId id="294" r:id="rId19"/>
+    <p:sldId id="295" r:id="rId20"/>
+    <p:sldId id="296" r:id="rId21"/>
+    <p:sldId id="270" r:id="rId22"/>
   </p:sldIdLst>
   <p:sldSz cx="12192000" cy="6858000"/>
   <p:notesSz cx="6858000" cy="9144000"/>
@@ -145,16 +144,15 @@
             <p14:sldId id="298"/>
             <p14:sldId id="309"/>
             <p14:sldId id="308"/>
-            <p14:sldId id="299"/>
             <p14:sldId id="306"/>
             <p14:sldId id="284"/>
             <p14:sldId id="268"/>
             <p14:sldId id="307"/>
             <p14:sldId id="269"/>
-            <p14:sldId id="270"/>
             <p14:sldId id="294"/>
             <p14:sldId id="295"/>
             <p14:sldId id="296"/>
+            <p14:sldId id="270"/>
           </p14:sldIdLst>
         </p14:section>
       </p14:sectionLst>
@@ -248,7 +246,7 @@
           <a:p>
             <a:fld id="{7BD143C5-AA8C-4920-BD2C-B4B9239CEEBC}" type="datetimeFigureOut">
               <a:rPr lang="en-US" smtClean="0"/>
-              <a:t>12/19/2024</a:t>
+              <a:t>12/21/2024</a:t>
             </a:fld>
             <a:endParaRPr lang="en-US"/>
           </a:p>
@@ -770,7 +768,7 @@
           <a:p>
             <a:fld id="{1C1BBDF2-9A12-4067-84DF-8DD5947A1DA9}" type="datetimeFigureOut">
               <a:rPr lang="en-US" smtClean="0"/>
-              <a:t>12/19/2024</a:t>
+              <a:t>12/21/2024</a:t>
             </a:fld>
             <a:endParaRPr lang="en-US"/>
           </a:p>
@@ -968,7 +966,7 @@
           <a:p>
             <a:fld id="{1C1BBDF2-9A12-4067-84DF-8DD5947A1DA9}" type="datetimeFigureOut">
               <a:rPr lang="en-US" smtClean="0"/>
-              <a:t>12/19/2024</a:t>
+              <a:t>12/21/2024</a:t>
             </a:fld>
             <a:endParaRPr lang="en-US"/>
           </a:p>
@@ -1176,7 +1174,7 @@
           <a:p>
             <a:fld id="{1C1BBDF2-9A12-4067-84DF-8DD5947A1DA9}" type="datetimeFigureOut">
               <a:rPr lang="en-US" smtClean="0"/>
-              <a:t>12/19/2024</a:t>
+              <a:t>12/21/2024</a:t>
             </a:fld>
             <a:endParaRPr lang="en-US"/>
           </a:p>
@@ -1374,7 +1372,7 @@
           <a:p>
             <a:fld id="{1C1BBDF2-9A12-4067-84DF-8DD5947A1DA9}" type="datetimeFigureOut">
               <a:rPr lang="en-US" smtClean="0"/>
-              <a:t>12/19/2024</a:t>
+              <a:t>12/21/2024</a:t>
             </a:fld>
             <a:endParaRPr lang="en-US"/>
           </a:p>
@@ -1649,7 +1647,7 @@
           <a:p>
             <a:fld id="{1C1BBDF2-9A12-4067-84DF-8DD5947A1DA9}" type="datetimeFigureOut">
               <a:rPr lang="en-US" smtClean="0"/>
-              <a:t>12/19/2024</a:t>
+              <a:t>12/21/2024</a:t>
             </a:fld>
             <a:endParaRPr lang="en-US"/>
           </a:p>
@@ -1914,7 +1912,7 @@
           <a:p>
             <a:fld id="{1C1BBDF2-9A12-4067-84DF-8DD5947A1DA9}" type="datetimeFigureOut">
               <a:rPr lang="en-US" smtClean="0"/>
-              <a:t>12/19/2024</a:t>
+              <a:t>12/21/2024</a:t>
             </a:fld>
             <a:endParaRPr lang="en-US"/>
           </a:p>
@@ -2326,7 +2324,7 @@
           <a:p>
             <a:fld id="{1C1BBDF2-9A12-4067-84DF-8DD5947A1DA9}" type="datetimeFigureOut">
               <a:rPr lang="en-US" smtClean="0"/>
-              <a:t>12/19/2024</a:t>
+              <a:t>12/21/2024</a:t>
             </a:fld>
             <a:endParaRPr lang="en-US"/>
           </a:p>
@@ -2467,7 +2465,7 @@
           <a:p>
             <a:fld id="{1C1BBDF2-9A12-4067-84DF-8DD5947A1DA9}" type="datetimeFigureOut">
               <a:rPr lang="en-US" smtClean="0"/>
-              <a:t>12/19/2024</a:t>
+              <a:t>12/21/2024</a:t>
             </a:fld>
             <a:endParaRPr lang="en-US"/>
           </a:p>
@@ -2580,7 +2578,7 @@
           <a:p>
             <a:fld id="{1C1BBDF2-9A12-4067-84DF-8DD5947A1DA9}" type="datetimeFigureOut">
               <a:rPr lang="en-US" smtClean="0"/>
-              <a:t>12/19/2024</a:t>
+              <a:t>12/21/2024</a:t>
             </a:fld>
             <a:endParaRPr lang="en-US"/>
           </a:p>
@@ -2891,7 +2889,7 @@
           <a:p>
             <a:fld id="{1C1BBDF2-9A12-4067-84DF-8DD5947A1DA9}" type="datetimeFigureOut">
               <a:rPr lang="en-US" smtClean="0"/>
-              <a:t>12/19/2024</a:t>
+              <a:t>12/21/2024</a:t>
             </a:fld>
             <a:endParaRPr lang="en-US"/>
           </a:p>
@@ -3179,7 +3177,7 @@
           <a:p>
             <a:fld id="{1C1BBDF2-9A12-4067-84DF-8DD5947A1DA9}" type="datetimeFigureOut">
               <a:rPr lang="en-US" smtClean="0"/>
-              <a:t>12/19/2024</a:t>
+              <a:t>12/21/2024</a:t>
             </a:fld>
             <a:endParaRPr lang="en-US"/>
           </a:p>
@@ -3420,7 +3418,7 @@
           <a:p>
             <a:fld id="{1C1BBDF2-9A12-4067-84DF-8DD5947A1DA9}" type="datetimeFigureOut">
               <a:rPr lang="en-US" smtClean="0"/>
-              <a:t>12/19/2024</a:t>
+              <a:t>12/21/2024</a:t>
             </a:fld>
             <a:endParaRPr lang="en-US"/>
           </a:p>
@@ -4075,6 +4073,42 @@
           <a:chExt cx="0" cy="0"/>
         </a:xfrm>
       </p:grpSpPr>
+      <p:pic>
+        <p:nvPicPr>
+          <p:cNvPr id="3" name="Picture 2" descr="A graph of a graph showing a number of different types of data&#10;&#10;Description automatically generated with medium confidence">
+            <a:extLst>
+              <a:ext uri="{FF2B5EF4-FFF2-40B4-BE49-F238E27FC236}">
+                <a16:creationId xmlns:a16="http://schemas.microsoft.com/office/drawing/2014/main" id="{1E738F8C-6B76-74F6-22AF-619CEDADCF11}"/>
+              </a:ext>
+            </a:extLst>
+          </p:cNvPr>
+          <p:cNvPicPr>
+            <a:picLocks noChangeAspect="1"/>
+          </p:cNvPicPr>
+          <p:nvPr/>
+        </p:nvPicPr>
+        <p:blipFill>
+          <a:blip r:embed="rId2">
+            <a:extLst>
+              <a:ext uri="{28A0092B-C50C-407E-A947-70E740481C1C}">
+                <a14:useLocalDpi xmlns:a14="http://schemas.microsoft.com/office/drawing/2010/main" val="0"/>
+              </a:ext>
+            </a:extLst>
+          </a:blip>
+          <a:stretch>
+            <a:fillRect/>
+          </a:stretch>
+        </p:blipFill>
+        <p:spPr>
+          <a:xfrm>
+            <a:off x="1981191" y="2057397"/>
+            <a:ext cx="8229617" cy="2743206"/>
+          </a:xfrm>
+          <a:prstGeom prst="rect">
+            <a:avLst/>
+          </a:prstGeom>
+        </p:spPr>
+      </p:pic>
     </p:spTree>
     <p:extLst>
       <p:ext uri="{BB962C8B-B14F-4D97-AF65-F5344CB8AC3E}">
@@ -4089,66 +4123,6 @@
 </file>
 
 <file path=ppt/slides/slide13.xml><?xml version="1.0" encoding="utf-8"?>
-<p:sld xmlns:a="http://schemas.openxmlformats.org/drawingml/2006/main" xmlns:r="http://schemas.openxmlformats.org/officeDocument/2006/relationships" xmlns:p="http://schemas.openxmlformats.org/presentationml/2006/main">
-  <p:cSld>
-    <p:spTree>
-      <p:nvGrpSpPr>
-        <p:cNvPr id="1" name=""/>
-        <p:cNvGrpSpPr/>
-        <p:nvPr/>
-      </p:nvGrpSpPr>
-      <p:grpSpPr>
-        <a:xfrm>
-          <a:off x="0" y="0"/>
-          <a:ext cx="0" cy="0"/>
-          <a:chOff x="0" y="0"/>
-          <a:chExt cx="0" cy="0"/>
-        </a:xfrm>
-      </p:grpSpPr>
-      <p:pic>
-        <p:nvPicPr>
-          <p:cNvPr id="7" name="Picture 6">
-            <a:extLst>
-              <a:ext uri="{FF2B5EF4-FFF2-40B4-BE49-F238E27FC236}">
-                <a16:creationId xmlns:a16="http://schemas.microsoft.com/office/drawing/2014/main" id="{2B74E20D-F07E-48F3-203B-C0100AA9E5EC}"/>
-              </a:ext>
-            </a:extLst>
-          </p:cNvPr>
-          <p:cNvPicPr>
-            <a:picLocks noChangeAspect="1"/>
-          </p:cNvPicPr>
-          <p:nvPr/>
-        </p:nvPicPr>
-        <p:blipFill>
-          <a:blip r:embed="rId2"/>
-          <a:stretch>
-            <a:fillRect/>
-          </a:stretch>
-        </p:blipFill>
-        <p:spPr>
-          <a:xfrm>
-            <a:off x="1587268" y="1644558"/>
-            <a:ext cx="9017463" cy="3568883"/>
-          </a:xfrm>
-          <a:prstGeom prst="rect">
-            <a:avLst/>
-          </a:prstGeom>
-        </p:spPr>
-      </p:pic>
-    </p:spTree>
-    <p:extLst>
-      <p:ext uri="{BB962C8B-B14F-4D97-AF65-F5344CB8AC3E}">
-        <p14:creationId xmlns:p14="http://schemas.microsoft.com/office/powerpoint/2010/main" val="1999209054"/>
-      </p:ext>
-    </p:extLst>
-  </p:cSld>
-  <p:clrMapOvr>
-    <a:masterClrMapping/>
-  </p:clrMapOvr>
-</p:sld>
-</file>
-
-<file path=ppt/slides/slide14.xml><?xml version="1.0" encoding="utf-8"?>
 <p:sld xmlns:a="http://schemas.openxmlformats.org/drawingml/2006/main" xmlns:r="http://schemas.openxmlformats.org/officeDocument/2006/relationships" xmlns:p="http://schemas.openxmlformats.org/presentationml/2006/main">
   <p:cSld>
     <p:spTree>
@@ -4219,7 +4193,7 @@
 </p:sld>
 </file>
 
-<file path=ppt/slides/slide15.xml><?xml version="1.0" encoding="utf-8"?>
+<file path=ppt/slides/slide14.xml><?xml version="1.0" encoding="utf-8"?>
 <p:sld xmlns:a="http://schemas.openxmlformats.org/drawingml/2006/main" xmlns:r="http://schemas.openxmlformats.org/officeDocument/2006/relationships" xmlns:p="http://schemas.openxmlformats.org/presentationml/2006/main">
   <p:cSld>
     <p:spTree>
@@ -4290,7 +4264,7 @@
 </p:sld>
 </file>
 
-<file path=ppt/slides/slide16.xml><?xml version="1.0" encoding="utf-8"?>
+<file path=ppt/slides/slide15.xml><?xml version="1.0" encoding="utf-8"?>
 <p:sld xmlns:a="http://schemas.openxmlformats.org/drawingml/2006/main" xmlns:r="http://schemas.openxmlformats.org/officeDocument/2006/relationships" xmlns:p="http://schemas.openxmlformats.org/presentationml/2006/main">
   <p:cSld>
     <p:spTree>
@@ -4356,7 +4330,7 @@
 </p:sld>
 </file>
 
-<file path=ppt/slides/slide17.xml><?xml version="1.0" encoding="utf-8"?>
+<file path=ppt/slides/slide16.xml><?xml version="1.0" encoding="utf-8"?>
 <p:sld xmlns:a="http://schemas.openxmlformats.org/drawingml/2006/main" xmlns:r="http://schemas.openxmlformats.org/officeDocument/2006/relationships" xmlns:p="http://schemas.openxmlformats.org/presentationml/2006/main">
   <p:cSld>
     <p:spTree>
@@ -4427,7 +4401,7 @@
 </p:sld>
 </file>
 
-<file path=ppt/slides/slide18.xml><?xml version="1.0" encoding="utf-8"?>
+<file path=ppt/slides/slide17.xml><?xml version="1.0" encoding="utf-8"?>
 <p:sld xmlns:a="http://schemas.openxmlformats.org/drawingml/2006/main" xmlns:r="http://schemas.openxmlformats.org/officeDocument/2006/relationships" xmlns:p="http://schemas.openxmlformats.org/presentationml/2006/main">
   <p:cSld>
     <p:bg>
@@ -4492,6 +4466,78 @@
     <p:extLst>
       <p:ext uri="{BB962C8B-B14F-4D97-AF65-F5344CB8AC3E}">
         <p14:creationId xmlns:p14="http://schemas.microsoft.com/office/powerpoint/2010/main" val="2098114903"/>
+      </p:ext>
+    </p:extLst>
+  </p:cSld>
+  <p:clrMapOvr>
+    <a:masterClrMapping/>
+  </p:clrMapOvr>
+</p:sld>
+</file>
+
+<file path=ppt/slides/slide18.xml><?xml version="1.0" encoding="utf-8"?>
+<p:sld xmlns:a="http://schemas.openxmlformats.org/drawingml/2006/main" xmlns:r="http://schemas.openxmlformats.org/officeDocument/2006/relationships" xmlns:p="http://schemas.openxmlformats.org/presentationml/2006/main">
+  <p:cSld>
+    <p:spTree>
+      <p:nvGrpSpPr>
+        <p:cNvPr id="1" name="">
+          <a:extLst>
+            <a:ext uri="{FF2B5EF4-FFF2-40B4-BE49-F238E27FC236}">
+              <a16:creationId xmlns:a16="http://schemas.microsoft.com/office/drawing/2014/main" id="{63F052C4-B740-3B75-4EE3-2F4EEA218213}"/>
+            </a:ext>
+          </a:extLst>
+        </p:cNvPr>
+        <p:cNvGrpSpPr/>
+        <p:nvPr/>
+      </p:nvGrpSpPr>
+      <p:grpSpPr>
+        <a:xfrm>
+          <a:off x="0" y="0"/>
+          <a:ext cx="0" cy="0"/>
+          <a:chOff x="0" y="0"/>
+          <a:chExt cx="0" cy="0"/>
+        </a:xfrm>
+      </p:grpSpPr>
+      <p:pic>
+        <p:nvPicPr>
+          <p:cNvPr id="3" name="Picture 2" descr="A graph of a graph&#10;&#10;Description automatically generated">
+            <a:extLst>
+              <a:ext uri="{FF2B5EF4-FFF2-40B4-BE49-F238E27FC236}">
+                <a16:creationId xmlns:a16="http://schemas.microsoft.com/office/drawing/2014/main" id="{21623C33-E24C-1596-4B88-8289AD96F518}"/>
+              </a:ext>
+            </a:extLst>
+          </p:cNvPr>
+          <p:cNvPicPr>
+            <a:picLocks noChangeAspect="1"/>
+          </p:cNvPicPr>
+          <p:nvPr/>
+        </p:nvPicPr>
+        <p:blipFill>
+          <a:blip r:embed="rId2">
+            <a:extLst>
+              <a:ext uri="{28A0092B-C50C-407E-A947-70E740481C1C}">
+                <a14:useLocalDpi xmlns:a14="http://schemas.microsoft.com/office/drawing/2010/main" val="0"/>
+              </a:ext>
+            </a:extLst>
+          </a:blip>
+          <a:stretch>
+            <a:fillRect/>
+          </a:stretch>
+        </p:blipFill>
+        <p:spPr>
+          <a:xfrm>
+            <a:off x="643467" y="1247985"/>
+            <a:ext cx="10905066" cy="4362028"/>
+          </a:xfrm>
+          <a:prstGeom prst="rect">
+            <a:avLst/>
+          </a:prstGeom>
+        </p:spPr>
+      </p:pic>
+    </p:spTree>
+    <p:extLst>
+      <p:ext uri="{BB962C8B-B14F-4D97-AF65-F5344CB8AC3E}">
+        <p14:creationId xmlns:p14="http://schemas.microsoft.com/office/powerpoint/2010/main" val="981264521"/>
       </p:ext>
     </p:extLst>
   </p:cSld>
@@ -4526,47 +4572,12 @@
           <a:chExt cx="0" cy="0"/>
         </a:xfrm>
       </p:grpSpPr>
-      <p:sp>
-        <p:nvSpPr>
-          <p:cNvPr id="6" name="TextBox 5">
-            <a:extLst>
-              <a:ext uri="{FF2B5EF4-FFF2-40B4-BE49-F238E27FC236}">
-                <a16:creationId xmlns:a16="http://schemas.microsoft.com/office/drawing/2014/main" id="{652BE46A-4154-A176-6EF5-46AF72373274}"/>
-              </a:ext>
-            </a:extLst>
-          </p:cNvPr>
-          <p:cNvSpPr txBox="1"/>
-          <p:nvPr/>
-        </p:nvSpPr>
-        <p:spPr>
-          <a:xfrm>
-            <a:off x="449943" y="264457"/>
-            <a:ext cx="2310825" cy="369332"/>
-          </a:xfrm>
-          <a:prstGeom prst="rect">
-            <a:avLst/>
-          </a:prstGeom>
-          <a:noFill/>
-        </p:spPr>
-        <p:txBody>
-          <a:bodyPr wrap="none" rtlCol="0">
-            <a:spAutoFit/>
-          </a:bodyPr>
-          <a:lstStyle/>
-          <a:p>
-            <a:r>
-              <a:rPr lang="en-US" dirty="0"/>
-              <a:t>Top 10 strategies only</a:t>
-            </a:r>
-          </a:p>
-        </p:txBody>
-      </p:sp>
       <p:pic>
         <p:nvPicPr>
-          <p:cNvPr id="3" name="Picture 2" descr="A graph of different colored lines&#10;&#10;Description automatically generated">
-            <a:extLst>
-              <a:ext uri="{FF2B5EF4-FFF2-40B4-BE49-F238E27FC236}">
-                <a16:creationId xmlns:a16="http://schemas.microsoft.com/office/drawing/2014/main" id="{4C837D83-22DC-512D-1707-2DAD8BE51A4F}"/>
+          <p:cNvPr id="3" name="Picture 2" descr="A graph of a graph&#10;&#10;Description automatically generated with medium confidence">
+            <a:extLst>
+              <a:ext uri="{FF2B5EF4-FFF2-40B4-BE49-F238E27FC236}">
+                <a16:creationId xmlns:a16="http://schemas.microsoft.com/office/drawing/2014/main" id="{1299CAF1-FA48-1D69-50A8-5A04A2B776A0}"/>
               </a:ext>
             </a:extLst>
           </p:cNvPr>
@@ -4589,8 +4600,8 @@
         </p:blipFill>
         <p:spPr>
           <a:xfrm>
-            <a:off x="3352794" y="1600196"/>
-            <a:ext cx="5486411" cy="3657607"/>
+            <a:off x="643467" y="1247985"/>
+            <a:ext cx="10905066" cy="4362028"/>
           </a:xfrm>
           <a:prstGeom prst="rect">
             <a:avLst/>
@@ -4600,7 +4611,7 @@
     </p:spTree>
     <p:extLst>
       <p:ext uri="{BB962C8B-B14F-4D97-AF65-F5344CB8AC3E}">
-        <p14:creationId xmlns:p14="http://schemas.microsoft.com/office/powerpoint/2010/main" val="2364121533"/>
+        <p14:creationId xmlns:p14="http://schemas.microsoft.com/office/powerpoint/2010/main" val="572464560"/>
       </p:ext>
     </p:extLst>
   </p:cSld>
@@ -4692,15 +4703,17 @@
 <file path=ppt/slides/slide20.xml><?xml version="1.0" encoding="utf-8"?>
 <p:sld xmlns:a="http://schemas.openxmlformats.org/drawingml/2006/main" xmlns:r="http://schemas.openxmlformats.org/officeDocument/2006/relationships" xmlns:p="http://schemas.openxmlformats.org/presentationml/2006/main">
   <p:cSld>
+    <p:bg>
+      <p:bgPr>
+        <a:solidFill>
+          <a:schemeClr val="bg1"/>
+        </a:solidFill>
+        <a:effectLst/>
+      </p:bgPr>
+    </p:bg>
     <p:spTree>
       <p:nvGrpSpPr>
-        <p:cNvPr id="1" name="">
-          <a:extLst>
-            <a:ext uri="{FF2B5EF4-FFF2-40B4-BE49-F238E27FC236}">
-              <a16:creationId xmlns:a16="http://schemas.microsoft.com/office/drawing/2014/main" id="{63F052C4-B740-3B75-4EE3-2F4EEA218213}"/>
-            </a:ext>
-          </a:extLst>
-        </p:cNvPr>
+        <p:cNvPr id="1" name=""/>
         <p:cNvGrpSpPr/>
         <p:nvPr/>
       </p:nvGrpSpPr>
@@ -4714,10 +4727,10 @@
       </p:grpSpPr>
       <p:pic>
         <p:nvPicPr>
-          <p:cNvPr id="3" name="Picture 2" descr="A graph of a graph&#10;&#10;Description automatically generated">
-            <a:extLst>
-              <a:ext uri="{FF2B5EF4-FFF2-40B4-BE49-F238E27FC236}">
-                <a16:creationId xmlns:a16="http://schemas.microsoft.com/office/drawing/2014/main" id="{21623C33-E24C-1596-4B88-8289AD96F518}"/>
+          <p:cNvPr id="3" name="Picture 2" descr="A graph with lines and numbers&#10;&#10;Description automatically generated">
+            <a:extLst>
+              <a:ext uri="{FF2B5EF4-FFF2-40B4-BE49-F238E27FC236}">
+                <a16:creationId xmlns:a16="http://schemas.microsoft.com/office/drawing/2014/main" id="{8B03AB49-15B7-9EB1-9AAA-DD4D97E3B81A}"/>
               </a:ext>
             </a:extLst>
           </p:cNvPr>
@@ -4751,7 +4764,7 @@
     </p:spTree>
     <p:extLst>
       <p:ext uri="{BB962C8B-B14F-4D97-AF65-F5344CB8AC3E}">
-        <p14:creationId xmlns:p14="http://schemas.microsoft.com/office/powerpoint/2010/main" val="981264521"/>
+        <p14:creationId xmlns:p14="http://schemas.microsoft.com/office/powerpoint/2010/main" val="1192567665"/>
       </p:ext>
     </p:extLst>
   </p:cSld>
@@ -4786,12 +4799,47 @@
           <a:chExt cx="0" cy="0"/>
         </a:xfrm>
       </p:grpSpPr>
+      <p:sp>
+        <p:nvSpPr>
+          <p:cNvPr id="6" name="TextBox 5">
+            <a:extLst>
+              <a:ext uri="{FF2B5EF4-FFF2-40B4-BE49-F238E27FC236}">
+                <a16:creationId xmlns:a16="http://schemas.microsoft.com/office/drawing/2014/main" id="{652BE46A-4154-A176-6EF5-46AF72373274}"/>
+              </a:ext>
+            </a:extLst>
+          </p:cNvPr>
+          <p:cNvSpPr txBox="1"/>
+          <p:nvPr/>
+        </p:nvSpPr>
+        <p:spPr>
+          <a:xfrm>
+            <a:off x="449943" y="264457"/>
+            <a:ext cx="2310825" cy="369332"/>
+          </a:xfrm>
+          <a:prstGeom prst="rect">
+            <a:avLst/>
+          </a:prstGeom>
+          <a:noFill/>
+        </p:spPr>
+        <p:txBody>
+          <a:bodyPr wrap="none" rtlCol="0">
+            <a:spAutoFit/>
+          </a:bodyPr>
+          <a:lstStyle/>
+          <a:p>
+            <a:r>
+              <a:rPr lang="en-US" dirty="0"/>
+              <a:t>Top 10 strategies only</a:t>
+            </a:r>
+          </a:p>
+        </p:txBody>
+      </p:sp>
       <p:pic>
         <p:nvPicPr>
-          <p:cNvPr id="3" name="Picture 2" descr="A graph of a graph&#10;&#10;Description automatically generated with medium confidence">
-            <a:extLst>
-              <a:ext uri="{FF2B5EF4-FFF2-40B4-BE49-F238E27FC236}">
-                <a16:creationId xmlns:a16="http://schemas.microsoft.com/office/drawing/2014/main" id="{1299CAF1-FA48-1D69-50A8-5A04A2B776A0}"/>
+          <p:cNvPr id="3" name="Picture 2" descr="A graph of different colored lines&#10;&#10;Description automatically generated">
+            <a:extLst>
+              <a:ext uri="{FF2B5EF4-FFF2-40B4-BE49-F238E27FC236}">
+                <a16:creationId xmlns:a16="http://schemas.microsoft.com/office/drawing/2014/main" id="{4C837D83-22DC-512D-1707-2DAD8BE51A4F}"/>
               </a:ext>
             </a:extLst>
           </p:cNvPr>
@@ -4814,8 +4862,8 @@
         </p:blipFill>
         <p:spPr>
           <a:xfrm>
-            <a:off x="643467" y="1247985"/>
-            <a:ext cx="10905066" cy="4362028"/>
+            <a:off x="3352794" y="1600196"/>
+            <a:ext cx="5486411" cy="3657607"/>
           </a:xfrm>
           <a:prstGeom prst="rect">
             <a:avLst/>
@@ -4825,81 +4873,7 @@
     </p:spTree>
     <p:extLst>
       <p:ext uri="{BB962C8B-B14F-4D97-AF65-F5344CB8AC3E}">
-        <p14:creationId xmlns:p14="http://schemas.microsoft.com/office/powerpoint/2010/main" val="572464560"/>
-      </p:ext>
-    </p:extLst>
-  </p:cSld>
-  <p:clrMapOvr>
-    <a:masterClrMapping/>
-  </p:clrMapOvr>
-</p:sld>
-</file>
-
-<file path=ppt/slides/slide22.xml><?xml version="1.0" encoding="utf-8"?>
-<p:sld xmlns:a="http://schemas.openxmlformats.org/drawingml/2006/main" xmlns:r="http://schemas.openxmlformats.org/officeDocument/2006/relationships" xmlns:p="http://schemas.openxmlformats.org/presentationml/2006/main">
-  <p:cSld>
-    <p:bg>
-      <p:bgPr>
-        <a:solidFill>
-          <a:schemeClr val="bg1"/>
-        </a:solidFill>
-        <a:effectLst/>
-      </p:bgPr>
-    </p:bg>
-    <p:spTree>
-      <p:nvGrpSpPr>
-        <p:cNvPr id="1" name=""/>
-        <p:cNvGrpSpPr/>
-        <p:nvPr/>
-      </p:nvGrpSpPr>
-      <p:grpSpPr>
-        <a:xfrm>
-          <a:off x="0" y="0"/>
-          <a:ext cx="0" cy="0"/>
-          <a:chOff x="0" y="0"/>
-          <a:chExt cx="0" cy="0"/>
-        </a:xfrm>
-      </p:grpSpPr>
-      <p:pic>
-        <p:nvPicPr>
-          <p:cNvPr id="3" name="Picture 2" descr="A graph with lines and numbers&#10;&#10;Description automatically generated">
-            <a:extLst>
-              <a:ext uri="{FF2B5EF4-FFF2-40B4-BE49-F238E27FC236}">
-                <a16:creationId xmlns:a16="http://schemas.microsoft.com/office/drawing/2014/main" id="{8B03AB49-15B7-9EB1-9AAA-DD4D97E3B81A}"/>
-              </a:ext>
-            </a:extLst>
-          </p:cNvPr>
-          <p:cNvPicPr>
-            <a:picLocks noChangeAspect="1"/>
-          </p:cNvPicPr>
-          <p:nvPr/>
-        </p:nvPicPr>
-        <p:blipFill>
-          <a:blip r:embed="rId2">
-            <a:extLst>
-              <a:ext uri="{28A0092B-C50C-407E-A947-70E740481C1C}">
-                <a14:useLocalDpi xmlns:a14="http://schemas.microsoft.com/office/drawing/2010/main" val="0"/>
-              </a:ext>
-            </a:extLst>
-          </a:blip>
-          <a:stretch>
-            <a:fillRect/>
-          </a:stretch>
-        </p:blipFill>
-        <p:spPr>
-          <a:xfrm>
-            <a:off x="643467" y="1247985"/>
-            <a:ext cx="10905066" cy="4362028"/>
-          </a:xfrm>
-          <a:prstGeom prst="rect">
-            <a:avLst/>
-          </a:prstGeom>
-        </p:spPr>
-      </p:pic>
-    </p:spTree>
-    <p:extLst>
-      <p:ext uri="{BB962C8B-B14F-4D97-AF65-F5344CB8AC3E}">
-        <p14:creationId xmlns:p14="http://schemas.microsoft.com/office/powerpoint/2010/main" val="1192567665"/>
+        <p14:creationId xmlns:p14="http://schemas.microsoft.com/office/powerpoint/2010/main" val="2364121533"/>
       </p:ext>
     </p:extLst>
   </p:cSld>
